--- a/Task3/doc/Task3.pptx
+++ b/Task3/doc/Task3.pptx
@@ -11,6 +11,9 @@
     <p:sldId id="260" r:id="rId5"/>
     <p:sldId id="261" r:id="rId6"/>
     <p:sldId id="262" r:id="rId7"/>
+    <p:sldId id="264" r:id="rId8"/>
+    <p:sldId id="263" r:id="rId9"/>
+    <p:sldId id="265" r:id="rId10"/>
   </p:sldIdLst>
   <p:sldSz cx="9144000" cy="6858000" type="screen4x3"/>
   <p:notesSz cx="6858000" cy="9144000"/>
@@ -109,6 +112,11 @@
       </a:defRPr>
     </a:lvl9pPr>
   </p:defaultTextStyle>
+  <p:extLst>
+    <p:ext uri="{EFAFB233-063F-42B5-8137-9DF3F51BA10A}">
+      <p15:sldGuideLst xmlns:p15="http://schemas.microsoft.com/office/powerpoint/2012/main"/>
+    </p:ext>
+  </p:extLst>
 </p:presentation>
 </file>
 
@@ -3326,6 +3334,72 @@
           <a:chExt cx="0" cy="0"/>
         </a:xfrm>
       </p:grpSpPr>
+      <p:pic>
+        <p:nvPicPr>
+          <p:cNvPr id="1030" name="Picture 6" descr="Image result for machine learning png">
+            <a:extLst>
+              <a:ext uri="{FF2B5EF4-FFF2-40B4-BE49-F238E27FC236}">
+                <a16:creationId xmlns:a16="http://schemas.microsoft.com/office/drawing/2014/main" id="{9CB047C7-DB6C-4641-92BD-A5318B90FDA3}"/>
+              </a:ext>
+            </a:extLst>
+          </p:cNvPr>
+          <p:cNvPicPr>
+            <a:picLocks noChangeAspect="1" noChangeArrowheads="1"/>
+          </p:cNvPicPr>
+          <p:nvPr/>
+        </p:nvPicPr>
+        <p:blipFill>
+          <a:blip r:embed="rId2">
+            <a:extLst>
+              <a:ext uri="{BEBA8EAE-BF5A-486C-A8C5-ECC9F3942E4B}">
+                <a14:imgProps xmlns:a14="http://schemas.microsoft.com/office/drawing/2010/main">
+                  <a14:imgLayer r:embed="rId3">
+                    <a14:imgEffect>
+                      <a14:backgroundRemoval t="10000" b="90000" l="10000" r="90000">
+                        <a14:foregroundMark x1="68889" y1="33000" x2="68889" y2="33000"/>
+                        <a14:foregroundMark x1="55778" y1="41200" x2="55778" y2="41200"/>
+                        <a14:foregroundMark x1="57333" y1="49400" x2="57333" y2="49400"/>
+                        <a14:foregroundMark x1="57556" y1="48000" x2="57556" y2="48000"/>
+                        <a14:foregroundMark x1="62667" y1="50000" x2="62667" y2="50000"/>
+                        <a14:foregroundMark x1="61444" y1="60000" x2="61444" y2="60000"/>
+                        <a14:foregroundMark x1="59667" y1="75000" x2="59667" y2="75000"/>
+                        <a14:foregroundMark x1="55000" y1="56400" x2="55000" y2="56400"/>
+                        <a14:backgroundMark x1="57667" y1="45800" x2="57667" y2="45800"/>
+                      </a14:backgroundRemoval>
+                    </a14:imgEffect>
+                  </a14:imgLayer>
+                </a14:imgProps>
+              </a:ext>
+              <a:ext uri="{28A0092B-C50C-407E-A947-70E740481C1C}">
+                <a14:useLocalDpi xmlns:a14="http://schemas.microsoft.com/office/drawing/2010/main" val="0"/>
+              </a:ext>
+            </a:extLst>
+          </a:blip>
+          <a:srcRect/>
+          <a:stretch>
+            <a:fillRect/>
+          </a:stretch>
+        </p:blipFill>
+        <p:spPr bwMode="auto">
+          <a:xfrm>
+            <a:off x="-159113" y="4339619"/>
+            <a:ext cx="3342226" cy="1856793"/>
+          </a:xfrm>
+          <a:prstGeom prst="rect">
+            <a:avLst/>
+          </a:prstGeom>
+          <a:noFill/>
+          <a:extLst>
+            <a:ext uri="{909E8E84-426E-40DD-AFC4-6F175D3DCCD1}">
+              <a14:hiddenFill xmlns:a14="http://schemas.microsoft.com/office/drawing/2010/main">
+                <a:solidFill>
+                  <a:srgbClr val="FFFFFF"/>
+                </a:solidFill>
+              </a14:hiddenFill>
+            </a:ext>
+          </a:extLst>
+        </p:spPr>
+      </p:pic>
       <p:sp>
         <p:nvSpPr>
           <p:cNvPr id="4" name="Rectángulo 4">
@@ -3710,7 +3784,7 @@
           <p:nvPr/>
         </p:nvPicPr>
         <p:blipFill>
-          <a:blip r:embed="rId2">
+          <a:blip r:embed="rId4">
             <a:extLst>
               <a:ext uri="{28A0092B-C50C-407E-A947-70E740481C1C}">
                 <a14:useLocalDpi xmlns:a14="http://schemas.microsoft.com/office/drawing/2010/main" val="0"/>
@@ -3746,7 +3820,7 @@
           <p:nvPr/>
         </p:nvPicPr>
         <p:blipFill>
-          <a:blip r:embed="rId3">
+          <a:blip r:embed="rId5">
             <a:extLst>
               <a:ext uri="{28A0092B-C50C-407E-A947-70E740481C1C}">
                 <a14:useLocalDpi xmlns:a14="http://schemas.microsoft.com/office/drawing/2010/main" val="0"/>
@@ -3951,74 +4025,8 @@
           <p:nvPr/>
         </p:nvPicPr>
         <p:blipFill>
-          <a:blip r:embed="rId4">
-            <a:extLst>
-              <a:ext uri="{28A0092B-C50C-407E-A947-70E740481C1C}">
-                <a14:useLocalDpi xmlns:a14="http://schemas.microsoft.com/office/drawing/2010/main" val="0"/>
-              </a:ext>
-            </a:extLst>
-          </a:blip>
-          <a:srcRect/>
-          <a:stretch>
-            <a:fillRect/>
-          </a:stretch>
-        </p:blipFill>
-        <p:spPr bwMode="auto">
-          <a:xfrm rot="20977007">
-            <a:off x="605050" y="4436891"/>
-            <a:ext cx="1011500" cy="1395870"/>
-          </a:xfrm>
-          <a:prstGeom prst="rect">
-            <a:avLst/>
-          </a:prstGeom>
-          <a:noFill/>
-          <a:extLst>
-            <a:ext uri="{909E8E84-426E-40DD-AFC4-6F175D3DCCD1}">
-              <a14:hiddenFill xmlns:a14="http://schemas.microsoft.com/office/drawing/2010/main">
-                <a:solidFill>
-                  <a:srgbClr val="FFFFFF"/>
-                </a:solidFill>
-              </a14:hiddenFill>
-            </a:ext>
-          </a:extLst>
-        </p:spPr>
-      </p:pic>
-      <p:pic>
-        <p:nvPicPr>
-          <p:cNvPr id="1030" name="Picture 6" descr="Image result for machine learning png">
-            <a:extLst>
-              <a:ext uri="{FF2B5EF4-FFF2-40B4-BE49-F238E27FC236}">
-                <a16:creationId xmlns:a16="http://schemas.microsoft.com/office/drawing/2014/main" id="{9CB047C7-DB6C-4641-92BD-A5318B90FDA3}"/>
-              </a:ext>
-            </a:extLst>
-          </p:cNvPr>
-          <p:cNvPicPr>
-            <a:picLocks noChangeAspect="1" noChangeArrowheads="1"/>
-          </p:cNvPicPr>
-          <p:nvPr/>
-        </p:nvPicPr>
-        <p:blipFill>
-          <a:blip r:embed="rId5">
-            <a:extLst>
-              <a:ext uri="{BEBA8EAE-BF5A-486C-A8C5-ECC9F3942E4B}">
-                <a14:imgProps xmlns:a14="http://schemas.microsoft.com/office/drawing/2010/main">
-                  <a14:imgLayer r:embed="rId6">
-                    <a14:imgEffect>
-                      <a14:backgroundRemoval t="10000" b="90000" l="10000" r="90000">
-                        <a14:foregroundMark x1="68889" y1="33000" x2="68889" y2="33000"/>
-                        <a14:foregroundMark x1="55778" y1="41200" x2="55778" y2="41200"/>
-                        <a14:foregroundMark x1="57333" y1="49400" x2="57333" y2="49400"/>
-                        <a14:foregroundMark x1="57556" y1="48000" x2="57556" y2="48000"/>
-                        <a14:foregroundMark x1="62667" y1="50000" x2="62667" y2="50000"/>
-                        <a14:foregroundMark x1="61444" y1="60000" x2="61444" y2="60000"/>
-                        <a14:foregroundMark x1="59667" y1="75000" x2="59667" y2="75000"/>
-                        <a14:foregroundMark x1="55000" y1="56400" x2="55000" y2="56400"/>
-                        <a14:backgroundMark x1="57667" y1="45800" x2="57667" y2="45800"/>
-                      </a14:backgroundRemoval>
-                    </a14:imgEffect>
-                  </a14:imgLayer>
-                </a14:imgProps>
-              </a:ext>
+          <a:blip r:embed="rId6">
+            <a:extLst>
               <a:ext uri="{28A0092B-C50C-407E-A947-70E740481C1C}">
                 <a14:useLocalDpi xmlns:a14="http://schemas.microsoft.com/office/drawing/2010/main" val="0"/>
               </a:ext>
@@ -4031,8 +4039,8 @@
         </p:blipFill>
         <p:spPr bwMode="auto">
           <a:xfrm>
-            <a:off x="1573204" y="4335915"/>
-            <a:ext cx="3476337" cy="1931299"/>
+            <a:off x="2570688" y="4449131"/>
+            <a:ext cx="1069285" cy="1475613"/>
           </a:xfrm>
           <a:prstGeom prst="rect">
             <a:avLst/>
@@ -4569,22 +4577,12 @@
         </p:blipFill>
         <p:spPr>
           <a:xfrm>
-            <a:off x="355870" y="1357210"/>
+            <a:off x="355870" y="1711296"/>
             <a:ext cx="3825750" cy="2991298"/>
           </a:xfrm>
           <a:prstGeom prst="rect">
             <a:avLst/>
           </a:prstGeom>
-          <a:ln>
-            <a:noFill/>
-          </a:ln>
-          <a:effectLst>
-            <a:outerShdw blurRad="292100" dist="139700" dir="2700000" algn="tl" rotWithShape="0">
-              <a:srgbClr val="333333">
-                <a:alpha val="65000"/>
-              </a:srgbClr>
-            </a:outerShdw>
-          </a:effectLst>
         </p:spPr>
       </p:pic>
       <p:pic>
@@ -4615,22 +4613,12 @@
         </p:blipFill>
         <p:spPr>
           <a:xfrm>
-            <a:off x="4670429" y="1357211"/>
+            <a:off x="4723695" y="1706648"/>
             <a:ext cx="3848759" cy="2991298"/>
           </a:xfrm>
           <a:prstGeom prst="rect">
             <a:avLst/>
           </a:prstGeom>
-          <a:ln>
-            <a:noFill/>
-          </a:ln>
-          <a:effectLst>
-            <a:outerShdw blurRad="292100" dist="139700" dir="2700000" algn="tl" rotWithShape="0">
-              <a:srgbClr val="333333">
-                <a:alpha val="65000"/>
-              </a:srgbClr>
-            </a:outerShdw>
-          </a:effectLst>
         </p:spPr>
       </p:pic>
       <p:sp>
@@ -4940,12 +4928,478 @@
           </a:prstGeom>
         </p:spPr>
       </p:pic>
+      <p:sp>
+        <p:nvSpPr>
+          <p:cNvPr id="9" name="Rectángulo 20">
+            <a:extLst>
+              <a:ext uri="{FF2B5EF4-FFF2-40B4-BE49-F238E27FC236}">
+                <a16:creationId xmlns:a16="http://schemas.microsoft.com/office/drawing/2014/main" id="{1DF05785-0087-466C-8E88-CC2BC2FA934D}"/>
+              </a:ext>
+            </a:extLst>
+          </p:cNvPr>
+          <p:cNvSpPr/>
+          <p:nvPr/>
+        </p:nvSpPr>
+        <p:spPr>
+          <a:xfrm>
+            <a:off x="0" y="6616284"/>
+            <a:ext cx="9144001" cy="293037"/>
+          </a:xfrm>
+          <a:prstGeom prst="rect">
+            <a:avLst/>
+          </a:prstGeom>
+          <a:ln>
+            <a:noFill/>
+          </a:ln>
+        </p:spPr>
+        <p:style>
+          <a:lnRef idx="2">
+            <a:schemeClr val="dk1">
+              <a:shade val="50000"/>
+            </a:schemeClr>
+          </a:lnRef>
+          <a:fillRef idx="1">
+            <a:schemeClr val="dk1"/>
+          </a:fillRef>
+          <a:effectRef idx="0">
+            <a:schemeClr val="dk1"/>
+          </a:effectRef>
+          <a:fontRef idx="minor">
+            <a:schemeClr val="lt1"/>
+          </a:fontRef>
+        </p:style>
+        <p:txBody>
+          <a:bodyPr rot="0" spcFirstLastPara="0" vertOverflow="overflow" horzOverflow="overflow" vert="horz" wrap="square" lIns="91440" tIns="45720" rIns="91440" bIns="45720" numCol="1" spcCol="0" rtlCol="0" fromWordArt="0" anchor="ctr" anchorCtr="0" forceAA="0" compatLnSpc="1">
+            <a:prstTxWarp prst="textNoShape">
+              <a:avLst/>
+            </a:prstTxWarp>
+            <a:noAutofit/>
+          </a:bodyPr>
+          <a:lstStyle/>
+          <a:p>
+            <a:pPr algn="r"/>
+            <a:endParaRPr lang="es-ES" dirty="0"/>
+          </a:p>
+        </p:txBody>
+      </p:sp>
+      <p:sp>
+        <p:nvSpPr>
+          <p:cNvPr id="10" name="CuadroTexto 15">
+            <a:extLst>
+              <a:ext uri="{FF2B5EF4-FFF2-40B4-BE49-F238E27FC236}">
+                <a16:creationId xmlns:a16="http://schemas.microsoft.com/office/drawing/2014/main" id="{0BF9BA1D-55DD-487E-A2CC-46D63AD0A8CE}"/>
+              </a:ext>
+            </a:extLst>
+          </p:cNvPr>
+          <p:cNvSpPr txBox="1"/>
+          <p:nvPr/>
+        </p:nvSpPr>
+        <p:spPr>
+          <a:xfrm>
+            <a:off x="0" y="6607436"/>
+            <a:ext cx="9144000" cy="307777"/>
+          </a:xfrm>
+          <a:prstGeom prst="rect">
+            <a:avLst/>
+          </a:prstGeom>
+          <a:noFill/>
+        </p:spPr>
+        <p:txBody>
+          <a:bodyPr wrap="square" rtlCol="0">
+            <a:spAutoFit/>
+          </a:bodyPr>
+          <a:lstStyle/>
+          <a:p>
+            <a:pPr algn="ctr"/>
+            <a:r>
+              <a:rPr lang="es-ES" sz="1400" dirty="0">
+                <a:solidFill>
+                  <a:schemeClr val="bg1"/>
+                </a:solidFill>
+                <a:latin typeface="Arial Black" panose="020B0A04020102020204" pitchFamily="34" charset="0"/>
+              </a:rPr>
+              <a:t>Machine </a:t>
+            </a:r>
+            <a:r>
+              <a:rPr lang="es-ES" sz="1400" dirty="0" err="1">
+                <a:solidFill>
+                  <a:schemeClr val="bg1"/>
+                </a:solidFill>
+                <a:latin typeface="Arial Black" panose="020B0A04020102020204" pitchFamily="34" charset="0"/>
+              </a:rPr>
+              <a:t>Learning</a:t>
+            </a:r>
+            <a:r>
+              <a:rPr lang="es-ES" sz="1400" dirty="0">
+                <a:solidFill>
+                  <a:schemeClr val="bg1"/>
+                </a:solidFill>
+                <a:latin typeface="Arial Black" panose="020B0A04020102020204" pitchFamily="34" charset="0"/>
+              </a:rPr>
+              <a:t> </a:t>
+            </a:r>
+            <a:r>
+              <a:rPr lang="es-ES" sz="1400" dirty="0" err="1">
+                <a:solidFill>
+                  <a:schemeClr val="bg1"/>
+                </a:solidFill>
+                <a:latin typeface="Arial Black" panose="020B0A04020102020204" pitchFamily="34" charset="0"/>
+              </a:rPr>
+              <a:t>Techniques</a:t>
+            </a:r>
+            <a:endParaRPr lang="es-ES" sz="1400" dirty="0">
+              <a:solidFill>
+                <a:schemeClr val="bg1"/>
+              </a:solidFill>
+              <a:latin typeface="Arial Black" panose="020B0A04020102020204" pitchFamily="34" charset="0"/>
+            </a:endParaRPr>
+          </a:p>
+        </p:txBody>
+      </p:sp>
+      <p:sp>
+        <p:nvSpPr>
+          <p:cNvPr id="12" name="Título 1">
+            <a:extLst>
+              <a:ext uri="{FF2B5EF4-FFF2-40B4-BE49-F238E27FC236}">
+                <a16:creationId xmlns:a16="http://schemas.microsoft.com/office/drawing/2014/main" id="{B9F5A9DB-38F4-4EB1-A5DC-0C9BEFDE6550}"/>
+              </a:ext>
+            </a:extLst>
+          </p:cNvPr>
+          <p:cNvSpPr txBox="1">
+            <a:spLocks/>
+          </p:cNvSpPr>
+          <p:nvPr/>
+        </p:nvSpPr>
+        <p:spPr>
+          <a:xfrm>
+            <a:off x="60368" y="664358"/>
+            <a:ext cx="9144000" cy="380446"/>
+          </a:xfrm>
+          <a:prstGeom prst="rect">
+            <a:avLst/>
+          </a:prstGeom>
+        </p:spPr>
+        <p:txBody>
+          <a:bodyPr vert="horz" lIns="91440" tIns="45720" rIns="91440" bIns="45720" rtlCol="0" anchor="b">
+            <a:noAutofit/>
+          </a:bodyPr>
+          <a:lstStyle>
+            <a:lvl1pPr algn="ctr" defTabSz="914400" rtl="0" eaLnBrk="1" latinLnBrk="0" hangingPunct="1">
+              <a:lnSpc>
+                <a:spcPct val="90000"/>
+              </a:lnSpc>
+              <a:spcBef>
+                <a:spcPct val="0"/>
+              </a:spcBef>
+              <a:buNone/>
+              <a:defRPr sz="6000" kern="1200">
+                <a:solidFill>
+                  <a:schemeClr val="tx1"/>
+                </a:solidFill>
+                <a:latin typeface="+mj-lt"/>
+                <a:ea typeface="+mj-ea"/>
+                <a:cs typeface="+mj-cs"/>
+              </a:defRPr>
+            </a:lvl1pPr>
+          </a:lstStyle>
+          <a:p>
+            <a:r>
+              <a:rPr lang="es-ES" sz="2800" b="1" dirty="0" err="1">
+                <a:solidFill>
+                  <a:schemeClr val="bg1"/>
+                </a:solidFill>
+                <a:latin typeface="Arial Black" panose="020B0A04020102020204" pitchFamily="34" charset="0"/>
+              </a:rPr>
+              <a:t>Decision</a:t>
+            </a:r>
+            <a:r>
+              <a:rPr lang="es-ES" sz="2800" b="1" dirty="0">
+                <a:solidFill>
+                  <a:schemeClr val="bg1"/>
+                </a:solidFill>
+                <a:latin typeface="Arial Black" panose="020B0A04020102020204" pitchFamily="34" charset="0"/>
+              </a:rPr>
+              <a:t> </a:t>
+            </a:r>
+            <a:r>
+              <a:rPr lang="es-ES" sz="2800" b="1" dirty="0" err="1">
+                <a:solidFill>
+                  <a:schemeClr val="bg1"/>
+                </a:solidFill>
+                <a:latin typeface="Arial Black" panose="020B0A04020102020204" pitchFamily="34" charset="0"/>
+              </a:rPr>
+              <a:t>Tree</a:t>
+            </a:r>
+            <a:endParaRPr lang="es-ES" sz="2800" b="1" dirty="0">
+              <a:solidFill>
+                <a:schemeClr val="bg1"/>
+              </a:solidFill>
+              <a:latin typeface="Arial Black" panose="020B0A04020102020204" pitchFamily="34" charset="0"/>
+            </a:endParaRPr>
+          </a:p>
+        </p:txBody>
+      </p:sp>
+    </p:spTree>
+    <p:extLst>
+      <p:ext uri="{BB962C8B-B14F-4D97-AF65-F5344CB8AC3E}">
+        <p14:creationId xmlns:p14="http://schemas.microsoft.com/office/powerpoint/2010/main" val="1427788171"/>
+      </p:ext>
+    </p:extLst>
+  </p:cSld>
+  <p:clrMapOvr>
+    <a:masterClrMapping/>
+  </p:clrMapOvr>
+</p:sld>
+</file>
+
+<file path=ppt/slides/slide4.xml><?xml version="1.0" encoding="utf-8"?>
+<p:sld xmlns:a="http://schemas.openxmlformats.org/drawingml/2006/main" xmlns:r="http://schemas.openxmlformats.org/officeDocument/2006/relationships" xmlns:p="http://schemas.openxmlformats.org/presentationml/2006/main">
+  <p:cSld>
+    <p:spTree>
+      <p:nvGrpSpPr>
+        <p:cNvPr id="1" name=""/>
+        <p:cNvGrpSpPr/>
+        <p:nvPr/>
+      </p:nvGrpSpPr>
+      <p:grpSpPr>
+        <a:xfrm>
+          <a:off x="0" y="0"/>
+          <a:ext cx="0" cy="0"/>
+          <a:chOff x="0" y="0"/>
+          <a:chExt cx="0" cy="0"/>
+        </a:xfrm>
+      </p:grpSpPr>
+      <p:sp>
+        <p:nvSpPr>
+          <p:cNvPr id="4" name="Rectángulo 4">
+            <a:extLst>
+              <a:ext uri="{FF2B5EF4-FFF2-40B4-BE49-F238E27FC236}">
+                <a16:creationId xmlns:a16="http://schemas.microsoft.com/office/drawing/2014/main" id="{A0194004-B960-4FE7-979F-3E2FF9E5B744}"/>
+              </a:ext>
+            </a:extLst>
+          </p:cNvPr>
+          <p:cNvSpPr/>
+          <p:nvPr/>
+        </p:nvSpPr>
+        <p:spPr>
+          <a:xfrm>
+            <a:off x="-1" y="-9838"/>
+            <a:ext cx="9144001" cy="1008218"/>
+          </a:xfrm>
+          <a:prstGeom prst="rect">
+            <a:avLst/>
+          </a:prstGeom>
+          <a:ln>
+            <a:noFill/>
+          </a:ln>
+        </p:spPr>
+        <p:style>
+          <a:lnRef idx="2">
+            <a:schemeClr val="dk1">
+              <a:shade val="50000"/>
+            </a:schemeClr>
+          </a:lnRef>
+          <a:fillRef idx="1">
+            <a:schemeClr val="dk1"/>
+          </a:fillRef>
+          <a:effectRef idx="0">
+            <a:schemeClr val="dk1"/>
+          </a:effectRef>
+          <a:fontRef idx="minor">
+            <a:schemeClr val="lt1"/>
+          </a:fontRef>
+        </p:style>
+        <p:txBody>
+          <a:bodyPr rot="0" spcFirstLastPara="0" vertOverflow="overflow" horzOverflow="overflow" vert="horz" wrap="square" lIns="91440" tIns="45720" rIns="91440" bIns="45720" numCol="1" spcCol="0" rtlCol="0" fromWordArt="0" anchor="ctr" anchorCtr="0" forceAA="0" compatLnSpc="1">
+            <a:prstTxWarp prst="textNoShape">
+              <a:avLst/>
+            </a:prstTxWarp>
+            <a:noAutofit/>
+          </a:bodyPr>
+          <a:lstStyle/>
+          <a:p>
+            <a:pPr algn="r"/>
+            <a:endParaRPr lang="es-ES" dirty="0"/>
+          </a:p>
+        </p:txBody>
+      </p:sp>
+      <p:sp>
+        <p:nvSpPr>
+          <p:cNvPr id="5" name="Título 1">
+            <a:extLst>
+              <a:ext uri="{FF2B5EF4-FFF2-40B4-BE49-F238E27FC236}">
+                <a16:creationId xmlns:a16="http://schemas.microsoft.com/office/drawing/2014/main" id="{833A7F59-AC65-4019-8053-AF5CAD985D71}"/>
+              </a:ext>
+            </a:extLst>
+          </p:cNvPr>
+          <p:cNvSpPr txBox="1">
+            <a:spLocks/>
+          </p:cNvSpPr>
+          <p:nvPr/>
+        </p:nvSpPr>
+        <p:spPr>
+          <a:xfrm>
+            <a:off x="0" y="-112489"/>
+            <a:ext cx="9144000" cy="858412"/>
+          </a:xfrm>
+          <a:prstGeom prst="rect">
+            <a:avLst/>
+          </a:prstGeom>
+        </p:spPr>
+        <p:txBody>
+          <a:bodyPr vert="horz" lIns="91440" tIns="45720" rIns="91440" bIns="45720" rtlCol="0" anchor="ctr">
+            <a:normAutofit/>
+          </a:bodyPr>
+          <a:lstStyle>
+            <a:lvl1pPr algn="l" defTabSz="685800" rtl="0" eaLnBrk="1" latinLnBrk="0" hangingPunct="1">
+              <a:lnSpc>
+                <a:spcPct val="90000"/>
+              </a:lnSpc>
+              <a:spcBef>
+                <a:spcPct val="0"/>
+              </a:spcBef>
+              <a:buNone/>
+              <a:defRPr sz="3300" kern="1200">
+                <a:solidFill>
+                  <a:schemeClr val="tx1"/>
+                </a:solidFill>
+                <a:latin typeface="+mj-lt"/>
+                <a:ea typeface="+mj-ea"/>
+                <a:cs typeface="+mj-cs"/>
+              </a:defRPr>
+            </a:lvl1pPr>
+          </a:lstStyle>
+          <a:p>
+            <a:pPr algn="ctr"/>
+            <a:r>
+              <a:rPr lang="es-ES" sz="4400" b="1" dirty="0" err="1">
+                <a:solidFill>
+                  <a:schemeClr val="bg1"/>
+                </a:solidFill>
+                <a:latin typeface="Arial Black" panose="020B0A04020102020204" pitchFamily="34" charset="0"/>
+              </a:rPr>
+              <a:t>First</a:t>
+            </a:r>
+            <a:r>
+              <a:rPr lang="es-ES" sz="4400" b="1" dirty="0">
+                <a:solidFill>
+                  <a:schemeClr val="bg1"/>
+                </a:solidFill>
+                <a:latin typeface="Arial Black" panose="020B0A04020102020204" pitchFamily="34" charset="0"/>
+              </a:rPr>
+              <a:t> </a:t>
+            </a:r>
+            <a:r>
+              <a:rPr lang="es-ES" sz="4400" b="1" dirty="0" err="1">
+                <a:solidFill>
+                  <a:schemeClr val="bg1"/>
+                </a:solidFill>
+                <a:latin typeface="Arial Black" panose="020B0A04020102020204" pitchFamily="34" charset="0"/>
+              </a:rPr>
+              <a:t>Iteration</a:t>
+            </a:r>
+            <a:endParaRPr lang="es-ES" sz="4400" b="1" dirty="0">
+              <a:solidFill>
+                <a:schemeClr val="bg1"/>
+              </a:solidFill>
+              <a:latin typeface="Arial Black" panose="020B0A04020102020204" pitchFamily="34" charset="0"/>
+            </a:endParaRPr>
+          </a:p>
+        </p:txBody>
+      </p:sp>
+      <p:pic>
+        <p:nvPicPr>
+          <p:cNvPr id="6" name="Imagen 9" descr="Imagen que contiene alimentos, dibujo&#10;&#10;Descripción generada automáticamente">
+            <a:extLst>
+              <a:ext uri="{FF2B5EF4-FFF2-40B4-BE49-F238E27FC236}">
+                <a16:creationId xmlns:a16="http://schemas.microsoft.com/office/drawing/2014/main" id="{85F063CD-8421-497E-9462-9FFA3B656C6D}"/>
+              </a:ext>
+            </a:extLst>
+          </p:cNvPr>
+          <p:cNvPicPr>
+            <a:picLocks noChangeAspect="1"/>
+          </p:cNvPicPr>
+          <p:nvPr/>
+        </p:nvPicPr>
+        <p:blipFill>
+          <a:blip r:embed="rId2">
+            <a:extLst>
+              <a:ext uri="{28A0092B-C50C-407E-A947-70E740481C1C}">
+                <a14:useLocalDpi xmlns:a14="http://schemas.microsoft.com/office/drawing/2010/main" val="0"/>
+              </a:ext>
+            </a:extLst>
+          </a:blip>
+          <a:stretch>
+            <a:fillRect/>
+          </a:stretch>
+        </p:blipFill>
+        <p:spPr>
+          <a:xfrm>
+            <a:off x="0" y="0"/>
+            <a:ext cx="1198056" cy="998380"/>
+          </a:xfrm>
+          <a:prstGeom prst="rect">
+            <a:avLst/>
+          </a:prstGeom>
+        </p:spPr>
+      </p:pic>
+      <p:pic>
+        <p:nvPicPr>
+          <p:cNvPr id="7" name="Imagen 13">
+            <a:extLst>
+              <a:ext uri="{FF2B5EF4-FFF2-40B4-BE49-F238E27FC236}">
+                <a16:creationId xmlns:a16="http://schemas.microsoft.com/office/drawing/2014/main" id="{86C708A2-6CB4-4FD8-A302-850792422360}"/>
+              </a:ext>
+            </a:extLst>
+          </p:cNvPr>
+          <p:cNvPicPr>
+            <a:picLocks noChangeAspect="1"/>
+          </p:cNvPicPr>
+          <p:nvPr/>
+        </p:nvPicPr>
+        <p:blipFill rotWithShape="1">
+          <a:blip r:embed="rId3">
+            <a:extLst>
+              <a:ext uri="{BEBA8EAE-BF5A-486C-A8C5-ECC9F3942E4B}">
+                <a14:imgProps xmlns:a14="http://schemas.microsoft.com/office/drawing/2010/main">
+                  <a14:imgLayer r:embed="rId4">
+                    <a14:imgEffect>
+                      <a14:backgroundRemoval t="9732" b="89986" l="4234" r="41176">
+                        <a14:foregroundMark x1="41221" y1="51199" x2="41221" y2="51199"/>
+                        <a14:foregroundMark x1="4234" y1="54443" x2="4234" y2="54443"/>
+                        <a14:foregroundMark x1="40196" y1="17630" x2="40196" y2="17630"/>
+                      </a14:backgroundRemoval>
+                    </a14:imgEffect>
+                    <a14:imgEffect>
+                      <a14:brightnessContrast bright="20000"/>
+                    </a14:imgEffect>
+                  </a14:imgLayer>
+                </a14:imgProps>
+              </a:ext>
+              <a:ext uri="{28A0092B-C50C-407E-A947-70E740481C1C}">
+                <a14:useLocalDpi xmlns:a14="http://schemas.microsoft.com/office/drawing/2010/main" val="0"/>
+              </a:ext>
+            </a:extLst>
+          </a:blip>
+          <a:srcRect r="56027"/>
+          <a:stretch/>
+        </p:blipFill>
+        <p:spPr>
+          <a:xfrm>
+            <a:off x="7953862" y="101005"/>
+            <a:ext cx="1008675" cy="724754"/>
+          </a:xfrm>
+          <a:prstGeom prst="rect">
+            <a:avLst/>
+          </a:prstGeom>
+        </p:spPr>
+      </p:pic>
       <p:cxnSp>
         <p:nvCxnSpPr>
           <p:cNvPr id="8" name="Conector recto 17">
             <a:extLst>
               <a:ext uri="{FF2B5EF4-FFF2-40B4-BE49-F238E27FC236}">
-                <a16:creationId xmlns:a16="http://schemas.microsoft.com/office/drawing/2014/main" id="{65FFBCC9-4DF9-4A60-BAC7-B59DAE2C4392}"/>
+                <a16:creationId xmlns:a16="http://schemas.microsoft.com/office/drawing/2014/main" id="{B717BFF5-A417-4E6A-8907-225AFB7E3A46}"/>
               </a:ext>
             </a:extLst>
           </p:cNvPr>
@@ -4986,7 +5440,7 @@
           <p:cNvPr id="9" name="Rectángulo 20">
             <a:extLst>
               <a:ext uri="{FF2B5EF4-FFF2-40B4-BE49-F238E27FC236}">
-                <a16:creationId xmlns:a16="http://schemas.microsoft.com/office/drawing/2014/main" id="{1DF05785-0087-466C-8E88-CC2BC2FA934D}"/>
+                <a16:creationId xmlns:a16="http://schemas.microsoft.com/office/drawing/2014/main" id="{9E63C1E4-4B23-4DB5-9885-254493875946}"/>
               </a:ext>
             </a:extLst>
           </p:cNvPr>
@@ -5040,7 +5494,7 @@
           <p:cNvPr id="10" name="CuadroTexto 15">
             <a:extLst>
               <a:ext uri="{FF2B5EF4-FFF2-40B4-BE49-F238E27FC236}">
-                <a16:creationId xmlns:a16="http://schemas.microsoft.com/office/drawing/2014/main" id="{0BF9BA1D-55DD-487E-A2CC-46D63AD0A8CE}"/>
+                <a16:creationId xmlns:a16="http://schemas.microsoft.com/office/drawing/2014/main" id="{9D507C7E-FCAF-4543-9CC9-3AF920557414}"/>
               </a:ext>
             </a:extLst>
           </p:cNvPr>
@@ -5111,10 +5565,75 @@
       </p:sp>
       <p:sp>
         <p:nvSpPr>
-          <p:cNvPr id="11" name="Marcador de contenido 2">
-            <a:extLst>
-              <a:ext uri="{FF2B5EF4-FFF2-40B4-BE49-F238E27FC236}">
-                <a16:creationId xmlns:a16="http://schemas.microsoft.com/office/drawing/2014/main" id="{1D55CE6B-8D1E-4751-B969-F0DE41C00CAB}"/>
+          <p:cNvPr id="12" name="Título 1">
+            <a:extLst>
+              <a:ext uri="{FF2B5EF4-FFF2-40B4-BE49-F238E27FC236}">
+                <a16:creationId xmlns:a16="http://schemas.microsoft.com/office/drawing/2014/main" id="{3EEAD43C-56FE-438B-A318-CEA22EB52015}"/>
+              </a:ext>
+            </a:extLst>
+          </p:cNvPr>
+          <p:cNvSpPr txBox="1">
+            <a:spLocks/>
+          </p:cNvSpPr>
+          <p:nvPr/>
+        </p:nvSpPr>
+        <p:spPr>
+          <a:xfrm>
+            <a:off x="60368" y="664358"/>
+            <a:ext cx="9144000" cy="380446"/>
+          </a:xfrm>
+          <a:prstGeom prst="rect">
+            <a:avLst/>
+          </a:prstGeom>
+        </p:spPr>
+        <p:txBody>
+          <a:bodyPr vert="horz" lIns="91440" tIns="45720" rIns="91440" bIns="45720" rtlCol="0" anchor="b">
+            <a:noAutofit/>
+          </a:bodyPr>
+          <a:lstStyle>
+            <a:lvl1pPr algn="ctr" defTabSz="914400" rtl="0" eaLnBrk="1" latinLnBrk="0" hangingPunct="1">
+              <a:lnSpc>
+                <a:spcPct val="90000"/>
+              </a:lnSpc>
+              <a:spcBef>
+                <a:spcPct val="0"/>
+              </a:spcBef>
+              <a:buNone/>
+              <a:defRPr sz="6000" kern="1200">
+                <a:solidFill>
+                  <a:schemeClr val="tx1"/>
+                </a:solidFill>
+                <a:latin typeface="+mj-lt"/>
+                <a:ea typeface="+mj-ea"/>
+                <a:cs typeface="+mj-cs"/>
+              </a:defRPr>
+            </a:lvl1pPr>
+          </a:lstStyle>
+          <a:p>
+            <a:r>
+              <a:rPr lang="es-ES" sz="2800" b="1" dirty="0" err="1">
+                <a:solidFill>
+                  <a:schemeClr val="bg1"/>
+                </a:solidFill>
+                <a:latin typeface="Arial Black" panose="020B0A04020102020204" pitchFamily="34" charset="0"/>
+              </a:rPr>
+              <a:t>Ensembles</a:t>
+            </a:r>
+            <a:endParaRPr lang="es-ES" sz="2800" b="1" dirty="0">
+              <a:solidFill>
+                <a:schemeClr val="bg1"/>
+              </a:solidFill>
+              <a:latin typeface="Arial Black" panose="020B0A04020102020204" pitchFamily="34" charset="0"/>
+            </a:endParaRPr>
+          </a:p>
+        </p:txBody>
+      </p:sp>
+      <p:sp>
+        <p:nvSpPr>
+          <p:cNvPr id="15" name="Marcador de contenido 2">
+            <a:extLst>
+              <a:ext uri="{FF2B5EF4-FFF2-40B4-BE49-F238E27FC236}">
+                <a16:creationId xmlns:a16="http://schemas.microsoft.com/office/drawing/2014/main" id="{A1D891F8-3003-41FB-A61E-6311187C4302}"/>
               </a:ext>
             </a:extLst>
           </p:cNvPr>
@@ -5306,135 +5825,530 @@
               <a:buChar char="•"/>
             </a:pPr>
             <a:r>
+              <a:rPr lang="es-ES" dirty="0" err="1"/>
+              <a:t>Random</a:t>
+            </a:r>
+            <a:r>
               <a:rPr lang="es-ES" dirty="0"/>
-              <a:t>El día a día de las personas con alguna discapacidad puede llegar a ser muy complicado</a:t>
-            </a:r>
-          </a:p>
-          <a:p>
-            <a:pPr marL="342900" indent="-342900" algn="l">
-              <a:buFont typeface="Arial" panose="020B0604020202020204" pitchFamily="34" charset="0"/>
-              <a:buChar char="•"/>
-            </a:pPr>
-            <a:r>
-              <a:rPr lang="es-ES" dirty="0"/>
-              <a:t>Algunas de las cosas que a primera vista podrían parecer simples se convierten en difíciles</a:t>
-            </a:r>
-          </a:p>
-          <a:p>
-            <a:pPr marL="342900" indent="-342900" algn="l">
-              <a:buFont typeface="Arial" panose="020B0604020202020204" pitchFamily="34" charset="0"/>
-              <a:buChar char="•"/>
-            </a:pPr>
-            <a:r>
-              <a:rPr lang="es-ES" dirty="0"/>
-              <a:t>Es por ello que a menudo se les asigna un </a:t>
-            </a:r>
-            <a:r>
-              <a:rPr lang="es-ES" b="1" dirty="0"/>
-              <a:t>tutor personal </a:t>
-            </a:r>
-            <a:r>
-              <a:rPr lang="es-ES" dirty="0"/>
-              <a:t>que les </a:t>
-            </a:r>
-            <a:r>
-              <a:rPr lang="es-ES" b="1" dirty="0"/>
-              <a:t>guía</a:t>
-            </a:r>
-            <a:r>
-              <a:rPr lang="es-ES" dirty="0"/>
-              <a:t> en las actividades que tienen que realizar, cómo organizarse, etc.</a:t>
-            </a:r>
-          </a:p>
-        </p:txBody>
-      </p:sp>
-      <p:sp>
-        <p:nvSpPr>
-          <p:cNvPr id="12" name="Título 1">
-            <a:extLst>
-              <a:ext uri="{FF2B5EF4-FFF2-40B4-BE49-F238E27FC236}">
-                <a16:creationId xmlns:a16="http://schemas.microsoft.com/office/drawing/2014/main" id="{B9F5A9DB-38F4-4EB1-A5DC-0C9BEFDE6550}"/>
-              </a:ext>
-            </a:extLst>
-          </p:cNvPr>
-          <p:cNvSpPr txBox="1">
-            <a:spLocks/>
-          </p:cNvSpPr>
+              <a:t> Forest</a:t>
+            </a:r>
+          </a:p>
+        </p:txBody>
+      </p:sp>
+      <p:graphicFrame>
+        <p:nvGraphicFramePr>
+          <p:cNvPr id="17" name="Table 18">
+            <a:extLst>
+              <a:ext uri="{FF2B5EF4-FFF2-40B4-BE49-F238E27FC236}">
+                <a16:creationId xmlns:a16="http://schemas.microsoft.com/office/drawing/2014/main" id="{FD8D2495-1EB1-468A-8C13-0BECA510FCE7}"/>
+              </a:ext>
+            </a:extLst>
+          </p:cNvPr>
+          <p:cNvGraphicFramePr>
+            <a:graphicFrameLocks noGrp="1"/>
+          </p:cNvGraphicFramePr>
+          <p:nvPr>
+            <p:extLst>
+              <p:ext uri="{D42A27DB-BD31-4B8C-83A1-F6EECF244321}">
+                <p14:modId xmlns:p14="http://schemas.microsoft.com/office/powerpoint/2010/main" val="3628726217"/>
+              </p:ext>
+            </p:extLst>
+          </p:nvPr>
+        </p:nvGraphicFramePr>
+        <p:xfrm>
+          <a:off x="1198056" y="3056804"/>
+          <a:ext cx="2034857" cy="1483360"/>
+        </p:xfrm>
+        <a:graphic>
+          <a:graphicData uri="http://schemas.openxmlformats.org/drawingml/2006/table">
+            <a:tbl>
+              <a:tblPr firstRow="1" bandRow="1">
+                <a:tableStyleId>{5C22544A-7EE6-4342-B048-85BDC9FD1C3A}</a:tableStyleId>
+              </a:tblPr>
+              <a:tblGrid>
+                <a:gridCol w="673417">
+                  <a:extLst>
+                    <a:ext uri="{9D8B030D-6E8A-4147-A177-3AD203B41FA5}">
+                      <a16:colId xmlns:a16="http://schemas.microsoft.com/office/drawing/2014/main" val="365665556"/>
+                    </a:ext>
+                  </a:extLst>
+                </a:gridCol>
+                <a:gridCol w="308293">
+                  <a:extLst>
+                    <a:ext uri="{9D8B030D-6E8A-4147-A177-3AD203B41FA5}">
+                      <a16:colId xmlns:a16="http://schemas.microsoft.com/office/drawing/2014/main" val="2589252102"/>
+                    </a:ext>
+                  </a:extLst>
+                </a:gridCol>
+                <a:gridCol w="570230">
+                  <a:extLst>
+                    <a:ext uri="{9D8B030D-6E8A-4147-A177-3AD203B41FA5}">
+                      <a16:colId xmlns:a16="http://schemas.microsoft.com/office/drawing/2014/main" val="2271225193"/>
+                    </a:ext>
+                  </a:extLst>
+                </a:gridCol>
+                <a:gridCol w="482917">
+                  <a:extLst>
+                    <a:ext uri="{9D8B030D-6E8A-4147-A177-3AD203B41FA5}">
+                      <a16:colId xmlns:a16="http://schemas.microsoft.com/office/drawing/2014/main" val="203997813"/>
+                    </a:ext>
+                  </a:extLst>
+                </a:gridCol>
+              </a:tblGrid>
+              <a:tr h="370840">
+                <a:tc>
+                  <a:txBody>
+                    <a:bodyPr/>
+                    <a:lstStyle/>
+                    <a:p>
+                      <a:pPr algn="ctr"/>
+                      <a:endParaRPr lang="en-US" dirty="0"/>
+                    </a:p>
+                  </a:txBody>
+                  <a:tcPr anchor="ctr">
+                    <a:lnL w="12700" cap="flat" cmpd="sng" algn="ctr">
+                      <a:noFill/>
+                      <a:prstDash val="solid"/>
+                      <a:round/>
+                      <a:headEnd type="none" w="med" len="med"/>
+                      <a:tailEnd type="none" w="med" len="med"/>
+                    </a:lnL>
+                    <a:lnR w="12700" cmpd="sng">
+                      <a:noFill/>
+                    </a:lnR>
+                    <a:lnT w="12700" cmpd="sng">
+                      <a:noFill/>
+                    </a:lnT>
+                    <a:lnB w="38100" cmpd="sng">
+                      <a:noFill/>
+                    </a:lnB>
+                    <a:lnTlToBr w="12700" cmpd="sng">
+                      <a:noFill/>
+                      <a:prstDash val="solid"/>
+                    </a:lnTlToBr>
+                    <a:lnBlToTr w="12700" cmpd="sng">
+                      <a:noFill/>
+                      <a:prstDash val="solid"/>
+                    </a:lnBlToTr>
+                    <a:noFill/>
+                  </a:tcPr>
+                </a:tc>
+                <a:tc>
+                  <a:txBody>
+                    <a:bodyPr/>
+                    <a:lstStyle/>
+                    <a:p>
+                      <a:pPr algn="ctr"/>
+                      <a:endParaRPr lang="en-US" dirty="0"/>
+                    </a:p>
+                  </a:txBody>
+                  <a:tcPr anchor="ctr">
+                    <a:lnL w="12700" cmpd="sng">
+                      <a:noFill/>
+                    </a:lnL>
+                    <a:lnR w="12700" cmpd="sng">
+                      <a:noFill/>
+                    </a:lnR>
+                    <a:lnT w="12700" cmpd="sng">
+                      <a:noFill/>
+                    </a:lnT>
+                    <a:lnB w="38100" cmpd="sng">
+                      <a:noFill/>
+                    </a:lnB>
+                    <a:lnTlToBr w="12700" cmpd="sng">
+                      <a:noFill/>
+                      <a:prstDash val="solid"/>
+                    </a:lnTlToBr>
+                    <a:lnBlToTr w="12700" cmpd="sng">
+                      <a:noFill/>
+                      <a:prstDash val="solid"/>
+                    </a:lnBlToTr>
+                    <a:noFill/>
+                  </a:tcPr>
+                </a:tc>
+                <a:tc gridSpan="2">
+                  <a:txBody>
+                    <a:bodyPr/>
+                    <a:lstStyle/>
+                    <a:p>
+                      <a:pPr algn="ctr"/>
+                      <a:r>
+                        <a:rPr lang="en-US" dirty="0"/>
+                        <a:t>Predicted</a:t>
+                      </a:r>
+                    </a:p>
+                  </a:txBody>
+                  <a:tcPr anchor="ctr">
+                    <a:lnL w="12700" cmpd="sng">
+                      <a:noFill/>
+                    </a:lnL>
+                  </a:tcPr>
+                </a:tc>
+                <a:tc hMerge="1">
+                  <a:txBody>
+                    <a:bodyPr/>
+                    <a:lstStyle/>
+                    <a:p>
+                      <a:endParaRPr lang="en-US" dirty="0"/>
+                    </a:p>
+                  </a:txBody>
+                  <a:tcPr/>
+                </a:tc>
+                <a:extLst>
+                  <a:ext uri="{0D108BD9-81ED-4DB2-BD59-A6C34878D82A}">
+                    <a16:rowId xmlns:a16="http://schemas.microsoft.com/office/drawing/2014/main" val="4202995591"/>
+                  </a:ext>
+                </a:extLst>
+              </a:tr>
+              <a:tr h="370840">
+                <a:tc>
+                  <a:txBody>
+                    <a:bodyPr/>
+                    <a:lstStyle/>
+                    <a:p>
+                      <a:pPr algn="ctr"/>
+                      <a:endParaRPr lang="en-US" dirty="0"/>
+                    </a:p>
+                  </a:txBody>
+                  <a:tcPr anchor="ctr">
+                    <a:lnL w="12700" cmpd="sng">
+                      <a:noFill/>
+                    </a:lnL>
+                    <a:lnR w="12700" cmpd="sng">
+                      <a:noFill/>
+                    </a:lnR>
+                    <a:lnT w="38100" cmpd="sng">
+                      <a:noFill/>
+                    </a:lnT>
+                    <a:lnB w="12700" cmpd="sng">
+                      <a:noFill/>
+                    </a:lnB>
+                    <a:lnTlToBr w="12700" cmpd="sng">
+                      <a:noFill/>
+                      <a:prstDash val="solid"/>
+                    </a:lnTlToBr>
+                    <a:lnBlToTr w="12700" cmpd="sng">
+                      <a:noFill/>
+                      <a:prstDash val="solid"/>
+                    </a:lnBlToTr>
+                    <a:noFill/>
+                  </a:tcPr>
+                </a:tc>
+                <a:tc>
+                  <a:txBody>
+                    <a:bodyPr/>
+                    <a:lstStyle/>
+                    <a:p>
+                      <a:pPr algn="ctr"/>
+                      <a:endParaRPr lang="en-US" dirty="0"/>
+                    </a:p>
+                  </a:txBody>
+                  <a:tcPr anchor="ctr">
+                    <a:lnL w="12700" cmpd="sng">
+                      <a:noFill/>
+                    </a:lnL>
+                    <a:lnR w="12700" cmpd="sng">
+                      <a:noFill/>
+                    </a:lnR>
+                    <a:lnT w="38100" cmpd="sng">
+                      <a:noFill/>
+                    </a:lnT>
+                    <a:lnB w="12700" cmpd="sng">
+                      <a:noFill/>
+                    </a:lnB>
+                    <a:lnTlToBr w="12700" cmpd="sng">
+                      <a:noFill/>
+                      <a:prstDash val="solid"/>
+                    </a:lnTlToBr>
+                    <a:lnBlToTr w="12700" cmpd="sng">
+                      <a:noFill/>
+                      <a:prstDash val="solid"/>
+                    </a:lnBlToTr>
+                    <a:noFill/>
+                  </a:tcPr>
+                </a:tc>
+                <a:tc>
+                  <a:txBody>
+                    <a:bodyPr/>
+                    <a:lstStyle/>
+                    <a:p>
+                      <a:pPr algn="ctr"/>
+                      <a:r>
+                        <a:rPr lang="en-US" dirty="0"/>
+                        <a:t>0</a:t>
+                      </a:r>
+                    </a:p>
+                  </a:txBody>
+                  <a:tcPr anchor="ctr">
+                    <a:lnL w="12700" cmpd="sng">
+                      <a:noFill/>
+                    </a:lnL>
+                  </a:tcPr>
+                </a:tc>
+                <a:tc>
+                  <a:txBody>
+                    <a:bodyPr/>
+                    <a:lstStyle/>
+                    <a:p>
+                      <a:pPr algn="ctr"/>
+                      <a:r>
+                        <a:rPr lang="en-US" dirty="0"/>
+                        <a:t>1</a:t>
+                      </a:r>
+                    </a:p>
+                  </a:txBody>
+                  <a:tcPr anchor="ctr"/>
+                </a:tc>
+                <a:extLst>
+                  <a:ext uri="{0D108BD9-81ED-4DB2-BD59-A6C34878D82A}">
+                    <a16:rowId xmlns:a16="http://schemas.microsoft.com/office/drawing/2014/main" val="2215389606"/>
+                  </a:ext>
+                </a:extLst>
+              </a:tr>
+              <a:tr h="370840">
+                <a:tc rowSpan="2">
+                  <a:txBody>
+                    <a:bodyPr/>
+                    <a:lstStyle/>
+                    <a:p>
+                      <a:pPr algn="ctr"/>
+                      <a:r>
+                        <a:rPr lang="en-US" b="1" dirty="0">
+                          <a:solidFill>
+                            <a:schemeClr val="bg1"/>
+                          </a:solidFill>
+                        </a:rPr>
+                        <a:t>Actual</a:t>
+                      </a:r>
+                    </a:p>
+                  </a:txBody>
+                  <a:tcPr anchor="ctr">
+                    <a:lnT w="12700" cmpd="sng">
+                      <a:noFill/>
+                    </a:lnT>
+                    <a:solidFill>
+                      <a:srgbClr val="4472C4"/>
+                    </a:solidFill>
+                  </a:tcPr>
+                </a:tc>
+                <a:tc>
+                  <a:txBody>
+                    <a:bodyPr/>
+                    <a:lstStyle/>
+                    <a:p>
+                      <a:pPr algn="ctr"/>
+                      <a:r>
+                        <a:rPr lang="en-US" dirty="0"/>
+                        <a:t>0</a:t>
+                      </a:r>
+                    </a:p>
+                  </a:txBody>
+                  <a:tcPr anchor="ctr">
+                    <a:lnT w="12700" cmpd="sng">
+                      <a:noFill/>
+                    </a:lnT>
+                  </a:tcPr>
+                </a:tc>
+                <a:tc>
+                  <a:txBody>
+                    <a:bodyPr/>
+                    <a:lstStyle/>
+                    <a:p>
+                      <a:pPr algn="ctr"/>
+                      <a:r>
+                        <a:rPr lang="en-US" dirty="0"/>
+                        <a:t>4896</a:t>
+                      </a:r>
+                    </a:p>
+                  </a:txBody>
+                  <a:tcPr anchor="ctr"/>
+                </a:tc>
+                <a:tc>
+                  <a:txBody>
+                    <a:bodyPr/>
+                    <a:lstStyle/>
+                    <a:p>
+                      <a:pPr algn="ctr"/>
+                      <a:r>
+                        <a:rPr lang="en-US" dirty="0"/>
+                        <a:t>0</a:t>
+                      </a:r>
+                    </a:p>
+                  </a:txBody>
+                  <a:tcPr anchor="ctr"/>
+                </a:tc>
+                <a:extLst>
+                  <a:ext uri="{0D108BD9-81ED-4DB2-BD59-A6C34878D82A}">
+                    <a16:rowId xmlns:a16="http://schemas.microsoft.com/office/drawing/2014/main" val="3539629275"/>
+                  </a:ext>
+                </a:extLst>
+              </a:tr>
+              <a:tr h="370840">
+                <a:tc vMerge="1">
+                  <a:txBody>
+                    <a:bodyPr/>
+                    <a:lstStyle/>
+                    <a:p>
+                      <a:endParaRPr lang="en-US" dirty="0"/>
+                    </a:p>
+                  </a:txBody>
+                  <a:tcPr/>
+                </a:tc>
+                <a:tc>
+                  <a:txBody>
+                    <a:bodyPr/>
+                    <a:lstStyle/>
+                    <a:p>
+                      <a:pPr algn="ctr"/>
+                      <a:r>
+                        <a:rPr lang="en-US" dirty="0"/>
+                        <a:t>1</a:t>
+                      </a:r>
+                    </a:p>
+                  </a:txBody>
+                  <a:tcPr anchor="ctr"/>
+                </a:tc>
+                <a:tc>
+                  <a:txBody>
+                    <a:bodyPr/>
+                    <a:lstStyle/>
+                    <a:p>
+                      <a:pPr algn="ctr"/>
+                      <a:r>
+                        <a:rPr lang="en-US" dirty="0"/>
+                        <a:t>8</a:t>
+                      </a:r>
+                    </a:p>
+                  </a:txBody>
+                  <a:tcPr anchor="ctr"/>
+                </a:tc>
+                <a:tc>
+                  <a:txBody>
+                    <a:bodyPr/>
+                    <a:lstStyle/>
+                    <a:p>
+                      <a:pPr algn="ctr"/>
+                      <a:r>
+                        <a:rPr lang="en-US" dirty="0"/>
+                        <a:t>0</a:t>
+                      </a:r>
+                    </a:p>
+                  </a:txBody>
+                  <a:tcPr anchor="ctr"/>
+                </a:tc>
+                <a:extLst>
+                  <a:ext uri="{0D108BD9-81ED-4DB2-BD59-A6C34878D82A}">
+                    <a16:rowId xmlns:a16="http://schemas.microsoft.com/office/drawing/2014/main" val="3114732753"/>
+                  </a:ext>
+                </a:extLst>
+              </a:tr>
+            </a:tbl>
+          </a:graphicData>
+        </a:graphic>
+      </p:graphicFrame>
+      <p:sp>
+        <p:nvSpPr>
+          <p:cNvPr id="19" name="Rectangle 18">
+            <a:extLst>
+              <a:ext uri="{FF2B5EF4-FFF2-40B4-BE49-F238E27FC236}">
+                <a16:creationId xmlns:a16="http://schemas.microsoft.com/office/drawing/2014/main" id="{17277EC2-CBD3-4312-93DD-DBF1BBD384A4}"/>
+              </a:ext>
+            </a:extLst>
+          </p:cNvPr>
+          <p:cNvSpPr/>
           <p:nvPr/>
         </p:nvSpPr>
         <p:spPr>
           <a:xfrm>
-            <a:off x="60368" y="664358"/>
-            <a:ext cx="9144000" cy="380446"/>
+            <a:off x="2126702" y="5460302"/>
+            <a:ext cx="4602542" cy="461665"/>
           </a:xfrm>
           <a:prstGeom prst="rect">
             <a:avLst/>
           </a:prstGeom>
+          <a:solidFill>
+            <a:srgbClr val="FFC000"/>
+          </a:solidFill>
+          <a:ln w="19050">
+            <a:solidFill>
+              <a:schemeClr val="tx1"/>
+            </a:solidFill>
+          </a:ln>
         </p:spPr>
         <p:txBody>
-          <a:bodyPr vert="horz" lIns="91440" tIns="45720" rIns="91440" bIns="45720" rtlCol="0" anchor="b">
-            <a:noAutofit/>
+          <a:bodyPr wrap="none">
+            <a:spAutoFit/>
           </a:bodyPr>
-          <a:lstStyle>
-            <a:lvl1pPr algn="ctr" defTabSz="914400" rtl="0" eaLnBrk="1" latinLnBrk="0" hangingPunct="1">
-              <a:lnSpc>
-                <a:spcPct val="90000"/>
-              </a:lnSpc>
-              <a:spcBef>
-                <a:spcPct val="0"/>
-              </a:spcBef>
-              <a:buNone/>
-              <a:defRPr sz="6000" kern="1200">
-                <a:solidFill>
-                  <a:schemeClr val="tx1"/>
-                </a:solidFill>
-                <a:latin typeface="+mj-lt"/>
-                <a:ea typeface="+mj-ea"/>
-                <a:cs typeface="+mj-cs"/>
-              </a:defRPr>
-            </a:lvl1pPr>
-          </a:lstStyle>
-          <a:p>
-            <a:r>
-              <a:rPr lang="es-ES" sz="2800" b="1" dirty="0" err="1">
-                <a:solidFill>
-                  <a:schemeClr val="bg1"/>
-                </a:solidFill>
-                <a:latin typeface="Arial Black" panose="020B0A04020102020204" pitchFamily="34" charset="0"/>
+          <a:lstStyle/>
+          <a:p>
+            <a:pPr algn="ctr"/>
+            <a:r>
+              <a:rPr lang="en-US" sz="2400" dirty="0">
+                <a:effectLst>
+                  <a:outerShdw blurRad="38100" dist="38100" dir="2700000" algn="tl">
+                    <a:srgbClr val="000000">
+                      <a:alpha val="43137"/>
+                    </a:srgbClr>
+                  </a:outerShdw>
+                </a:effectLst>
+                <a:latin typeface="Consolas" panose="020B0609020204030204" pitchFamily="49" charset="0"/>
               </a:rPr>
-              <a:t>Decision</a:t>
-            </a:r>
-            <a:r>
-              <a:rPr lang="es-ES" sz="2800" b="1" dirty="0">
-                <a:solidFill>
-                  <a:schemeClr val="bg1"/>
-                </a:solidFill>
-                <a:latin typeface="Arial Black" panose="020B0A04020102020204" pitchFamily="34" charset="0"/>
-              </a:rPr>
-              <a:t> </a:t>
-            </a:r>
-            <a:r>
-              <a:rPr lang="es-ES" sz="2800" b="1" dirty="0" err="1">
-                <a:solidFill>
-                  <a:schemeClr val="bg1"/>
-                </a:solidFill>
-                <a:latin typeface="Arial Black" panose="020B0A04020102020204" pitchFamily="34" charset="0"/>
-              </a:rPr>
-              <a:t>Tree</a:t>
-            </a:r>
-            <a:endParaRPr lang="es-ES" sz="2800" b="1" dirty="0">
-              <a:solidFill>
-                <a:schemeClr val="bg1"/>
-              </a:solidFill>
-              <a:latin typeface="Arial Black" panose="020B0A04020102020204" pitchFamily="34" charset="0"/>
-            </a:endParaRPr>
-          </a:p>
-        </p:txBody>
-      </p:sp>
+              <a:t>Accuracy: 0.99836867862969</a:t>
+            </a:r>
+          </a:p>
+        </p:txBody>
+      </p:sp>
+      <p:pic>
+        <p:nvPicPr>
+          <p:cNvPr id="2050" name="Picture 2">
+            <a:extLst>
+              <a:ext uri="{FF2B5EF4-FFF2-40B4-BE49-F238E27FC236}">
+                <a16:creationId xmlns:a16="http://schemas.microsoft.com/office/drawing/2014/main" id="{47C0BB98-C7FB-45B3-958D-DCE6B0FE851F}"/>
+              </a:ext>
+            </a:extLst>
+          </p:cNvPr>
+          <p:cNvPicPr>
+            <a:picLocks noChangeAspect="1" noChangeArrowheads="1"/>
+          </p:cNvPicPr>
+          <p:nvPr/>
+        </p:nvPicPr>
+        <p:blipFill>
+          <a:blip r:embed="rId5">
+            <a:extLst>
+              <a:ext uri="{28A0092B-C50C-407E-A947-70E740481C1C}">
+                <a14:useLocalDpi xmlns:a14="http://schemas.microsoft.com/office/drawing/2010/main" val="0"/>
+              </a:ext>
+            </a:extLst>
+          </a:blip>
+          <a:srcRect/>
+          <a:stretch>
+            <a:fillRect/>
+          </a:stretch>
+        </p:blipFill>
+        <p:spPr bwMode="auto">
+          <a:xfrm>
+            <a:off x="4151220" y="1821651"/>
+            <a:ext cx="3922455" cy="3318089"/>
+          </a:xfrm>
+          <a:prstGeom prst="rect">
+            <a:avLst/>
+          </a:prstGeom>
+          <a:noFill/>
+          <a:extLst>
+            <a:ext uri="{909E8E84-426E-40DD-AFC4-6F175D3DCCD1}">
+              <a14:hiddenFill xmlns:a14="http://schemas.microsoft.com/office/drawing/2010/main">
+                <a:solidFill>
+                  <a:srgbClr val="FFFFFF"/>
+                </a:solidFill>
+              </a14:hiddenFill>
+            </a:ext>
+          </a:extLst>
+        </p:spPr>
+      </p:pic>
     </p:spTree>
     <p:extLst>
       <p:ext uri="{BB962C8B-B14F-4D97-AF65-F5344CB8AC3E}">
-        <p14:creationId xmlns:p14="http://schemas.microsoft.com/office/powerpoint/2010/main" val="1427788171"/>
+        <p14:creationId xmlns:p14="http://schemas.microsoft.com/office/powerpoint/2010/main" val="2958457477"/>
       </p:ext>
     </p:extLst>
   </p:cSld>
@@ -5444,7 +6358,7 @@
 </p:sld>
 </file>
 
-<file path=ppt/slides/slide4.xml><?xml version="1.0" encoding="utf-8"?>
+<file path=ppt/slides/slide5.xml><?xml version="1.0" encoding="utf-8"?>
 <p:sld xmlns:a="http://schemas.openxmlformats.org/drawingml/2006/main" xmlns:r="http://schemas.openxmlformats.org/officeDocument/2006/relationships" xmlns:p="http://schemas.openxmlformats.org/presentationml/2006/main">
   <p:cSld>
     <p:spTree>
@@ -5463,10 +6377,10 @@
       </p:grpSpPr>
       <p:sp>
         <p:nvSpPr>
-          <p:cNvPr id="4" name="Rectángulo 4">
-            <a:extLst>
-              <a:ext uri="{FF2B5EF4-FFF2-40B4-BE49-F238E27FC236}">
-                <a16:creationId xmlns:a16="http://schemas.microsoft.com/office/drawing/2014/main" id="{A0194004-B960-4FE7-979F-3E2FF9E5B744}"/>
+          <p:cNvPr id="5" name="Rectángulo 4">
+            <a:extLst>
+              <a:ext uri="{FF2B5EF4-FFF2-40B4-BE49-F238E27FC236}">
+                <a16:creationId xmlns:a16="http://schemas.microsoft.com/office/drawing/2014/main" id="{2965694A-1EF7-4ECF-BE89-9F1BABC74AC4}"/>
               </a:ext>
             </a:extLst>
           </p:cNvPr>
@@ -5517,10 +6431,10 @@
       </p:sp>
       <p:sp>
         <p:nvSpPr>
-          <p:cNvPr id="5" name="Título 1">
-            <a:extLst>
-              <a:ext uri="{FF2B5EF4-FFF2-40B4-BE49-F238E27FC236}">
-                <a16:creationId xmlns:a16="http://schemas.microsoft.com/office/drawing/2014/main" id="{833A7F59-AC65-4019-8053-AF5CAD985D71}"/>
+          <p:cNvPr id="6" name="Título 1">
+            <a:extLst>
+              <a:ext uri="{FF2B5EF4-FFF2-40B4-BE49-F238E27FC236}">
+                <a16:creationId xmlns:a16="http://schemas.microsoft.com/office/drawing/2014/main" id="{3140CE6D-ECE0-431A-9730-0A0E43263FC5}"/>
               </a:ext>
             </a:extLst>
           </p:cNvPr>
@@ -5570,25 +6484,7 @@
                 </a:solidFill>
                 <a:latin typeface="Arial Black" panose="020B0A04020102020204" pitchFamily="34" charset="0"/>
               </a:rPr>
-              <a:t>First</a:t>
-            </a:r>
-            <a:r>
-              <a:rPr lang="es-ES" sz="4400" b="1" dirty="0">
-                <a:solidFill>
-                  <a:schemeClr val="bg1"/>
-                </a:solidFill>
-                <a:latin typeface="Arial Black" panose="020B0A04020102020204" pitchFamily="34" charset="0"/>
-              </a:rPr>
-              <a:t> </a:t>
-            </a:r>
-            <a:r>
-              <a:rPr lang="es-ES" sz="4400" b="1" dirty="0" err="1">
-                <a:solidFill>
-                  <a:schemeClr val="bg1"/>
-                </a:solidFill>
-                <a:latin typeface="Arial Black" panose="020B0A04020102020204" pitchFamily="34" charset="0"/>
-              </a:rPr>
-              <a:t>Iteration</a:t>
+              <a:t>Improving</a:t>
             </a:r>
             <a:endParaRPr lang="es-ES" sz="4400" b="1" dirty="0">
               <a:solidFill>
@@ -5601,10 +6497,10 @@
       </p:sp>
       <p:pic>
         <p:nvPicPr>
-          <p:cNvPr id="6" name="Imagen 9" descr="Imagen que contiene alimentos, dibujo&#10;&#10;Descripción generada automáticamente">
-            <a:extLst>
-              <a:ext uri="{FF2B5EF4-FFF2-40B4-BE49-F238E27FC236}">
-                <a16:creationId xmlns:a16="http://schemas.microsoft.com/office/drawing/2014/main" id="{85F063CD-8421-497E-9462-9FFA3B656C6D}"/>
+          <p:cNvPr id="7" name="Imagen 9" descr="Imagen que contiene alimentos, dibujo&#10;&#10;Descripción generada automáticamente">
+            <a:extLst>
+              <a:ext uri="{FF2B5EF4-FFF2-40B4-BE49-F238E27FC236}">
+                <a16:creationId xmlns:a16="http://schemas.microsoft.com/office/drawing/2014/main" id="{2353F3A5-DCD6-4103-A42B-1CDABA3D958D}"/>
               </a:ext>
             </a:extLst>
           </p:cNvPr>
@@ -5637,10 +6533,10 @@
       </p:pic>
       <p:pic>
         <p:nvPicPr>
-          <p:cNvPr id="7" name="Imagen 13">
-            <a:extLst>
-              <a:ext uri="{FF2B5EF4-FFF2-40B4-BE49-F238E27FC236}">
-                <a16:creationId xmlns:a16="http://schemas.microsoft.com/office/drawing/2014/main" id="{86C708A2-6CB4-4FD8-A302-850792422360}"/>
+          <p:cNvPr id="8" name="Imagen 13">
+            <a:extLst>
+              <a:ext uri="{FF2B5EF4-FFF2-40B4-BE49-F238E27FC236}">
+                <a16:creationId xmlns:a16="http://schemas.microsoft.com/office/drawing/2014/main" id="{A25F7B43-DA9E-4CE3-812C-1D443A65985C}"/>
               </a:ext>
             </a:extLst>
           </p:cNvPr>
@@ -5688,10 +6584,10 @@
       </p:pic>
       <p:cxnSp>
         <p:nvCxnSpPr>
-          <p:cNvPr id="8" name="Conector recto 17">
-            <a:extLst>
-              <a:ext uri="{FF2B5EF4-FFF2-40B4-BE49-F238E27FC236}">
-                <a16:creationId xmlns:a16="http://schemas.microsoft.com/office/drawing/2014/main" id="{B717BFF5-A417-4E6A-8907-225AFB7E3A46}"/>
+          <p:cNvPr id="9" name="Conector recto 17">
+            <a:extLst>
+              <a:ext uri="{FF2B5EF4-FFF2-40B4-BE49-F238E27FC236}">
+                <a16:creationId xmlns:a16="http://schemas.microsoft.com/office/drawing/2014/main" id="{D8DA9B57-D211-41D7-8BA1-066CA1B9CC7C}"/>
               </a:ext>
             </a:extLst>
           </p:cNvPr>
@@ -5729,10 +6625,10 @@
       </p:cxnSp>
       <p:sp>
         <p:nvSpPr>
-          <p:cNvPr id="9" name="Rectángulo 20">
-            <a:extLst>
-              <a:ext uri="{FF2B5EF4-FFF2-40B4-BE49-F238E27FC236}">
-                <a16:creationId xmlns:a16="http://schemas.microsoft.com/office/drawing/2014/main" id="{9E63C1E4-4B23-4DB5-9885-254493875946}"/>
+          <p:cNvPr id="10" name="Rectángulo 20">
+            <a:extLst>
+              <a:ext uri="{FF2B5EF4-FFF2-40B4-BE49-F238E27FC236}">
+                <a16:creationId xmlns:a16="http://schemas.microsoft.com/office/drawing/2014/main" id="{33DF0EFF-C0A6-4135-B462-4F5C20514FD4}"/>
               </a:ext>
             </a:extLst>
           </p:cNvPr>
@@ -5783,716 +6679,6 @@
       </p:sp>
       <p:sp>
         <p:nvSpPr>
-          <p:cNvPr id="10" name="CuadroTexto 15">
-            <a:extLst>
-              <a:ext uri="{FF2B5EF4-FFF2-40B4-BE49-F238E27FC236}">
-                <a16:creationId xmlns:a16="http://schemas.microsoft.com/office/drawing/2014/main" id="{9D507C7E-FCAF-4543-9CC9-3AF920557414}"/>
-              </a:ext>
-            </a:extLst>
-          </p:cNvPr>
-          <p:cNvSpPr txBox="1"/>
-          <p:nvPr/>
-        </p:nvSpPr>
-        <p:spPr>
-          <a:xfrm>
-            <a:off x="0" y="6607436"/>
-            <a:ext cx="9144000" cy="307777"/>
-          </a:xfrm>
-          <a:prstGeom prst="rect">
-            <a:avLst/>
-          </a:prstGeom>
-          <a:noFill/>
-        </p:spPr>
-        <p:txBody>
-          <a:bodyPr wrap="square" rtlCol="0">
-            <a:spAutoFit/>
-          </a:bodyPr>
-          <a:lstStyle/>
-          <a:p>
-            <a:pPr algn="ctr"/>
-            <a:r>
-              <a:rPr lang="es-ES" sz="1400" dirty="0">
-                <a:solidFill>
-                  <a:schemeClr val="bg1"/>
-                </a:solidFill>
-                <a:latin typeface="Arial Black" panose="020B0A04020102020204" pitchFamily="34" charset="0"/>
-              </a:rPr>
-              <a:t>Machine </a:t>
-            </a:r>
-            <a:r>
-              <a:rPr lang="es-ES" sz="1400" dirty="0" err="1">
-                <a:solidFill>
-                  <a:schemeClr val="bg1"/>
-                </a:solidFill>
-                <a:latin typeface="Arial Black" panose="020B0A04020102020204" pitchFamily="34" charset="0"/>
-              </a:rPr>
-              <a:t>Learning</a:t>
-            </a:r>
-            <a:r>
-              <a:rPr lang="es-ES" sz="1400" dirty="0">
-                <a:solidFill>
-                  <a:schemeClr val="bg1"/>
-                </a:solidFill>
-                <a:latin typeface="Arial Black" panose="020B0A04020102020204" pitchFamily="34" charset="0"/>
-              </a:rPr>
-              <a:t> </a:t>
-            </a:r>
-            <a:r>
-              <a:rPr lang="es-ES" sz="1400" dirty="0" err="1">
-                <a:solidFill>
-                  <a:schemeClr val="bg1"/>
-                </a:solidFill>
-                <a:latin typeface="Arial Black" panose="020B0A04020102020204" pitchFamily="34" charset="0"/>
-              </a:rPr>
-              <a:t>Techniques</a:t>
-            </a:r>
-            <a:endParaRPr lang="es-ES" sz="1400" dirty="0">
-              <a:solidFill>
-                <a:schemeClr val="bg1"/>
-              </a:solidFill>
-              <a:latin typeface="Arial Black" panose="020B0A04020102020204" pitchFamily="34" charset="0"/>
-            </a:endParaRPr>
-          </a:p>
-        </p:txBody>
-      </p:sp>
-      <p:sp>
-        <p:nvSpPr>
-          <p:cNvPr id="11" name="Marcador de contenido 2">
-            <a:extLst>
-              <a:ext uri="{FF2B5EF4-FFF2-40B4-BE49-F238E27FC236}">
-                <a16:creationId xmlns:a16="http://schemas.microsoft.com/office/drawing/2014/main" id="{34ACF33C-972C-4E20-9E3B-DBFC05788408}"/>
-              </a:ext>
-            </a:extLst>
-          </p:cNvPr>
-          <p:cNvSpPr txBox="1">
-            <a:spLocks/>
-          </p:cNvSpPr>
-          <p:nvPr/>
-        </p:nvSpPr>
-        <p:spPr>
-          <a:xfrm>
-            <a:off x="628650" y="1622815"/>
-            <a:ext cx="7886700" cy="4351338"/>
-          </a:xfrm>
-          <a:prstGeom prst="rect">
-            <a:avLst/>
-          </a:prstGeom>
-        </p:spPr>
-        <p:txBody>
-          <a:bodyPr vert="horz" lIns="91440" tIns="45720" rIns="91440" bIns="45720" rtlCol="0">
-            <a:normAutofit/>
-          </a:bodyPr>
-          <a:lstStyle>
-            <a:lvl1pPr marL="0" indent="0" algn="ctr" defTabSz="914400" rtl="0" eaLnBrk="1" latinLnBrk="0" hangingPunct="1">
-              <a:lnSpc>
-                <a:spcPct val="90000"/>
-              </a:lnSpc>
-              <a:spcBef>
-                <a:spcPts val="1000"/>
-              </a:spcBef>
-              <a:buFont typeface="Arial" panose="020B0604020202020204" pitchFamily="34" charset="0"/>
-              <a:buNone/>
-              <a:defRPr sz="2400" kern="1200">
-                <a:solidFill>
-                  <a:schemeClr val="tx1"/>
-                </a:solidFill>
-                <a:latin typeface="+mn-lt"/>
-                <a:ea typeface="+mn-ea"/>
-                <a:cs typeface="+mn-cs"/>
-              </a:defRPr>
-            </a:lvl1pPr>
-            <a:lvl2pPr marL="457200" indent="0" algn="ctr" defTabSz="914400" rtl="0" eaLnBrk="1" latinLnBrk="0" hangingPunct="1">
-              <a:lnSpc>
-                <a:spcPct val="90000"/>
-              </a:lnSpc>
-              <a:spcBef>
-                <a:spcPts val="500"/>
-              </a:spcBef>
-              <a:buFont typeface="Arial" panose="020B0604020202020204" pitchFamily="34" charset="0"/>
-              <a:buNone/>
-              <a:defRPr sz="2000" kern="1200">
-                <a:solidFill>
-                  <a:schemeClr val="tx1"/>
-                </a:solidFill>
-                <a:latin typeface="+mn-lt"/>
-                <a:ea typeface="+mn-ea"/>
-                <a:cs typeface="+mn-cs"/>
-              </a:defRPr>
-            </a:lvl2pPr>
-            <a:lvl3pPr marL="914400" indent="0" algn="ctr" defTabSz="914400" rtl="0" eaLnBrk="1" latinLnBrk="0" hangingPunct="1">
-              <a:lnSpc>
-                <a:spcPct val="90000"/>
-              </a:lnSpc>
-              <a:spcBef>
-                <a:spcPts val="500"/>
-              </a:spcBef>
-              <a:buFont typeface="Arial" panose="020B0604020202020204" pitchFamily="34" charset="0"/>
-              <a:buNone/>
-              <a:defRPr sz="1800" kern="1200">
-                <a:solidFill>
-                  <a:schemeClr val="tx1"/>
-                </a:solidFill>
-                <a:latin typeface="+mn-lt"/>
-                <a:ea typeface="+mn-ea"/>
-                <a:cs typeface="+mn-cs"/>
-              </a:defRPr>
-            </a:lvl3pPr>
-            <a:lvl4pPr marL="1371600" indent="0" algn="ctr" defTabSz="914400" rtl="0" eaLnBrk="1" latinLnBrk="0" hangingPunct="1">
-              <a:lnSpc>
-                <a:spcPct val="90000"/>
-              </a:lnSpc>
-              <a:spcBef>
-                <a:spcPts val="500"/>
-              </a:spcBef>
-              <a:buFont typeface="Arial" panose="020B0604020202020204" pitchFamily="34" charset="0"/>
-              <a:buNone/>
-              <a:defRPr sz="1600" kern="1200">
-                <a:solidFill>
-                  <a:schemeClr val="tx1"/>
-                </a:solidFill>
-                <a:latin typeface="+mn-lt"/>
-                <a:ea typeface="+mn-ea"/>
-                <a:cs typeface="+mn-cs"/>
-              </a:defRPr>
-            </a:lvl4pPr>
-            <a:lvl5pPr marL="1828800" indent="0" algn="ctr" defTabSz="914400" rtl="0" eaLnBrk="1" latinLnBrk="0" hangingPunct="1">
-              <a:lnSpc>
-                <a:spcPct val="90000"/>
-              </a:lnSpc>
-              <a:spcBef>
-                <a:spcPts val="500"/>
-              </a:spcBef>
-              <a:buFont typeface="Arial" panose="020B0604020202020204" pitchFamily="34" charset="0"/>
-              <a:buNone/>
-              <a:defRPr sz="1600" kern="1200">
-                <a:solidFill>
-                  <a:schemeClr val="tx1"/>
-                </a:solidFill>
-                <a:latin typeface="+mn-lt"/>
-                <a:ea typeface="+mn-ea"/>
-                <a:cs typeface="+mn-cs"/>
-              </a:defRPr>
-            </a:lvl5pPr>
-            <a:lvl6pPr marL="2286000" indent="0" algn="ctr" defTabSz="914400" rtl="0" eaLnBrk="1" latinLnBrk="0" hangingPunct="1">
-              <a:lnSpc>
-                <a:spcPct val="90000"/>
-              </a:lnSpc>
-              <a:spcBef>
-                <a:spcPts val="500"/>
-              </a:spcBef>
-              <a:buFont typeface="Arial" panose="020B0604020202020204" pitchFamily="34" charset="0"/>
-              <a:buNone/>
-              <a:defRPr sz="1600" kern="1200">
-                <a:solidFill>
-                  <a:schemeClr val="tx1"/>
-                </a:solidFill>
-                <a:latin typeface="+mn-lt"/>
-                <a:ea typeface="+mn-ea"/>
-                <a:cs typeface="+mn-cs"/>
-              </a:defRPr>
-            </a:lvl6pPr>
-            <a:lvl7pPr marL="2743200" indent="0" algn="ctr" defTabSz="914400" rtl="0" eaLnBrk="1" latinLnBrk="0" hangingPunct="1">
-              <a:lnSpc>
-                <a:spcPct val="90000"/>
-              </a:lnSpc>
-              <a:spcBef>
-                <a:spcPts val="500"/>
-              </a:spcBef>
-              <a:buFont typeface="Arial" panose="020B0604020202020204" pitchFamily="34" charset="0"/>
-              <a:buNone/>
-              <a:defRPr sz="1600" kern="1200">
-                <a:solidFill>
-                  <a:schemeClr val="tx1"/>
-                </a:solidFill>
-                <a:latin typeface="+mn-lt"/>
-                <a:ea typeface="+mn-ea"/>
-                <a:cs typeface="+mn-cs"/>
-              </a:defRPr>
-            </a:lvl7pPr>
-            <a:lvl8pPr marL="3200400" indent="0" algn="ctr" defTabSz="914400" rtl="0" eaLnBrk="1" latinLnBrk="0" hangingPunct="1">
-              <a:lnSpc>
-                <a:spcPct val="90000"/>
-              </a:lnSpc>
-              <a:spcBef>
-                <a:spcPts val="500"/>
-              </a:spcBef>
-              <a:buFont typeface="Arial" panose="020B0604020202020204" pitchFamily="34" charset="0"/>
-              <a:buNone/>
-              <a:defRPr sz="1600" kern="1200">
-                <a:solidFill>
-                  <a:schemeClr val="tx1"/>
-                </a:solidFill>
-                <a:latin typeface="+mn-lt"/>
-                <a:ea typeface="+mn-ea"/>
-                <a:cs typeface="+mn-cs"/>
-              </a:defRPr>
-            </a:lvl8pPr>
-            <a:lvl9pPr marL="3657600" indent="0" algn="ctr" defTabSz="914400" rtl="0" eaLnBrk="1" latinLnBrk="0" hangingPunct="1">
-              <a:lnSpc>
-                <a:spcPct val="90000"/>
-              </a:lnSpc>
-              <a:spcBef>
-                <a:spcPts val="500"/>
-              </a:spcBef>
-              <a:buFont typeface="Arial" panose="020B0604020202020204" pitchFamily="34" charset="0"/>
-              <a:buNone/>
-              <a:defRPr sz="1600" kern="1200">
-                <a:solidFill>
-                  <a:schemeClr val="tx1"/>
-                </a:solidFill>
-                <a:latin typeface="+mn-lt"/>
-                <a:ea typeface="+mn-ea"/>
-                <a:cs typeface="+mn-cs"/>
-              </a:defRPr>
-            </a:lvl9pPr>
-          </a:lstStyle>
-          <a:p>
-            <a:pPr marL="342900" indent="-342900" algn="l">
-              <a:buFont typeface="Arial" panose="020B0604020202020204" pitchFamily="34" charset="0"/>
-              <a:buChar char="•"/>
-            </a:pPr>
-            <a:r>
-              <a:rPr lang="es-ES" dirty="0"/>
-              <a:t>El día a día de las personas con alguna discapacidad puede llegar a ser muy complicado</a:t>
-            </a:r>
-          </a:p>
-          <a:p>
-            <a:pPr marL="342900" indent="-342900" algn="l">
-              <a:buFont typeface="Arial" panose="020B0604020202020204" pitchFamily="34" charset="0"/>
-              <a:buChar char="•"/>
-            </a:pPr>
-            <a:r>
-              <a:rPr lang="es-ES" dirty="0"/>
-              <a:t>Algunas de las cosas que a primera vista podrían parecer simples se convierten en difíciles</a:t>
-            </a:r>
-          </a:p>
-          <a:p>
-            <a:pPr marL="342900" indent="-342900" algn="l">
-              <a:buFont typeface="Arial" panose="020B0604020202020204" pitchFamily="34" charset="0"/>
-              <a:buChar char="•"/>
-            </a:pPr>
-            <a:r>
-              <a:rPr lang="es-ES" dirty="0"/>
-              <a:t>Es por ello que a menudo se les asigna un </a:t>
-            </a:r>
-            <a:r>
-              <a:rPr lang="es-ES" b="1" dirty="0"/>
-              <a:t>tutor personal </a:t>
-            </a:r>
-            <a:r>
-              <a:rPr lang="es-ES" dirty="0"/>
-              <a:t>que les </a:t>
-            </a:r>
-            <a:r>
-              <a:rPr lang="es-ES" b="1" dirty="0"/>
-              <a:t>guía</a:t>
-            </a:r>
-            <a:r>
-              <a:rPr lang="es-ES" dirty="0"/>
-              <a:t> en las actividades que tienen que realizar, cómo organizarse, etc.</a:t>
-            </a:r>
-          </a:p>
-        </p:txBody>
-      </p:sp>
-      <p:sp>
-        <p:nvSpPr>
-          <p:cNvPr id="12" name="Título 1">
-            <a:extLst>
-              <a:ext uri="{FF2B5EF4-FFF2-40B4-BE49-F238E27FC236}">
-                <a16:creationId xmlns:a16="http://schemas.microsoft.com/office/drawing/2014/main" id="{3EEAD43C-56FE-438B-A318-CEA22EB52015}"/>
-              </a:ext>
-            </a:extLst>
-          </p:cNvPr>
-          <p:cNvSpPr txBox="1">
-            <a:spLocks/>
-          </p:cNvSpPr>
-          <p:nvPr/>
-        </p:nvSpPr>
-        <p:spPr>
-          <a:xfrm>
-            <a:off x="60368" y="664358"/>
-            <a:ext cx="9144000" cy="380446"/>
-          </a:xfrm>
-          <a:prstGeom prst="rect">
-            <a:avLst/>
-          </a:prstGeom>
-        </p:spPr>
-        <p:txBody>
-          <a:bodyPr vert="horz" lIns="91440" tIns="45720" rIns="91440" bIns="45720" rtlCol="0" anchor="b">
-            <a:noAutofit/>
-          </a:bodyPr>
-          <a:lstStyle>
-            <a:lvl1pPr algn="ctr" defTabSz="914400" rtl="0" eaLnBrk="1" latinLnBrk="0" hangingPunct="1">
-              <a:lnSpc>
-                <a:spcPct val="90000"/>
-              </a:lnSpc>
-              <a:spcBef>
-                <a:spcPct val="0"/>
-              </a:spcBef>
-              <a:buNone/>
-              <a:defRPr sz="6000" kern="1200">
-                <a:solidFill>
-                  <a:schemeClr val="tx1"/>
-                </a:solidFill>
-                <a:latin typeface="+mj-lt"/>
-                <a:ea typeface="+mj-ea"/>
-                <a:cs typeface="+mj-cs"/>
-              </a:defRPr>
-            </a:lvl1pPr>
-          </a:lstStyle>
-          <a:p>
-            <a:r>
-              <a:rPr lang="es-ES" sz="2800" b="1" dirty="0" err="1">
-                <a:solidFill>
-                  <a:schemeClr val="bg1"/>
-                </a:solidFill>
-                <a:latin typeface="Arial Black" panose="020B0A04020102020204" pitchFamily="34" charset="0"/>
-              </a:rPr>
-              <a:t>Ensembles</a:t>
-            </a:r>
-            <a:endParaRPr lang="es-ES" sz="2800" b="1" dirty="0">
-              <a:solidFill>
-                <a:schemeClr val="bg1"/>
-              </a:solidFill>
-              <a:latin typeface="Arial Black" panose="020B0A04020102020204" pitchFamily="34" charset="0"/>
-            </a:endParaRPr>
-          </a:p>
-        </p:txBody>
-      </p:sp>
-    </p:spTree>
-    <p:extLst>
-      <p:ext uri="{BB962C8B-B14F-4D97-AF65-F5344CB8AC3E}">
-        <p14:creationId xmlns:p14="http://schemas.microsoft.com/office/powerpoint/2010/main" val="2958457477"/>
-      </p:ext>
-    </p:extLst>
-  </p:cSld>
-  <p:clrMapOvr>
-    <a:masterClrMapping/>
-  </p:clrMapOvr>
-</p:sld>
-</file>
-
-<file path=ppt/slides/slide5.xml><?xml version="1.0" encoding="utf-8"?>
-<p:sld xmlns:a="http://schemas.openxmlformats.org/drawingml/2006/main" xmlns:r="http://schemas.openxmlformats.org/officeDocument/2006/relationships" xmlns:p="http://schemas.openxmlformats.org/presentationml/2006/main">
-  <p:cSld>
-    <p:spTree>
-      <p:nvGrpSpPr>
-        <p:cNvPr id="1" name=""/>
-        <p:cNvGrpSpPr/>
-        <p:nvPr/>
-      </p:nvGrpSpPr>
-      <p:grpSpPr>
-        <a:xfrm>
-          <a:off x="0" y="0"/>
-          <a:ext cx="0" cy="0"/>
-          <a:chOff x="0" y="0"/>
-          <a:chExt cx="0" cy="0"/>
-        </a:xfrm>
-      </p:grpSpPr>
-      <p:sp>
-        <p:nvSpPr>
-          <p:cNvPr id="5" name="Rectángulo 4">
-            <a:extLst>
-              <a:ext uri="{FF2B5EF4-FFF2-40B4-BE49-F238E27FC236}">
-                <a16:creationId xmlns:a16="http://schemas.microsoft.com/office/drawing/2014/main" id="{2965694A-1EF7-4ECF-BE89-9F1BABC74AC4}"/>
-              </a:ext>
-            </a:extLst>
-          </p:cNvPr>
-          <p:cNvSpPr/>
-          <p:nvPr/>
-        </p:nvSpPr>
-        <p:spPr>
-          <a:xfrm>
-            <a:off x="-1" y="-9838"/>
-            <a:ext cx="9144001" cy="1008218"/>
-          </a:xfrm>
-          <a:prstGeom prst="rect">
-            <a:avLst/>
-          </a:prstGeom>
-          <a:ln>
-            <a:noFill/>
-          </a:ln>
-        </p:spPr>
-        <p:style>
-          <a:lnRef idx="2">
-            <a:schemeClr val="dk1">
-              <a:shade val="50000"/>
-            </a:schemeClr>
-          </a:lnRef>
-          <a:fillRef idx="1">
-            <a:schemeClr val="dk1"/>
-          </a:fillRef>
-          <a:effectRef idx="0">
-            <a:schemeClr val="dk1"/>
-          </a:effectRef>
-          <a:fontRef idx="minor">
-            <a:schemeClr val="lt1"/>
-          </a:fontRef>
-        </p:style>
-        <p:txBody>
-          <a:bodyPr rot="0" spcFirstLastPara="0" vertOverflow="overflow" horzOverflow="overflow" vert="horz" wrap="square" lIns="91440" tIns="45720" rIns="91440" bIns="45720" numCol="1" spcCol="0" rtlCol="0" fromWordArt="0" anchor="ctr" anchorCtr="0" forceAA="0" compatLnSpc="1">
-            <a:prstTxWarp prst="textNoShape">
-              <a:avLst/>
-            </a:prstTxWarp>
-            <a:noAutofit/>
-          </a:bodyPr>
-          <a:lstStyle/>
-          <a:p>
-            <a:pPr algn="r"/>
-            <a:endParaRPr lang="es-ES" dirty="0"/>
-          </a:p>
-        </p:txBody>
-      </p:sp>
-      <p:sp>
-        <p:nvSpPr>
-          <p:cNvPr id="6" name="Título 1">
-            <a:extLst>
-              <a:ext uri="{FF2B5EF4-FFF2-40B4-BE49-F238E27FC236}">
-                <a16:creationId xmlns:a16="http://schemas.microsoft.com/office/drawing/2014/main" id="{3140CE6D-ECE0-431A-9730-0A0E43263FC5}"/>
-              </a:ext>
-            </a:extLst>
-          </p:cNvPr>
-          <p:cNvSpPr txBox="1">
-            <a:spLocks/>
-          </p:cNvSpPr>
-          <p:nvPr/>
-        </p:nvSpPr>
-        <p:spPr>
-          <a:xfrm>
-            <a:off x="0" y="-112489"/>
-            <a:ext cx="9144000" cy="858412"/>
-          </a:xfrm>
-          <a:prstGeom prst="rect">
-            <a:avLst/>
-          </a:prstGeom>
-        </p:spPr>
-        <p:txBody>
-          <a:bodyPr vert="horz" lIns="91440" tIns="45720" rIns="91440" bIns="45720" rtlCol="0" anchor="ctr">
-            <a:normAutofit/>
-          </a:bodyPr>
-          <a:lstStyle>
-            <a:lvl1pPr algn="l" defTabSz="685800" rtl="0" eaLnBrk="1" latinLnBrk="0" hangingPunct="1">
-              <a:lnSpc>
-                <a:spcPct val="90000"/>
-              </a:lnSpc>
-              <a:spcBef>
-                <a:spcPct val="0"/>
-              </a:spcBef>
-              <a:buNone/>
-              <a:defRPr sz="3300" kern="1200">
-                <a:solidFill>
-                  <a:schemeClr val="tx1"/>
-                </a:solidFill>
-                <a:latin typeface="+mj-lt"/>
-                <a:ea typeface="+mj-ea"/>
-                <a:cs typeface="+mj-cs"/>
-              </a:defRPr>
-            </a:lvl1pPr>
-          </a:lstStyle>
-          <a:p>
-            <a:pPr algn="ctr"/>
-            <a:r>
-              <a:rPr lang="es-ES" sz="4400" b="1" dirty="0" err="1">
-                <a:solidFill>
-                  <a:schemeClr val="bg1"/>
-                </a:solidFill>
-                <a:latin typeface="Arial Black" panose="020B0A04020102020204" pitchFamily="34" charset="0"/>
-              </a:rPr>
-              <a:t>Improving</a:t>
-            </a:r>
-            <a:endParaRPr lang="es-ES" sz="4400" b="1" dirty="0">
-              <a:solidFill>
-                <a:schemeClr val="bg1"/>
-              </a:solidFill>
-              <a:latin typeface="Arial Black" panose="020B0A04020102020204" pitchFamily="34" charset="0"/>
-            </a:endParaRPr>
-          </a:p>
-        </p:txBody>
-      </p:sp>
-      <p:pic>
-        <p:nvPicPr>
-          <p:cNvPr id="7" name="Imagen 9" descr="Imagen que contiene alimentos, dibujo&#10;&#10;Descripción generada automáticamente">
-            <a:extLst>
-              <a:ext uri="{FF2B5EF4-FFF2-40B4-BE49-F238E27FC236}">
-                <a16:creationId xmlns:a16="http://schemas.microsoft.com/office/drawing/2014/main" id="{2353F3A5-DCD6-4103-A42B-1CDABA3D958D}"/>
-              </a:ext>
-            </a:extLst>
-          </p:cNvPr>
-          <p:cNvPicPr>
-            <a:picLocks noChangeAspect="1"/>
-          </p:cNvPicPr>
-          <p:nvPr/>
-        </p:nvPicPr>
-        <p:blipFill>
-          <a:blip r:embed="rId2">
-            <a:extLst>
-              <a:ext uri="{28A0092B-C50C-407E-A947-70E740481C1C}">
-                <a14:useLocalDpi xmlns:a14="http://schemas.microsoft.com/office/drawing/2010/main" val="0"/>
-              </a:ext>
-            </a:extLst>
-          </a:blip>
-          <a:stretch>
-            <a:fillRect/>
-          </a:stretch>
-        </p:blipFill>
-        <p:spPr>
-          <a:xfrm>
-            <a:off x="0" y="0"/>
-            <a:ext cx="1198056" cy="998380"/>
-          </a:xfrm>
-          <a:prstGeom prst="rect">
-            <a:avLst/>
-          </a:prstGeom>
-        </p:spPr>
-      </p:pic>
-      <p:pic>
-        <p:nvPicPr>
-          <p:cNvPr id="8" name="Imagen 13">
-            <a:extLst>
-              <a:ext uri="{FF2B5EF4-FFF2-40B4-BE49-F238E27FC236}">
-                <a16:creationId xmlns:a16="http://schemas.microsoft.com/office/drawing/2014/main" id="{A25F7B43-DA9E-4CE3-812C-1D443A65985C}"/>
-              </a:ext>
-            </a:extLst>
-          </p:cNvPr>
-          <p:cNvPicPr>
-            <a:picLocks noChangeAspect="1"/>
-          </p:cNvPicPr>
-          <p:nvPr/>
-        </p:nvPicPr>
-        <p:blipFill rotWithShape="1">
-          <a:blip r:embed="rId3">
-            <a:extLst>
-              <a:ext uri="{BEBA8EAE-BF5A-486C-A8C5-ECC9F3942E4B}">
-                <a14:imgProps xmlns:a14="http://schemas.microsoft.com/office/drawing/2010/main">
-                  <a14:imgLayer r:embed="rId4">
-                    <a14:imgEffect>
-                      <a14:backgroundRemoval t="9732" b="89986" l="4234" r="41176">
-                        <a14:foregroundMark x1="41221" y1="51199" x2="41221" y2="51199"/>
-                        <a14:foregroundMark x1="4234" y1="54443" x2="4234" y2="54443"/>
-                        <a14:foregroundMark x1="40196" y1="17630" x2="40196" y2="17630"/>
-                      </a14:backgroundRemoval>
-                    </a14:imgEffect>
-                    <a14:imgEffect>
-                      <a14:brightnessContrast bright="20000"/>
-                    </a14:imgEffect>
-                  </a14:imgLayer>
-                </a14:imgProps>
-              </a:ext>
-              <a:ext uri="{28A0092B-C50C-407E-A947-70E740481C1C}">
-                <a14:useLocalDpi xmlns:a14="http://schemas.microsoft.com/office/drawing/2010/main" val="0"/>
-              </a:ext>
-            </a:extLst>
-          </a:blip>
-          <a:srcRect r="56027"/>
-          <a:stretch/>
-        </p:blipFill>
-        <p:spPr>
-          <a:xfrm>
-            <a:off x="7953862" y="101005"/>
-            <a:ext cx="1008675" cy="724754"/>
-          </a:xfrm>
-          <a:prstGeom prst="rect">
-            <a:avLst/>
-          </a:prstGeom>
-        </p:spPr>
-      </p:pic>
-      <p:cxnSp>
-        <p:nvCxnSpPr>
-          <p:cNvPr id="9" name="Conector recto 17">
-            <a:extLst>
-              <a:ext uri="{FF2B5EF4-FFF2-40B4-BE49-F238E27FC236}">
-                <a16:creationId xmlns:a16="http://schemas.microsoft.com/office/drawing/2014/main" id="{D8DA9B57-D211-41D7-8BA1-066CA1B9CC7C}"/>
-              </a:ext>
-            </a:extLst>
-          </p:cNvPr>
-          <p:cNvCxnSpPr/>
-          <p:nvPr/>
-        </p:nvCxnSpPr>
-        <p:spPr>
-          <a:xfrm>
-            <a:off x="1512000" y="3447662"/>
-            <a:ext cx="6120000" cy="0"/>
-          </a:xfrm>
-          <a:prstGeom prst="line">
-            <a:avLst/>
-          </a:prstGeom>
-          <a:ln w="38100">
-            <a:solidFill>
-              <a:schemeClr val="bg1"/>
-            </a:solidFill>
-          </a:ln>
-        </p:spPr>
-        <p:style>
-          <a:lnRef idx="1">
-            <a:schemeClr val="accent1"/>
-          </a:lnRef>
-          <a:fillRef idx="0">
-            <a:schemeClr val="accent1"/>
-          </a:fillRef>
-          <a:effectRef idx="0">
-            <a:schemeClr val="accent1"/>
-          </a:effectRef>
-          <a:fontRef idx="minor">
-            <a:schemeClr val="tx1"/>
-          </a:fontRef>
-        </p:style>
-      </p:cxnSp>
-      <p:sp>
-        <p:nvSpPr>
-          <p:cNvPr id="10" name="Rectángulo 20">
-            <a:extLst>
-              <a:ext uri="{FF2B5EF4-FFF2-40B4-BE49-F238E27FC236}">
-                <a16:creationId xmlns:a16="http://schemas.microsoft.com/office/drawing/2014/main" id="{33DF0EFF-C0A6-4135-B462-4F5C20514FD4}"/>
-              </a:ext>
-            </a:extLst>
-          </p:cNvPr>
-          <p:cNvSpPr/>
-          <p:nvPr/>
-        </p:nvSpPr>
-        <p:spPr>
-          <a:xfrm>
-            <a:off x="0" y="6616284"/>
-            <a:ext cx="9144001" cy="293037"/>
-          </a:xfrm>
-          <a:prstGeom prst="rect">
-            <a:avLst/>
-          </a:prstGeom>
-          <a:ln>
-            <a:noFill/>
-          </a:ln>
-        </p:spPr>
-        <p:style>
-          <a:lnRef idx="2">
-            <a:schemeClr val="dk1">
-              <a:shade val="50000"/>
-            </a:schemeClr>
-          </a:lnRef>
-          <a:fillRef idx="1">
-            <a:schemeClr val="dk1"/>
-          </a:fillRef>
-          <a:effectRef idx="0">
-            <a:schemeClr val="dk1"/>
-          </a:effectRef>
-          <a:fontRef idx="minor">
-            <a:schemeClr val="lt1"/>
-          </a:fontRef>
-        </p:style>
-        <p:txBody>
-          <a:bodyPr rot="0" spcFirstLastPara="0" vertOverflow="overflow" horzOverflow="overflow" vert="horz" wrap="square" lIns="91440" tIns="45720" rIns="91440" bIns="45720" numCol="1" spcCol="0" rtlCol="0" fromWordArt="0" anchor="ctr" anchorCtr="0" forceAA="0" compatLnSpc="1">
-            <a:prstTxWarp prst="textNoShape">
-              <a:avLst/>
-            </a:prstTxWarp>
-            <a:noAutofit/>
-          </a:bodyPr>
-          <a:lstStyle/>
-          <a:p>
-            <a:pPr algn="r"/>
-            <a:endParaRPr lang="es-ES" dirty="0"/>
-          </a:p>
-        </p:txBody>
-      </p:sp>
-      <p:sp>
-        <p:nvSpPr>
           <p:cNvPr id="11" name="CuadroTexto 15">
             <a:extLst>
               <a:ext uri="{FF2B5EF4-FFF2-40B4-BE49-F238E27FC236}">
@@ -6584,7 +6770,7 @@
             <p:spPr>
               <a:xfrm>
                 <a:off x="628650" y="1622815"/>
-                <a:ext cx="7886700" cy="4351338"/>
+                <a:ext cx="7886700" cy="3712665"/>
               </a:xfrm>
               <a:prstGeom prst="rect">
                 <a:avLst/>
@@ -6799,7 +6985,21 @@
                         <a:latin typeface="Cambria Math" panose="02040503050406030204" pitchFamily="18" charset="0"/>
                         <a:ea typeface="Cambria Math" panose="02040503050406030204" pitchFamily="18" charset="0"/>
                       </a:rPr>
-                      <m:t>≈140 </m:t>
+                      <m:t>≈14</m:t>
+                    </m:r>
+                    <m:r>
+                      <a:rPr lang="en-US" b="0" i="1" smtClean="0">
+                        <a:latin typeface="Cambria Math" panose="02040503050406030204" pitchFamily="18" charset="0"/>
+                        <a:ea typeface="Cambria Math" panose="02040503050406030204" pitchFamily="18" charset="0"/>
+                      </a:rPr>
+                      <m:t>1</m:t>
+                    </m:r>
+                    <m:r>
+                      <a:rPr lang="en-US" i="1">
+                        <a:latin typeface="Cambria Math" panose="02040503050406030204" pitchFamily="18" charset="0"/>
+                        <a:ea typeface="Cambria Math" panose="02040503050406030204" pitchFamily="18" charset="0"/>
+                      </a:rPr>
+                      <m:t> </m:t>
                     </m:r>
                   </m:oMath>
                 </a14:m>
@@ -6819,11 +7019,216 @@
                 </a:r>
                 <a:r>
                   <a:rPr lang="es-ES" dirty="0"/>
-                  <a:t> 0s in 140 </a:t>
+                  <a:t> 0s in 141 </a:t>
                 </a:r>
                 <a:r>
                   <a:rPr lang="es-ES" dirty="0" err="1"/>
                   <a:t>clusters</a:t>
+                </a:r>
+                <a:endParaRPr lang="es-ES" dirty="0"/>
+              </a:p>
+              <a:p>
+                <a:pPr marL="800100" lvl="1" indent="-342900" algn="l">
+                  <a:buFont typeface="Arial" panose="020B0604020202020204" pitchFamily="34" charset="0"/>
+                  <a:buChar char="•"/>
+                </a:pPr>
+                <a:r>
+                  <a:rPr lang="es-ES" dirty="0" err="1"/>
+                  <a:t>Not</a:t>
+                </a:r>
+                <a:r>
+                  <a:rPr lang="es-ES" dirty="0"/>
+                  <a:t> </a:t>
+                </a:r>
+                <a:r>
+                  <a:rPr lang="es-ES" dirty="0" err="1"/>
+                  <a:t>working</a:t>
+                </a:r>
+                <a:r>
+                  <a:rPr lang="es-ES" dirty="0"/>
+                  <a:t> (explicar por qué no funciona)</a:t>
+                </a:r>
+              </a:p>
+              <a:p>
+                <a:pPr marL="800100" lvl="1" indent="-342900" algn="l">
+                  <a:buFont typeface="Arial" panose="020B0604020202020204" pitchFamily="34" charset="0"/>
+                  <a:buChar char="•"/>
+                </a:pPr>
+                <a:r>
+                  <a:rPr lang="es-ES" dirty="0" err="1"/>
+                  <a:t>Instead</a:t>
+                </a:r>
+                <a:r>
+                  <a:rPr lang="es-ES" dirty="0"/>
+                  <a:t> </a:t>
+                </a:r>
+                <a:r>
+                  <a:rPr lang="es-ES" dirty="0" err="1"/>
+                  <a:t>of</a:t>
+                </a:r>
+                <a:r>
+                  <a:rPr lang="es-ES" dirty="0"/>
+                  <a:t> </a:t>
+                </a:r>
+                <a:r>
+                  <a:rPr lang="es-ES" dirty="0" err="1"/>
+                  <a:t>predicting</a:t>
+                </a:r>
+                <a:r>
+                  <a:rPr lang="es-ES" dirty="0"/>
+                  <a:t> no </a:t>
+                </a:r>
+                <a:r>
+                  <a:rPr lang="es-ES" dirty="0" err="1"/>
+                  <a:t>attack</a:t>
+                </a:r>
+                <a:r>
+                  <a:rPr lang="es-ES" dirty="0"/>
+                  <a:t>, </a:t>
+                </a:r>
+                <a:r>
+                  <a:rPr lang="es-ES" dirty="0" err="1"/>
+                  <a:t>now</a:t>
+                </a:r>
+                <a:r>
+                  <a:rPr lang="es-ES" dirty="0"/>
+                  <a:t> </a:t>
+                </a:r>
+                <a:r>
+                  <a:rPr lang="es-ES" dirty="0" err="1"/>
+                  <a:t>predicts</a:t>
+                </a:r>
+                <a:r>
+                  <a:rPr lang="es-ES" dirty="0"/>
+                  <a:t> </a:t>
+                </a:r>
+                <a:r>
+                  <a:rPr lang="es-ES" dirty="0" err="1"/>
+                  <a:t>attack</a:t>
+                </a:r>
+                <a:endParaRPr lang="es-ES" dirty="0"/>
+              </a:p>
+              <a:p>
+                <a:pPr marL="800100" lvl="1" indent="-342900" algn="l">
+                  <a:buFont typeface="Arial" panose="020B0604020202020204" pitchFamily="34" charset="0"/>
+                  <a:buChar char="•"/>
+                </a:pPr>
+                <a:endParaRPr lang="es-ES" dirty="0"/>
+              </a:p>
+              <a:p>
+                <a:pPr marL="800100" lvl="1" indent="-342900" algn="l">
+                  <a:buFont typeface="Arial" panose="020B0604020202020204" pitchFamily="34" charset="0"/>
+                  <a:buChar char="•"/>
+                </a:pPr>
+                <a:endParaRPr lang="es-ES" dirty="0"/>
+              </a:p>
+              <a:p>
+                <a:pPr lvl="1" algn="l"/>
+                <a:endParaRPr lang="es-ES" dirty="0"/>
+              </a:p>
+              <a:p>
+                <a:pPr marL="342900" indent="-342900" algn="l">
+                  <a:buFont typeface="Arial" panose="020B0604020202020204" pitchFamily="34" charset="0"/>
+                  <a:buChar char="•"/>
+                </a:pPr>
+                <a:r>
+                  <a:rPr lang="es-ES" b="1" dirty="0" err="1"/>
+                  <a:t>Solution</a:t>
+                </a:r>
+                <a:r>
+                  <a:rPr lang="es-ES" dirty="0"/>
+                  <a:t>:</a:t>
+                </a:r>
+              </a:p>
+              <a:p>
+                <a:pPr marL="800100" lvl="1" indent="-342900" algn="l">
+                  <a:buFont typeface="Arial" panose="020B0604020202020204" pitchFamily="34" charset="0"/>
+                  <a:buChar char="•"/>
+                </a:pPr>
+                <a:r>
+                  <a:rPr lang="es-ES" dirty="0" err="1"/>
+                  <a:t>Randomly</a:t>
+                </a:r>
+                <a:r>
+                  <a:rPr lang="es-ES" dirty="0"/>
+                  <a:t> </a:t>
+                </a:r>
+                <a:r>
+                  <a:rPr lang="es-ES" dirty="0" err="1"/>
+                  <a:t>select</a:t>
+                </a:r>
+                <a:r>
+                  <a:rPr lang="es-ES" dirty="0"/>
+                  <a:t> 230 </a:t>
+                </a:r>
+                <a:r>
+                  <a:rPr lang="es-ES" dirty="0" err="1"/>
+                  <a:t>examples</a:t>
+                </a:r>
+                <a:r>
+                  <a:rPr lang="es-ES" dirty="0"/>
+                  <a:t> </a:t>
+                </a:r>
+                <a:r>
+                  <a:rPr lang="es-ES" dirty="0" err="1"/>
+                  <a:t>where</a:t>
+                </a:r>
+                <a:r>
+                  <a:rPr lang="es-ES" dirty="0"/>
+                  <a:t> </a:t>
+                </a:r>
+                <a:r>
+                  <a:rPr lang="es-ES" dirty="0" err="1"/>
+                  <a:t>attacks</a:t>
+                </a:r>
+                <a:r>
+                  <a:rPr lang="es-ES" dirty="0"/>
+                  <a:t> do </a:t>
+                </a:r>
+                <a:r>
+                  <a:rPr lang="es-ES" dirty="0" err="1"/>
+                  <a:t>not</a:t>
+                </a:r>
+                <a:r>
+                  <a:rPr lang="es-ES" dirty="0"/>
+                  <a:t> </a:t>
+                </a:r>
+                <a:r>
+                  <a:rPr lang="es-ES" dirty="0" err="1"/>
+                  <a:t>occur</a:t>
+                </a:r>
+                <a:endParaRPr lang="es-ES" dirty="0"/>
+              </a:p>
+              <a:p>
+                <a:pPr marL="800100" lvl="1" indent="-342900" algn="l">
+                  <a:buFont typeface="Arial" panose="020B0604020202020204" pitchFamily="34" charset="0"/>
+                  <a:buChar char="•"/>
+                </a:pPr>
+                <a:r>
+                  <a:rPr lang="es-ES" dirty="0"/>
+                  <a:t>New </a:t>
+                </a:r>
+                <a:r>
+                  <a:rPr lang="es-ES" dirty="0" err="1"/>
+                  <a:t>balanced</a:t>
+                </a:r>
+                <a:r>
+                  <a:rPr lang="es-ES" dirty="0"/>
+                  <a:t> </a:t>
+                </a:r>
+                <a:r>
+                  <a:rPr lang="es-ES" dirty="0" err="1"/>
+                  <a:t>dataset</a:t>
+                </a:r>
+                <a:r>
+                  <a:rPr lang="es-ES" dirty="0"/>
+                  <a:t>: 230 </a:t>
+                </a:r>
+                <a:r>
+                  <a:rPr lang="es-ES" dirty="0">
+                    <a:sym typeface="Wingdings" panose="05000000000000000000" pitchFamily="2" charset="2"/>
+                  </a:rPr>
+                  <a:t> 0s and 30  1s</a:t>
                 </a:r>
                 <a:endParaRPr lang="es-ES" dirty="0"/>
               </a:p>
@@ -6848,7 +7253,7 @@
             <p:spPr>
               <a:xfrm>
                 <a:off x="628650" y="1622815"/>
-                <a:ext cx="7886700" cy="4351338"/>
+                <a:ext cx="7886700" cy="3712665"/>
               </a:xfrm>
               <a:prstGeom prst="rect">
                 <a:avLst/>
@@ -6856,7 +7261,7 @@
               <a:blipFill>
                 <a:blip r:embed="rId5"/>
                 <a:stretch>
-                  <a:fillRect l="-1005" t="-1401"/>
+                  <a:fillRect l="-1005" t="-1642"/>
                 </a:stretch>
               </a:blipFill>
             </p:spPr>
@@ -7519,7 +7924,7 @@
         </p:blipFill>
         <p:spPr>
           <a:xfrm rot="11110464">
-            <a:off x="355870" y="1357210"/>
+            <a:off x="1325149" y="1477147"/>
             <a:ext cx="3825750" cy="2991298"/>
           </a:xfrm>
           <a:prstGeom prst="rect">
@@ -7565,7 +7970,7 @@
         </p:blipFill>
         <p:spPr>
           <a:xfrm rot="9408766">
-            <a:off x="4670429" y="1357211"/>
+            <a:off x="2947416" y="2111370"/>
             <a:ext cx="3848759" cy="2991298"/>
           </a:xfrm>
           <a:prstGeom prst="rect">
@@ -7597,7 +8002,7 @@
         </p:nvSpPr>
         <p:spPr>
           <a:xfrm>
-            <a:off x="2126702" y="5460302"/>
+            <a:off x="1991364" y="4301310"/>
             <a:ext cx="4602542" cy="461665"/>
           </a:xfrm>
           <a:prstGeom prst="rect">
@@ -7635,10 +8040,2547 @@
           </a:p>
         </p:txBody>
       </p:sp>
+      <p:sp>
+        <p:nvSpPr>
+          <p:cNvPr id="2" name="TextBox 1">
+            <a:extLst>
+              <a:ext uri="{FF2B5EF4-FFF2-40B4-BE49-F238E27FC236}">
+                <a16:creationId xmlns:a16="http://schemas.microsoft.com/office/drawing/2014/main" id="{D48DA5C9-67C3-44C0-9DC1-E05497D006B0}"/>
+              </a:ext>
+            </a:extLst>
+          </p:cNvPr>
+          <p:cNvSpPr txBox="1"/>
+          <p:nvPr/>
+        </p:nvSpPr>
+        <p:spPr>
+          <a:xfrm>
+            <a:off x="1269507" y="1561733"/>
+            <a:ext cx="6241002" cy="3785652"/>
+          </a:xfrm>
+          <a:prstGeom prst="rect">
+            <a:avLst/>
+          </a:prstGeom>
+          <a:solidFill>
+            <a:srgbClr val="FFC000"/>
+          </a:solidFill>
+        </p:spPr>
+        <p:txBody>
+          <a:bodyPr wrap="square" rtlCol="0">
+            <a:spAutoFit/>
+          </a:bodyPr>
+          <a:lstStyle/>
+          <a:p>
+            <a:r>
+              <a:rPr lang="en-US" sz="4800" b="1" dirty="0"/>
+              <a:t>No </a:t>
+            </a:r>
+            <a:r>
+              <a:rPr lang="en-US" sz="4800" b="1" dirty="0" err="1"/>
+              <a:t>sé</a:t>
+            </a:r>
+            <a:r>
+              <a:rPr lang="en-US" sz="4800" b="1" dirty="0"/>
+              <a:t> </a:t>
+            </a:r>
+            <a:r>
+              <a:rPr lang="en-US" sz="4800" b="1" dirty="0" err="1"/>
+              <a:t>qué</a:t>
+            </a:r>
+            <a:r>
+              <a:rPr lang="en-US" sz="4800" b="1" dirty="0"/>
+              <a:t> </a:t>
+            </a:r>
+            <a:r>
+              <a:rPr lang="en-US" sz="4800" b="1" dirty="0" err="1"/>
+              <a:t>poner</a:t>
+            </a:r>
+            <a:r>
+              <a:rPr lang="en-US" sz="4800" b="1" dirty="0"/>
+              <a:t> </a:t>
+            </a:r>
+            <a:r>
+              <a:rPr lang="en-US" sz="4800" b="1" dirty="0" err="1"/>
+              <a:t>aquí</a:t>
+            </a:r>
+            <a:r>
+              <a:rPr lang="en-US" sz="4800" b="1" dirty="0"/>
+              <a:t> </a:t>
+            </a:r>
+            <a:r>
+              <a:rPr lang="en-US" sz="4800" b="1" dirty="0" err="1"/>
+              <a:t>porque</a:t>
+            </a:r>
+            <a:r>
+              <a:rPr lang="en-US" sz="4800" b="1" dirty="0"/>
+              <a:t> el plot del naïve </a:t>
+            </a:r>
+            <a:r>
+              <a:rPr lang="en-US" sz="4800" b="1" dirty="0" err="1"/>
+              <a:t>bayes</a:t>
+            </a:r>
+            <a:r>
+              <a:rPr lang="en-US" sz="4800" b="1" dirty="0"/>
+              <a:t> </a:t>
+            </a:r>
+            <a:r>
+              <a:rPr lang="en-US" sz="4800" b="1" dirty="0" err="1"/>
+              <a:t>balanceado</a:t>
+            </a:r>
+            <a:r>
+              <a:rPr lang="en-US" sz="4800" b="1" dirty="0"/>
+              <a:t> sale con </a:t>
+            </a:r>
+            <a:r>
+              <a:rPr lang="en-US" sz="4800" b="1" dirty="0" err="1"/>
+              <a:t>todas</a:t>
+            </a:r>
+            <a:r>
+              <a:rPr lang="en-US" sz="4800" b="1" dirty="0"/>
+              <a:t> las </a:t>
+            </a:r>
+            <a:r>
+              <a:rPr lang="en-US" sz="4800" b="1" dirty="0" err="1"/>
+              <a:t>rayas</a:t>
+            </a:r>
+            <a:r>
+              <a:rPr lang="en-US" sz="4800" b="1" dirty="0"/>
+              <a:t> y </a:t>
+            </a:r>
+            <a:r>
+              <a:rPr lang="en-US" sz="4800" b="1" dirty="0" err="1"/>
+              <a:t>queda</a:t>
+            </a:r>
+            <a:r>
+              <a:rPr lang="en-US" sz="4800" b="1" dirty="0"/>
+              <a:t> </a:t>
+            </a:r>
+            <a:r>
+              <a:rPr lang="en-US" sz="4800" b="1" dirty="0" err="1"/>
+              <a:t>feísimo</a:t>
+            </a:r>
+            <a:endParaRPr lang="en-US" b="1" dirty="0"/>
+          </a:p>
+        </p:txBody>
+      </p:sp>
     </p:spTree>
     <p:extLst>
       <p:ext uri="{BB962C8B-B14F-4D97-AF65-F5344CB8AC3E}">
         <p14:creationId xmlns:p14="http://schemas.microsoft.com/office/powerpoint/2010/main" val="3708022509"/>
+      </p:ext>
+    </p:extLst>
+  </p:cSld>
+  <p:clrMapOvr>
+    <a:masterClrMapping/>
+  </p:clrMapOvr>
+</p:sld>
+</file>
+
+<file path=ppt/slides/slide7.xml><?xml version="1.0" encoding="utf-8"?>
+<p:sld xmlns:a="http://schemas.openxmlformats.org/drawingml/2006/main" xmlns:r="http://schemas.openxmlformats.org/officeDocument/2006/relationships" xmlns:p="http://schemas.openxmlformats.org/presentationml/2006/main">
+  <p:cSld>
+    <p:spTree>
+      <p:nvGrpSpPr>
+        <p:cNvPr id="1" name=""/>
+        <p:cNvGrpSpPr/>
+        <p:nvPr/>
+      </p:nvGrpSpPr>
+      <p:grpSpPr>
+        <a:xfrm>
+          <a:off x="0" y="0"/>
+          <a:ext cx="0" cy="0"/>
+          <a:chOff x="0" y="0"/>
+          <a:chExt cx="0" cy="0"/>
+        </a:xfrm>
+      </p:grpSpPr>
+      <p:sp>
+        <p:nvSpPr>
+          <p:cNvPr id="4" name="Rectángulo 4">
+            <a:extLst>
+              <a:ext uri="{FF2B5EF4-FFF2-40B4-BE49-F238E27FC236}">
+                <a16:creationId xmlns:a16="http://schemas.microsoft.com/office/drawing/2014/main" id="{26BD08F2-A822-4F61-B04A-9572174B7CA4}"/>
+              </a:ext>
+            </a:extLst>
+          </p:cNvPr>
+          <p:cNvSpPr/>
+          <p:nvPr/>
+        </p:nvSpPr>
+        <p:spPr>
+          <a:xfrm>
+            <a:off x="-1" y="-9838"/>
+            <a:ext cx="9144001" cy="1008218"/>
+          </a:xfrm>
+          <a:prstGeom prst="rect">
+            <a:avLst/>
+          </a:prstGeom>
+          <a:ln>
+            <a:noFill/>
+          </a:ln>
+        </p:spPr>
+        <p:style>
+          <a:lnRef idx="2">
+            <a:schemeClr val="dk1">
+              <a:shade val="50000"/>
+            </a:schemeClr>
+          </a:lnRef>
+          <a:fillRef idx="1">
+            <a:schemeClr val="dk1"/>
+          </a:fillRef>
+          <a:effectRef idx="0">
+            <a:schemeClr val="dk1"/>
+          </a:effectRef>
+          <a:fontRef idx="minor">
+            <a:schemeClr val="lt1"/>
+          </a:fontRef>
+        </p:style>
+        <p:txBody>
+          <a:bodyPr rot="0" spcFirstLastPara="0" vertOverflow="overflow" horzOverflow="overflow" vert="horz" wrap="square" lIns="91440" tIns="45720" rIns="91440" bIns="45720" numCol="1" spcCol="0" rtlCol="0" fromWordArt="0" anchor="ctr" anchorCtr="0" forceAA="0" compatLnSpc="1">
+            <a:prstTxWarp prst="textNoShape">
+              <a:avLst/>
+            </a:prstTxWarp>
+            <a:noAutofit/>
+          </a:bodyPr>
+          <a:lstStyle/>
+          <a:p>
+            <a:pPr algn="r"/>
+            <a:endParaRPr lang="es-ES" dirty="0"/>
+          </a:p>
+        </p:txBody>
+      </p:sp>
+      <p:sp>
+        <p:nvSpPr>
+          <p:cNvPr id="5" name="Título 1">
+            <a:extLst>
+              <a:ext uri="{FF2B5EF4-FFF2-40B4-BE49-F238E27FC236}">
+                <a16:creationId xmlns:a16="http://schemas.microsoft.com/office/drawing/2014/main" id="{CD329096-D7A9-4043-8347-C07D2286A63B}"/>
+              </a:ext>
+            </a:extLst>
+          </p:cNvPr>
+          <p:cNvSpPr txBox="1">
+            <a:spLocks/>
+          </p:cNvSpPr>
+          <p:nvPr/>
+        </p:nvSpPr>
+        <p:spPr>
+          <a:xfrm>
+            <a:off x="0" y="-121367"/>
+            <a:ext cx="9144000" cy="858412"/>
+          </a:xfrm>
+          <a:prstGeom prst="rect">
+            <a:avLst/>
+          </a:prstGeom>
+        </p:spPr>
+        <p:txBody>
+          <a:bodyPr vert="horz" lIns="91440" tIns="45720" rIns="91440" bIns="45720" rtlCol="0" anchor="ctr">
+            <a:normAutofit/>
+          </a:bodyPr>
+          <a:lstStyle>
+            <a:lvl1pPr algn="l" defTabSz="685800" rtl="0" eaLnBrk="1" latinLnBrk="0" hangingPunct="1">
+              <a:lnSpc>
+                <a:spcPct val="90000"/>
+              </a:lnSpc>
+              <a:spcBef>
+                <a:spcPct val="0"/>
+              </a:spcBef>
+              <a:buNone/>
+              <a:defRPr sz="3300" kern="1200">
+                <a:solidFill>
+                  <a:schemeClr val="tx1"/>
+                </a:solidFill>
+                <a:latin typeface="+mj-lt"/>
+                <a:ea typeface="+mj-ea"/>
+                <a:cs typeface="+mj-cs"/>
+              </a:defRPr>
+            </a:lvl1pPr>
+          </a:lstStyle>
+          <a:p>
+            <a:pPr algn="ctr"/>
+            <a:r>
+              <a:rPr lang="es-ES" sz="4400" b="1" dirty="0" err="1">
+                <a:solidFill>
+                  <a:schemeClr val="bg1"/>
+                </a:solidFill>
+                <a:latin typeface="Arial Black" panose="020B0A04020102020204" pitchFamily="34" charset="0"/>
+              </a:rPr>
+              <a:t>Second</a:t>
+            </a:r>
+            <a:r>
+              <a:rPr lang="es-ES" sz="4400" b="1" dirty="0">
+                <a:solidFill>
+                  <a:schemeClr val="bg1"/>
+                </a:solidFill>
+                <a:latin typeface="Arial Black" panose="020B0A04020102020204" pitchFamily="34" charset="0"/>
+              </a:rPr>
+              <a:t> </a:t>
+            </a:r>
+            <a:r>
+              <a:rPr lang="es-ES" sz="4400" b="1" dirty="0" err="1">
+                <a:solidFill>
+                  <a:schemeClr val="bg1"/>
+                </a:solidFill>
+                <a:latin typeface="Arial Black" panose="020B0A04020102020204" pitchFamily="34" charset="0"/>
+              </a:rPr>
+              <a:t>Iteration</a:t>
+            </a:r>
+            <a:endParaRPr lang="es-ES" sz="4400" b="1" dirty="0">
+              <a:solidFill>
+                <a:schemeClr val="bg1"/>
+              </a:solidFill>
+              <a:latin typeface="Arial Black" panose="020B0A04020102020204" pitchFamily="34" charset="0"/>
+            </a:endParaRPr>
+          </a:p>
+        </p:txBody>
+      </p:sp>
+      <p:pic>
+        <p:nvPicPr>
+          <p:cNvPr id="6" name="Imagen 9" descr="Imagen que contiene alimentos, dibujo&#10;&#10;Descripción generada automáticamente">
+            <a:extLst>
+              <a:ext uri="{FF2B5EF4-FFF2-40B4-BE49-F238E27FC236}">
+                <a16:creationId xmlns:a16="http://schemas.microsoft.com/office/drawing/2014/main" id="{F83B4AE7-BFAD-4EDA-A6CA-AA5D41687D8B}"/>
+              </a:ext>
+            </a:extLst>
+          </p:cNvPr>
+          <p:cNvPicPr>
+            <a:picLocks noChangeAspect="1"/>
+          </p:cNvPicPr>
+          <p:nvPr/>
+        </p:nvPicPr>
+        <p:blipFill>
+          <a:blip r:embed="rId2">
+            <a:extLst>
+              <a:ext uri="{28A0092B-C50C-407E-A947-70E740481C1C}">
+                <a14:useLocalDpi xmlns:a14="http://schemas.microsoft.com/office/drawing/2010/main" val="0"/>
+              </a:ext>
+            </a:extLst>
+          </a:blip>
+          <a:stretch>
+            <a:fillRect/>
+          </a:stretch>
+        </p:blipFill>
+        <p:spPr>
+          <a:xfrm>
+            <a:off x="0" y="0"/>
+            <a:ext cx="1198056" cy="998380"/>
+          </a:xfrm>
+          <a:prstGeom prst="rect">
+            <a:avLst/>
+          </a:prstGeom>
+        </p:spPr>
+      </p:pic>
+      <p:pic>
+        <p:nvPicPr>
+          <p:cNvPr id="7" name="Imagen 13">
+            <a:extLst>
+              <a:ext uri="{FF2B5EF4-FFF2-40B4-BE49-F238E27FC236}">
+                <a16:creationId xmlns:a16="http://schemas.microsoft.com/office/drawing/2014/main" id="{55591A05-5B49-4574-B213-0AFA23F5184F}"/>
+              </a:ext>
+            </a:extLst>
+          </p:cNvPr>
+          <p:cNvPicPr>
+            <a:picLocks noChangeAspect="1"/>
+          </p:cNvPicPr>
+          <p:nvPr/>
+        </p:nvPicPr>
+        <p:blipFill rotWithShape="1">
+          <a:blip r:embed="rId3">
+            <a:extLst>
+              <a:ext uri="{BEBA8EAE-BF5A-486C-A8C5-ECC9F3942E4B}">
+                <a14:imgProps xmlns:a14="http://schemas.microsoft.com/office/drawing/2010/main">
+                  <a14:imgLayer r:embed="rId4">
+                    <a14:imgEffect>
+                      <a14:backgroundRemoval t="9732" b="89986" l="4234" r="41176">
+                        <a14:foregroundMark x1="41221" y1="51199" x2="41221" y2="51199"/>
+                        <a14:foregroundMark x1="4234" y1="54443" x2="4234" y2="54443"/>
+                        <a14:foregroundMark x1="40196" y1="17630" x2="40196" y2="17630"/>
+                      </a14:backgroundRemoval>
+                    </a14:imgEffect>
+                    <a14:imgEffect>
+                      <a14:brightnessContrast bright="20000"/>
+                    </a14:imgEffect>
+                  </a14:imgLayer>
+                </a14:imgProps>
+              </a:ext>
+              <a:ext uri="{28A0092B-C50C-407E-A947-70E740481C1C}">
+                <a14:useLocalDpi xmlns:a14="http://schemas.microsoft.com/office/drawing/2010/main" val="0"/>
+              </a:ext>
+            </a:extLst>
+          </a:blip>
+          <a:srcRect r="56027"/>
+          <a:stretch/>
+        </p:blipFill>
+        <p:spPr>
+          <a:xfrm>
+            <a:off x="7953862" y="101005"/>
+            <a:ext cx="1008675" cy="724754"/>
+          </a:xfrm>
+          <a:prstGeom prst="rect">
+            <a:avLst/>
+          </a:prstGeom>
+        </p:spPr>
+      </p:pic>
+      <p:sp>
+        <p:nvSpPr>
+          <p:cNvPr id="8" name="Rectángulo 20">
+            <a:extLst>
+              <a:ext uri="{FF2B5EF4-FFF2-40B4-BE49-F238E27FC236}">
+                <a16:creationId xmlns:a16="http://schemas.microsoft.com/office/drawing/2014/main" id="{74FD1F8A-E2A2-4272-BE28-6EBE9F8AA821}"/>
+              </a:ext>
+            </a:extLst>
+          </p:cNvPr>
+          <p:cNvSpPr/>
+          <p:nvPr/>
+        </p:nvSpPr>
+        <p:spPr>
+          <a:xfrm>
+            <a:off x="0" y="6616284"/>
+            <a:ext cx="9144001" cy="293037"/>
+          </a:xfrm>
+          <a:prstGeom prst="rect">
+            <a:avLst/>
+          </a:prstGeom>
+          <a:ln>
+            <a:noFill/>
+          </a:ln>
+        </p:spPr>
+        <p:style>
+          <a:lnRef idx="2">
+            <a:schemeClr val="dk1">
+              <a:shade val="50000"/>
+            </a:schemeClr>
+          </a:lnRef>
+          <a:fillRef idx="1">
+            <a:schemeClr val="dk1"/>
+          </a:fillRef>
+          <a:effectRef idx="0">
+            <a:schemeClr val="dk1"/>
+          </a:effectRef>
+          <a:fontRef idx="minor">
+            <a:schemeClr val="lt1"/>
+          </a:fontRef>
+        </p:style>
+        <p:txBody>
+          <a:bodyPr rot="0" spcFirstLastPara="0" vertOverflow="overflow" horzOverflow="overflow" vert="horz" wrap="square" lIns="91440" tIns="45720" rIns="91440" bIns="45720" numCol="1" spcCol="0" rtlCol="0" fromWordArt="0" anchor="ctr" anchorCtr="0" forceAA="0" compatLnSpc="1">
+            <a:prstTxWarp prst="textNoShape">
+              <a:avLst/>
+            </a:prstTxWarp>
+            <a:noAutofit/>
+          </a:bodyPr>
+          <a:lstStyle/>
+          <a:p>
+            <a:pPr algn="r"/>
+            <a:endParaRPr lang="es-ES" dirty="0"/>
+          </a:p>
+        </p:txBody>
+      </p:sp>
+      <p:sp>
+        <p:nvSpPr>
+          <p:cNvPr id="9" name="CuadroTexto 15">
+            <a:extLst>
+              <a:ext uri="{FF2B5EF4-FFF2-40B4-BE49-F238E27FC236}">
+                <a16:creationId xmlns:a16="http://schemas.microsoft.com/office/drawing/2014/main" id="{5353E2D7-511A-4D13-9FB1-F2B1DB54C8BB}"/>
+              </a:ext>
+            </a:extLst>
+          </p:cNvPr>
+          <p:cNvSpPr txBox="1"/>
+          <p:nvPr/>
+        </p:nvSpPr>
+        <p:spPr>
+          <a:xfrm>
+            <a:off x="0" y="6607436"/>
+            <a:ext cx="9144000" cy="307777"/>
+          </a:xfrm>
+          <a:prstGeom prst="rect">
+            <a:avLst/>
+          </a:prstGeom>
+          <a:noFill/>
+        </p:spPr>
+        <p:txBody>
+          <a:bodyPr wrap="square" rtlCol="0">
+            <a:spAutoFit/>
+          </a:bodyPr>
+          <a:lstStyle/>
+          <a:p>
+            <a:pPr algn="ctr"/>
+            <a:r>
+              <a:rPr lang="es-ES" sz="1400" dirty="0">
+                <a:solidFill>
+                  <a:schemeClr val="bg1"/>
+                </a:solidFill>
+                <a:latin typeface="Arial Black" panose="020B0A04020102020204" pitchFamily="34" charset="0"/>
+              </a:rPr>
+              <a:t>Machine </a:t>
+            </a:r>
+            <a:r>
+              <a:rPr lang="es-ES" sz="1400" dirty="0" err="1">
+                <a:solidFill>
+                  <a:schemeClr val="bg1"/>
+                </a:solidFill>
+                <a:latin typeface="Arial Black" panose="020B0A04020102020204" pitchFamily="34" charset="0"/>
+              </a:rPr>
+              <a:t>Learning</a:t>
+            </a:r>
+            <a:r>
+              <a:rPr lang="es-ES" sz="1400" dirty="0">
+                <a:solidFill>
+                  <a:schemeClr val="bg1"/>
+                </a:solidFill>
+                <a:latin typeface="Arial Black" panose="020B0A04020102020204" pitchFamily="34" charset="0"/>
+              </a:rPr>
+              <a:t> </a:t>
+            </a:r>
+            <a:r>
+              <a:rPr lang="es-ES" sz="1400" dirty="0" err="1">
+                <a:solidFill>
+                  <a:schemeClr val="bg1"/>
+                </a:solidFill>
+                <a:latin typeface="Arial Black" panose="020B0A04020102020204" pitchFamily="34" charset="0"/>
+              </a:rPr>
+              <a:t>Techniques</a:t>
+            </a:r>
+            <a:endParaRPr lang="es-ES" sz="1400" dirty="0">
+              <a:solidFill>
+                <a:schemeClr val="bg1"/>
+              </a:solidFill>
+              <a:latin typeface="Arial Black" panose="020B0A04020102020204" pitchFamily="34" charset="0"/>
+            </a:endParaRPr>
+          </a:p>
+        </p:txBody>
+      </p:sp>
+      <p:sp>
+        <p:nvSpPr>
+          <p:cNvPr id="10" name="Título 1">
+            <a:extLst>
+              <a:ext uri="{FF2B5EF4-FFF2-40B4-BE49-F238E27FC236}">
+                <a16:creationId xmlns:a16="http://schemas.microsoft.com/office/drawing/2014/main" id="{89DB93BC-AA45-4545-A677-550A72BCE256}"/>
+              </a:ext>
+            </a:extLst>
+          </p:cNvPr>
+          <p:cNvSpPr txBox="1">
+            <a:spLocks/>
+          </p:cNvSpPr>
+          <p:nvPr/>
+        </p:nvSpPr>
+        <p:spPr>
+          <a:xfrm>
+            <a:off x="60368" y="664358"/>
+            <a:ext cx="9144000" cy="380446"/>
+          </a:xfrm>
+          <a:prstGeom prst="rect">
+            <a:avLst/>
+          </a:prstGeom>
+        </p:spPr>
+        <p:txBody>
+          <a:bodyPr vert="horz" lIns="91440" tIns="45720" rIns="91440" bIns="45720" rtlCol="0" anchor="b">
+            <a:noAutofit/>
+          </a:bodyPr>
+          <a:lstStyle>
+            <a:lvl1pPr algn="ctr" defTabSz="914400" rtl="0" eaLnBrk="1" latinLnBrk="0" hangingPunct="1">
+              <a:lnSpc>
+                <a:spcPct val="90000"/>
+              </a:lnSpc>
+              <a:spcBef>
+                <a:spcPct val="0"/>
+              </a:spcBef>
+              <a:buNone/>
+              <a:defRPr sz="6000" kern="1200">
+                <a:solidFill>
+                  <a:schemeClr val="tx1"/>
+                </a:solidFill>
+                <a:latin typeface="+mj-lt"/>
+                <a:ea typeface="+mj-ea"/>
+                <a:cs typeface="+mj-cs"/>
+              </a:defRPr>
+            </a:lvl1pPr>
+          </a:lstStyle>
+          <a:p>
+            <a:r>
+              <a:rPr lang="es-ES" sz="2800" b="1" dirty="0" err="1">
+                <a:solidFill>
+                  <a:schemeClr val="bg1"/>
+                </a:solidFill>
+                <a:latin typeface="Arial Black" panose="020B0A04020102020204" pitchFamily="34" charset="0"/>
+              </a:rPr>
+              <a:t>Decision</a:t>
+            </a:r>
+            <a:r>
+              <a:rPr lang="es-ES" sz="2800" b="1" dirty="0">
+                <a:solidFill>
+                  <a:schemeClr val="bg1"/>
+                </a:solidFill>
+                <a:latin typeface="Arial Black" panose="020B0A04020102020204" pitchFamily="34" charset="0"/>
+              </a:rPr>
+              <a:t> </a:t>
+            </a:r>
+            <a:r>
+              <a:rPr lang="es-ES" sz="2800" b="1" dirty="0" err="1">
+                <a:solidFill>
+                  <a:schemeClr val="bg1"/>
+                </a:solidFill>
+                <a:latin typeface="Arial Black" panose="020B0A04020102020204" pitchFamily="34" charset="0"/>
+              </a:rPr>
+              <a:t>Tree</a:t>
+            </a:r>
+            <a:endParaRPr lang="es-ES" sz="2800" b="1" dirty="0">
+              <a:solidFill>
+                <a:schemeClr val="bg1"/>
+              </a:solidFill>
+              <a:latin typeface="Arial Black" panose="020B0A04020102020204" pitchFamily="34" charset="0"/>
+            </a:endParaRPr>
+          </a:p>
+        </p:txBody>
+      </p:sp>
+      <p:sp>
+        <p:nvSpPr>
+          <p:cNvPr id="11" name="TextBox 10">
+            <a:extLst>
+              <a:ext uri="{FF2B5EF4-FFF2-40B4-BE49-F238E27FC236}">
+                <a16:creationId xmlns:a16="http://schemas.microsoft.com/office/drawing/2014/main" id="{155F2F83-4D82-442C-B23D-733452ADC294}"/>
+              </a:ext>
+            </a:extLst>
+          </p:cNvPr>
+          <p:cNvSpPr txBox="1"/>
+          <p:nvPr/>
+        </p:nvSpPr>
+        <p:spPr>
+          <a:xfrm>
+            <a:off x="1269507" y="1561733"/>
+            <a:ext cx="6241002" cy="1569660"/>
+          </a:xfrm>
+          <a:prstGeom prst="rect">
+            <a:avLst/>
+          </a:prstGeom>
+          <a:solidFill>
+            <a:srgbClr val="FFC000"/>
+          </a:solidFill>
+        </p:spPr>
+        <p:txBody>
+          <a:bodyPr wrap="square" rtlCol="0">
+            <a:spAutoFit/>
+          </a:bodyPr>
+          <a:lstStyle/>
+          <a:p>
+            <a:r>
+              <a:rPr lang="en-US" sz="4800" b="1" dirty="0" err="1"/>
+              <a:t>Poner</a:t>
+            </a:r>
+            <a:r>
+              <a:rPr lang="en-US" sz="4800" b="1" dirty="0"/>
+              <a:t> plot del decision tree (</a:t>
+            </a:r>
+            <a:r>
+              <a:rPr lang="en-US" sz="4800" b="1" dirty="0" err="1"/>
+              <a:t>matriz</a:t>
+            </a:r>
+            <a:r>
+              <a:rPr lang="en-US" sz="4800" b="1" dirty="0"/>
+              <a:t> confusion)</a:t>
+            </a:r>
+            <a:endParaRPr lang="en-US" b="1" dirty="0"/>
+          </a:p>
+        </p:txBody>
+      </p:sp>
+    </p:spTree>
+    <p:extLst>
+      <p:ext uri="{BB962C8B-B14F-4D97-AF65-F5344CB8AC3E}">
+        <p14:creationId xmlns:p14="http://schemas.microsoft.com/office/powerpoint/2010/main" val="1311055107"/>
+      </p:ext>
+    </p:extLst>
+  </p:cSld>
+  <p:clrMapOvr>
+    <a:masterClrMapping/>
+  </p:clrMapOvr>
+</p:sld>
+</file>
+
+<file path=ppt/slides/slide8.xml><?xml version="1.0" encoding="utf-8"?>
+<p:sld xmlns:a="http://schemas.openxmlformats.org/drawingml/2006/main" xmlns:r="http://schemas.openxmlformats.org/officeDocument/2006/relationships" xmlns:p="http://schemas.openxmlformats.org/presentationml/2006/main">
+  <p:cSld>
+    <p:spTree>
+      <p:nvGrpSpPr>
+        <p:cNvPr id="1" name=""/>
+        <p:cNvGrpSpPr/>
+        <p:nvPr/>
+      </p:nvGrpSpPr>
+      <p:grpSpPr>
+        <a:xfrm>
+          <a:off x="0" y="0"/>
+          <a:ext cx="0" cy="0"/>
+          <a:chOff x="0" y="0"/>
+          <a:chExt cx="0" cy="0"/>
+        </a:xfrm>
+      </p:grpSpPr>
+      <p:pic>
+        <p:nvPicPr>
+          <p:cNvPr id="4" name="Picture 3">
+            <a:extLst>
+              <a:ext uri="{FF2B5EF4-FFF2-40B4-BE49-F238E27FC236}">
+                <a16:creationId xmlns:a16="http://schemas.microsoft.com/office/drawing/2014/main" id="{7F902714-AD9B-4B65-A50C-0BD70131A6C6}"/>
+              </a:ext>
+            </a:extLst>
+          </p:cNvPr>
+          <p:cNvPicPr>
+            <a:picLocks noChangeAspect="1"/>
+          </p:cNvPicPr>
+          <p:nvPr/>
+        </p:nvPicPr>
+        <p:blipFill>
+          <a:blip r:embed="rId2"/>
+          <a:stretch>
+            <a:fillRect/>
+          </a:stretch>
+        </p:blipFill>
+        <p:spPr>
+          <a:xfrm>
+            <a:off x="4054357" y="2259102"/>
+            <a:ext cx="4460993" cy="3041188"/>
+          </a:xfrm>
+          <a:prstGeom prst="rect">
+            <a:avLst/>
+          </a:prstGeom>
+        </p:spPr>
+      </p:pic>
+      <p:sp>
+        <p:nvSpPr>
+          <p:cNvPr id="5" name="Rectángulo 4">
+            <a:extLst>
+              <a:ext uri="{FF2B5EF4-FFF2-40B4-BE49-F238E27FC236}">
+                <a16:creationId xmlns:a16="http://schemas.microsoft.com/office/drawing/2014/main" id="{937BE058-727B-4DA7-9BF1-FAEFFA7EB18E}"/>
+              </a:ext>
+            </a:extLst>
+          </p:cNvPr>
+          <p:cNvSpPr/>
+          <p:nvPr/>
+        </p:nvSpPr>
+        <p:spPr>
+          <a:xfrm>
+            <a:off x="-1" y="-9838"/>
+            <a:ext cx="9144001" cy="1008218"/>
+          </a:xfrm>
+          <a:prstGeom prst="rect">
+            <a:avLst/>
+          </a:prstGeom>
+          <a:ln>
+            <a:noFill/>
+          </a:ln>
+        </p:spPr>
+        <p:style>
+          <a:lnRef idx="2">
+            <a:schemeClr val="dk1">
+              <a:shade val="50000"/>
+            </a:schemeClr>
+          </a:lnRef>
+          <a:fillRef idx="1">
+            <a:schemeClr val="dk1"/>
+          </a:fillRef>
+          <a:effectRef idx="0">
+            <a:schemeClr val="dk1"/>
+          </a:effectRef>
+          <a:fontRef idx="minor">
+            <a:schemeClr val="lt1"/>
+          </a:fontRef>
+        </p:style>
+        <p:txBody>
+          <a:bodyPr rot="0" spcFirstLastPara="0" vertOverflow="overflow" horzOverflow="overflow" vert="horz" wrap="square" lIns="91440" tIns="45720" rIns="91440" bIns="45720" numCol="1" spcCol="0" rtlCol="0" fromWordArt="0" anchor="ctr" anchorCtr="0" forceAA="0" compatLnSpc="1">
+            <a:prstTxWarp prst="textNoShape">
+              <a:avLst/>
+            </a:prstTxWarp>
+            <a:noAutofit/>
+          </a:bodyPr>
+          <a:lstStyle/>
+          <a:p>
+            <a:pPr algn="r"/>
+            <a:endParaRPr lang="es-ES" dirty="0"/>
+          </a:p>
+        </p:txBody>
+      </p:sp>
+      <p:sp>
+        <p:nvSpPr>
+          <p:cNvPr id="6" name="Título 1">
+            <a:extLst>
+              <a:ext uri="{FF2B5EF4-FFF2-40B4-BE49-F238E27FC236}">
+                <a16:creationId xmlns:a16="http://schemas.microsoft.com/office/drawing/2014/main" id="{171B3FF8-82F7-481A-9782-2CBF1467E2A1}"/>
+              </a:ext>
+            </a:extLst>
+          </p:cNvPr>
+          <p:cNvSpPr txBox="1">
+            <a:spLocks/>
+          </p:cNvSpPr>
+          <p:nvPr/>
+        </p:nvSpPr>
+        <p:spPr>
+          <a:xfrm>
+            <a:off x="0" y="-112489"/>
+            <a:ext cx="9144000" cy="858412"/>
+          </a:xfrm>
+          <a:prstGeom prst="rect">
+            <a:avLst/>
+          </a:prstGeom>
+        </p:spPr>
+        <p:txBody>
+          <a:bodyPr vert="horz" lIns="91440" tIns="45720" rIns="91440" bIns="45720" rtlCol="0" anchor="ctr">
+            <a:normAutofit/>
+          </a:bodyPr>
+          <a:lstStyle>
+            <a:lvl1pPr algn="l" defTabSz="685800" rtl="0" eaLnBrk="1" latinLnBrk="0" hangingPunct="1">
+              <a:lnSpc>
+                <a:spcPct val="90000"/>
+              </a:lnSpc>
+              <a:spcBef>
+                <a:spcPct val="0"/>
+              </a:spcBef>
+              <a:buNone/>
+              <a:defRPr sz="3300" kern="1200">
+                <a:solidFill>
+                  <a:schemeClr val="tx1"/>
+                </a:solidFill>
+                <a:latin typeface="+mj-lt"/>
+                <a:ea typeface="+mj-ea"/>
+                <a:cs typeface="+mj-cs"/>
+              </a:defRPr>
+            </a:lvl1pPr>
+          </a:lstStyle>
+          <a:p>
+            <a:pPr algn="ctr"/>
+            <a:r>
+              <a:rPr lang="es-ES" sz="4400" b="1" dirty="0" err="1">
+                <a:solidFill>
+                  <a:schemeClr val="bg1"/>
+                </a:solidFill>
+                <a:latin typeface="Arial Black" panose="020B0A04020102020204" pitchFamily="34" charset="0"/>
+              </a:rPr>
+              <a:t>Second</a:t>
+            </a:r>
+            <a:r>
+              <a:rPr lang="es-ES" sz="4400" b="1" dirty="0">
+                <a:solidFill>
+                  <a:schemeClr val="bg1"/>
+                </a:solidFill>
+                <a:latin typeface="Arial Black" panose="020B0A04020102020204" pitchFamily="34" charset="0"/>
+              </a:rPr>
+              <a:t> </a:t>
+            </a:r>
+            <a:r>
+              <a:rPr lang="es-ES" sz="4400" b="1" dirty="0" err="1">
+                <a:solidFill>
+                  <a:schemeClr val="bg1"/>
+                </a:solidFill>
+                <a:latin typeface="Arial Black" panose="020B0A04020102020204" pitchFamily="34" charset="0"/>
+              </a:rPr>
+              <a:t>Iteration</a:t>
+            </a:r>
+            <a:endParaRPr lang="es-ES" sz="4400" b="1" dirty="0">
+              <a:solidFill>
+                <a:schemeClr val="bg1"/>
+              </a:solidFill>
+              <a:latin typeface="Arial Black" panose="020B0A04020102020204" pitchFamily="34" charset="0"/>
+            </a:endParaRPr>
+          </a:p>
+        </p:txBody>
+      </p:sp>
+      <p:pic>
+        <p:nvPicPr>
+          <p:cNvPr id="7" name="Imagen 9" descr="Imagen que contiene alimentos, dibujo&#10;&#10;Descripción generada automáticamente">
+            <a:extLst>
+              <a:ext uri="{FF2B5EF4-FFF2-40B4-BE49-F238E27FC236}">
+                <a16:creationId xmlns:a16="http://schemas.microsoft.com/office/drawing/2014/main" id="{13DC2313-FD3A-4544-B247-A0C3D362650F}"/>
+              </a:ext>
+            </a:extLst>
+          </p:cNvPr>
+          <p:cNvPicPr>
+            <a:picLocks noChangeAspect="1"/>
+          </p:cNvPicPr>
+          <p:nvPr/>
+        </p:nvPicPr>
+        <p:blipFill>
+          <a:blip r:embed="rId3">
+            <a:extLst>
+              <a:ext uri="{28A0092B-C50C-407E-A947-70E740481C1C}">
+                <a14:useLocalDpi xmlns:a14="http://schemas.microsoft.com/office/drawing/2010/main" val="0"/>
+              </a:ext>
+            </a:extLst>
+          </a:blip>
+          <a:stretch>
+            <a:fillRect/>
+          </a:stretch>
+        </p:blipFill>
+        <p:spPr>
+          <a:xfrm>
+            <a:off x="0" y="0"/>
+            <a:ext cx="1198056" cy="998380"/>
+          </a:xfrm>
+          <a:prstGeom prst="rect">
+            <a:avLst/>
+          </a:prstGeom>
+        </p:spPr>
+      </p:pic>
+      <p:pic>
+        <p:nvPicPr>
+          <p:cNvPr id="8" name="Imagen 13">
+            <a:extLst>
+              <a:ext uri="{FF2B5EF4-FFF2-40B4-BE49-F238E27FC236}">
+                <a16:creationId xmlns:a16="http://schemas.microsoft.com/office/drawing/2014/main" id="{2C3EC3CF-E064-4F2C-BA99-EEBE15EE8CD8}"/>
+              </a:ext>
+            </a:extLst>
+          </p:cNvPr>
+          <p:cNvPicPr>
+            <a:picLocks noChangeAspect="1"/>
+          </p:cNvPicPr>
+          <p:nvPr/>
+        </p:nvPicPr>
+        <p:blipFill rotWithShape="1">
+          <a:blip r:embed="rId4">
+            <a:extLst>
+              <a:ext uri="{BEBA8EAE-BF5A-486C-A8C5-ECC9F3942E4B}">
+                <a14:imgProps xmlns:a14="http://schemas.microsoft.com/office/drawing/2010/main">
+                  <a14:imgLayer r:embed="rId5">
+                    <a14:imgEffect>
+                      <a14:backgroundRemoval t="9732" b="89986" l="4234" r="41176">
+                        <a14:foregroundMark x1="41221" y1="51199" x2="41221" y2="51199"/>
+                        <a14:foregroundMark x1="4234" y1="54443" x2="4234" y2="54443"/>
+                        <a14:foregroundMark x1="40196" y1="17630" x2="40196" y2="17630"/>
+                      </a14:backgroundRemoval>
+                    </a14:imgEffect>
+                    <a14:imgEffect>
+                      <a14:brightnessContrast bright="20000"/>
+                    </a14:imgEffect>
+                  </a14:imgLayer>
+                </a14:imgProps>
+              </a:ext>
+              <a:ext uri="{28A0092B-C50C-407E-A947-70E740481C1C}">
+                <a14:useLocalDpi xmlns:a14="http://schemas.microsoft.com/office/drawing/2010/main" val="0"/>
+              </a:ext>
+            </a:extLst>
+          </a:blip>
+          <a:srcRect r="56027"/>
+          <a:stretch/>
+        </p:blipFill>
+        <p:spPr>
+          <a:xfrm>
+            <a:off x="7953862" y="101005"/>
+            <a:ext cx="1008675" cy="724754"/>
+          </a:xfrm>
+          <a:prstGeom prst="rect">
+            <a:avLst/>
+          </a:prstGeom>
+        </p:spPr>
+      </p:pic>
+      <p:sp>
+        <p:nvSpPr>
+          <p:cNvPr id="10" name="Rectángulo 20">
+            <a:extLst>
+              <a:ext uri="{FF2B5EF4-FFF2-40B4-BE49-F238E27FC236}">
+                <a16:creationId xmlns:a16="http://schemas.microsoft.com/office/drawing/2014/main" id="{D9B05346-AF41-470D-BC87-7A48409609E5}"/>
+              </a:ext>
+            </a:extLst>
+          </p:cNvPr>
+          <p:cNvSpPr/>
+          <p:nvPr/>
+        </p:nvSpPr>
+        <p:spPr>
+          <a:xfrm>
+            <a:off x="0" y="6616284"/>
+            <a:ext cx="9144001" cy="293037"/>
+          </a:xfrm>
+          <a:prstGeom prst="rect">
+            <a:avLst/>
+          </a:prstGeom>
+          <a:ln>
+            <a:noFill/>
+          </a:ln>
+        </p:spPr>
+        <p:style>
+          <a:lnRef idx="2">
+            <a:schemeClr val="dk1">
+              <a:shade val="50000"/>
+            </a:schemeClr>
+          </a:lnRef>
+          <a:fillRef idx="1">
+            <a:schemeClr val="dk1"/>
+          </a:fillRef>
+          <a:effectRef idx="0">
+            <a:schemeClr val="dk1"/>
+          </a:effectRef>
+          <a:fontRef idx="minor">
+            <a:schemeClr val="lt1"/>
+          </a:fontRef>
+        </p:style>
+        <p:txBody>
+          <a:bodyPr rot="0" spcFirstLastPara="0" vertOverflow="overflow" horzOverflow="overflow" vert="horz" wrap="square" lIns="91440" tIns="45720" rIns="91440" bIns="45720" numCol="1" spcCol="0" rtlCol="0" fromWordArt="0" anchor="ctr" anchorCtr="0" forceAA="0" compatLnSpc="1">
+            <a:prstTxWarp prst="textNoShape">
+              <a:avLst/>
+            </a:prstTxWarp>
+            <a:noAutofit/>
+          </a:bodyPr>
+          <a:lstStyle/>
+          <a:p>
+            <a:pPr algn="r"/>
+            <a:endParaRPr lang="es-ES" dirty="0"/>
+          </a:p>
+        </p:txBody>
+      </p:sp>
+      <p:sp>
+        <p:nvSpPr>
+          <p:cNvPr id="11" name="CuadroTexto 15">
+            <a:extLst>
+              <a:ext uri="{FF2B5EF4-FFF2-40B4-BE49-F238E27FC236}">
+                <a16:creationId xmlns:a16="http://schemas.microsoft.com/office/drawing/2014/main" id="{25AC963A-2AC6-4650-B877-F970B218E8AE}"/>
+              </a:ext>
+            </a:extLst>
+          </p:cNvPr>
+          <p:cNvSpPr txBox="1"/>
+          <p:nvPr/>
+        </p:nvSpPr>
+        <p:spPr>
+          <a:xfrm>
+            <a:off x="0" y="6607436"/>
+            <a:ext cx="9144000" cy="307777"/>
+          </a:xfrm>
+          <a:prstGeom prst="rect">
+            <a:avLst/>
+          </a:prstGeom>
+          <a:noFill/>
+        </p:spPr>
+        <p:txBody>
+          <a:bodyPr wrap="square" rtlCol="0">
+            <a:spAutoFit/>
+          </a:bodyPr>
+          <a:lstStyle/>
+          <a:p>
+            <a:pPr algn="ctr"/>
+            <a:r>
+              <a:rPr lang="es-ES" sz="1400" dirty="0">
+                <a:solidFill>
+                  <a:schemeClr val="bg1"/>
+                </a:solidFill>
+                <a:latin typeface="Arial Black" panose="020B0A04020102020204" pitchFamily="34" charset="0"/>
+              </a:rPr>
+              <a:t>Machine </a:t>
+            </a:r>
+            <a:r>
+              <a:rPr lang="es-ES" sz="1400" dirty="0" err="1">
+                <a:solidFill>
+                  <a:schemeClr val="bg1"/>
+                </a:solidFill>
+                <a:latin typeface="Arial Black" panose="020B0A04020102020204" pitchFamily="34" charset="0"/>
+              </a:rPr>
+              <a:t>Learning</a:t>
+            </a:r>
+            <a:r>
+              <a:rPr lang="es-ES" sz="1400" dirty="0">
+                <a:solidFill>
+                  <a:schemeClr val="bg1"/>
+                </a:solidFill>
+                <a:latin typeface="Arial Black" panose="020B0A04020102020204" pitchFamily="34" charset="0"/>
+              </a:rPr>
+              <a:t> </a:t>
+            </a:r>
+            <a:r>
+              <a:rPr lang="es-ES" sz="1400" dirty="0" err="1">
+                <a:solidFill>
+                  <a:schemeClr val="bg1"/>
+                </a:solidFill>
+                <a:latin typeface="Arial Black" panose="020B0A04020102020204" pitchFamily="34" charset="0"/>
+              </a:rPr>
+              <a:t>Techniques</a:t>
+            </a:r>
+            <a:endParaRPr lang="es-ES" sz="1400" dirty="0">
+              <a:solidFill>
+                <a:schemeClr val="bg1"/>
+              </a:solidFill>
+              <a:latin typeface="Arial Black" panose="020B0A04020102020204" pitchFamily="34" charset="0"/>
+            </a:endParaRPr>
+          </a:p>
+        </p:txBody>
+      </p:sp>
+      <p:sp>
+        <p:nvSpPr>
+          <p:cNvPr id="12" name="Marcador de contenido 2">
+            <a:extLst>
+              <a:ext uri="{FF2B5EF4-FFF2-40B4-BE49-F238E27FC236}">
+                <a16:creationId xmlns:a16="http://schemas.microsoft.com/office/drawing/2014/main" id="{9B4D2406-8A57-4F30-A1EF-732B832B1E79}"/>
+              </a:ext>
+            </a:extLst>
+          </p:cNvPr>
+          <p:cNvSpPr txBox="1">
+            <a:spLocks/>
+          </p:cNvSpPr>
+          <p:nvPr/>
+        </p:nvSpPr>
+        <p:spPr>
+          <a:xfrm>
+            <a:off x="628650" y="1622815"/>
+            <a:ext cx="7886700" cy="4351338"/>
+          </a:xfrm>
+          <a:prstGeom prst="rect">
+            <a:avLst/>
+          </a:prstGeom>
+        </p:spPr>
+        <p:txBody>
+          <a:bodyPr vert="horz" lIns="91440" tIns="45720" rIns="91440" bIns="45720" rtlCol="0">
+            <a:normAutofit/>
+          </a:bodyPr>
+          <a:lstStyle>
+            <a:lvl1pPr marL="0" indent="0" algn="ctr" defTabSz="914400" rtl="0" eaLnBrk="1" latinLnBrk="0" hangingPunct="1">
+              <a:lnSpc>
+                <a:spcPct val="90000"/>
+              </a:lnSpc>
+              <a:spcBef>
+                <a:spcPts val="1000"/>
+              </a:spcBef>
+              <a:buFont typeface="Arial" panose="020B0604020202020204" pitchFamily="34" charset="0"/>
+              <a:buNone/>
+              <a:defRPr sz="2400" kern="1200">
+                <a:solidFill>
+                  <a:schemeClr val="tx1"/>
+                </a:solidFill>
+                <a:latin typeface="+mn-lt"/>
+                <a:ea typeface="+mn-ea"/>
+                <a:cs typeface="+mn-cs"/>
+              </a:defRPr>
+            </a:lvl1pPr>
+            <a:lvl2pPr marL="457200" indent="0" algn="ctr" defTabSz="914400" rtl="0" eaLnBrk="1" latinLnBrk="0" hangingPunct="1">
+              <a:lnSpc>
+                <a:spcPct val="90000"/>
+              </a:lnSpc>
+              <a:spcBef>
+                <a:spcPts val="500"/>
+              </a:spcBef>
+              <a:buFont typeface="Arial" panose="020B0604020202020204" pitchFamily="34" charset="0"/>
+              <a:buNone/>
+              <a:defRPr sz="2000" kern="1200">
+                <a:solidFill>
+                  <a:schemeClr val="tx1"/>
+                </a:solidFill>
+                <a:latin typeface="+mn-lt"/>
+                <a:ea typeface="+mn-ea"/>
+                <a:cs typeface="+mn-cs"/>
+              </a:defRPr>
+            </a:lvl2pPr>
+            <a:lvl3pPr marL="914400" indent="0" algn="ctr" defTabSz="914400" rtl="0" eaLnBrk="1" latinLnBrk="0" hangingPunct="1">
+              <a:lnSpc>
+                <a:spcPct val="90000"/>
+              </a:lnSpc>
+              <a:spcBef>
+                <a:spcPts val="500"/>
+              </a:spcBef>
+              <a:buFont typeface="Arial" panose="020B0604020202020204" pitchFamily="34" charset="0"/>
+              <a:buNone/>
+              <a:defRPr sz="1800" kern="1200">
+                <a:solidFill>
+                  <a:schemeClr val="tx1"/>
+                </a:solidFill>
+                <a:latin typeface="+mn-lt"/>
+                <a:ea typeface="+mn-ea"/>
+                <a:cs typeface="+mn-cs"/>
+              </a:defRPr>
+            </a:lvl3pPr>
+            <a:lvl4pPr marL="1371600" indent="0" algn="ctr" defTabSz="914400" rtl="0" eaLnBrk="1" latinLnBrk="0" hangingPunct="1">
+              <a:lnSpc>
+                <a:spcPct val="90000"/>
+              </a:lnSpc>
+              <a:spcBef>
+                <a:spcPts val="500"/>
+              </a:spcBef>
+              <a:buFont typeface="Arial" panose="020B0604020202020204" pitchFamily="34" charset="0"/>
+              <a:buNone/>
+              <a:defRPr sz="1600" kern="1200">
+                <a:solidFill>
+                  <a:schemeClr val="tx1"/>
+                </a:solidFill>
+                <a:latin typeface="+mn-lt"/>
+                <a:ea typeface="+mn-ea"/>
+                <a:cs typeface="+mn-cs"/>
+              </a:defRPr>
+            </a:lvl4pPr>
+            <a:lvl5pPr marL="1828800" indent="0" algn="ctr" defTabSz="914400" rtl="0" eaLnBrk="1" latinLnBrk="0" hangingPunct="1">
+              <a:lnSpc>
+                <a:spcPct val="90000"/>
+              </a:lnSpc>
+              <a:spcBef>
+                <a:spcPts val="500"/>
+              </a:spcBef>
+              <a:buFont typeface="Arial" panose="020B0604020202020204" pitchFamily="34" charset="0"/>
+              <a:buNone/>
+              <a:defRPr sz="1600" kern="1200">
+                <a:solidFill>
+                  <a:schemeClr val="tx1"/>
+                </a:solidFill>
+                <a:latin typeface="+mn-lt"/>
+                <a:ea typeface="+mn-ea"/>
+                <a:cs typeface="+mn-cs"/>
+              </a:defRPr>
+            </a:lvl5pPr>
+            <a:lvl6pPr marL="2286000" indent="0" algn="ctr" defTabSz="914400" rtl="0" eaLnBrk="1" latinLnBrk="0" hangingPunct="1">
+              <a:lnSpc>
+                <a:spcPct val="90000"/>
+              </a:lnSpc>
+              <a:spcBef>
+                <a:spcPts val="500"/>
+              </a:spcBef>
+              <a:buFont typeface="Arial" panose="020B0604020202020204" pitchFamily="34" charset="0"/>
+              <a:buNone/>
+              <a:defRPr sz="1600" kern="1200">
+                <a:solidFill>
+                  <a:schemeClr val="tx1"/>
+                </a:solidFill>
+                <a:latin typeface="+mn-lt"/>
+                <a:ea typeface="+mn-ea"/>
+                <a:cs typeface="+mn-cs"/>
+              </a:defRPr>
+            </a:lvl6pPr>
+            <a:lvl7pPr marL="2743200" indent="0" algn="ctr" defTabSz="914400" rtl="0" eaLnBrk="1" latinLnBrk="0" hangingPunct="1">
+              <a:lnSpc>
+                <a:spcPct val="90000"/>
+              </a:lnSpc>
+              <a:spcBef>
+                <a:spcPts val="500"/>
+              </a:spcBef>
+              <a:buFont typeface="Arial" panose="020B0604020202020204" pitchFamily="34" charset="0"/>
+              <a:buNone/>
+              <a:defRPr sz="1600" kern="1200">
+                <a:solidFill>
+                  <a:schemeClr val="tx1"/>
+                </a:solidFill>
+                <a:latin typeface="+mn-lt"/>
+                <a:ea typeface="+mn-ea"/>
+                <a:cs typeface="+mn-cs"/>
+              </a:defRPr>
+            </a:lvl7pPr>
+            <a:lvl8pPr marL="3200400" indent="0" algn="ctr" defTabSz="914400" rtl="0" eaLnBrk="1" latinLnBrk="0" hangingPunct="1">
+              <a:lnSpc>
+                <a:spcPct val="90000"/>
+              </a:lnSpc>
+              <a:spcBef>
+                <a:spcPts val="500"/>
+              </a:spcBef>
+              <a:buFont typeface="Arial" panose="020B0604020202020204" pitchFamily="34" charset="0"/>
+              <a:buNone/>
+              <a:defRPr sz="1600" kern="1200">
+                <a:solidFill>
+                  <a:schemeClr val="tx1"/>
+                </a:solidFill>
+                <a:latin typeface="+mn-lt"/>
+                <a:ea typeface="+mn-ea"/>
+                <a:cs typeface="+mn-cs"/>
+              </a:defRPr>
+            </a:lvl8pPr>
+            <a:lvl9pPr marL="3657600" indent="0" algn="ctr" defTabSz="914400" rtl="0" eaLnBrk="1" latinLnBrk="0" hangingPunct="1">
+              <a:lnSpc>
+                <a:spcPct val="90000"/>
+              </a:lnSpc>
+              <a:spcBef>
+                <a:spcPts val="500"/>
+              </a:spcBef>
+              <a:buFont typeface="Arial" panose="020B0604020202020204" pitchFamily="34" charset="0"/>
+              <a:buNone/>
+              <a:defRPr sz="1600" kern="1200">
+                <a:solidFill>
+                  <a:schemeClr val="tx1"/>
+                </a:solidFill>
+                <a:latin typeface="+mn-lt"/>
+                <a:ea typeface="+mn-ea"/>
+                <a:cs typeface="+mn-cs"/>
+              </a:defRPr>
+            </a:lvl9pPr>
+          </a:lstStyle>
+          <a:p>
+            <a:pPr marL="342900" indent="-342900" algn="l">
+              <a:buFont typeface="Arial" panose="020B0604020202020204" pitchFamily="34" charset="0"/>
+              <a:buChar char="•"/>
+            </a:pPr>
+            <a:r>
+              <a:rPr lang="es-ES" dirty="0" err="1"/>
+              <a:t>Random</a:t>
+            </a:r>
+            <a:r>
+              <a:rPr lang="es-ES" dirty="0"/>
+              <a:t> Forest</a:t>
+            </a:r>
+          </a:p>
+        </p:txBody>
+      </p:sp>
+      <p:sp>
+        <p:nvSpPr>
+          <p:cNvPr id="13" name="Título 1">
+            <a:extLst>
+              <a:ext uri="{FF2B5EF4-FFF2-40B4-BE49-F238E27FC236}">
+                <a16:creationId xmlns:a16="http://schemas.microsoft.com/office/drawing/2014/main" id="{7C3015DE-AF16-4D65-86B4-142A073292F7}"/>
+              </a:ext>
+            </a:extLst>
+          </p:cNvPr>
+          <p:cNvSpPr txBox="1">
+            <a:spLocks/>
+          </p:cNvSpPr>
+          <p:nvPr/>
+        </p:nvSpPr>
+        <p:spPr>
+          <a:xfrm>
+            <a:off x="60368" y="664358"/>
+            <a:ext cx="9144000" cy="380446"/>
+          </a:xfrm>
+          <a:prstGeom prst="rect">
+            <a:avLst/>
+          </a:prstGeom>
+        </p:spPr>
+        <p:txBody>
+          <a:bodyPr vert="horz" lIns="91440" tIns="45720" rIns="91440" bIns="45720" rtlCol="0" anchor="b">
+            <a:noAutofit/>
+          </a:bodyPr>
+          <a:lstStyle>
+            <a:lvl1pPr algn="ctr" defTabSz="914400" rtl="0" eaLnBrk="1" latinLnBrk="0" hangingPunct="1">
+              <a:lnSpc>
+                <a:spcPct val="90000"/>
+              </a:lnSpc>
+              <a:spcBef>
+                <a:spcPct val="0"/>
+              </a:spcBef>
+              <a:buNone/>
+              <a:defRPr sz="6000" kern="1200">
+                <a:solidFill>
+                  <a:schemeClr val="tx1"/>
+                </a:solidFill>
+                <a:latin typeface="+mj-lt"/>
+                <a:ea typeface="+mj-ea"/>
+                <a:cs typeface="+mj-cs"/>
+              </a:defRPr>
+            </a:lvl1pPr>
+          </a:lstStyle>
+          <a:p>
+            <a:r>
+              <a:rPr lang="es-ES" sz="2800" b="1" dirty="0" err="1">
+                <a:solidFill>
+                  <a:schemeClr val="bg1"/>
+                </a:solidFill>
+                <a:latin typeface="Arial Black" panose="020B0A04020102020204" pitchFamily="34" charset="0"/>
+              </a:rPr>
+              <a:t>Ensembles</a:t>
+            </a:r>
+            <a:endParaRPr lang="es-ES" sz="2800" b="1" dirty="0">
+              <a:solidFill>
+                <a:schemeClr val="bg1"/>
+              </a:solidFill>
+              <a:latin typeface="Arial Black" panose="020B0A04020102020204" pitchFamily="34" charset="0"/>
+            </a:endParaRPr>
+          </a:p>
+        </p:txBody>
+      </p:sp>
+      <p:sp>
+        <p:nvSpPr>
+          <p:cNvPr id="14" name="Rectangle 13">
+            <a:extLst>
+              <a:ext uri="{FF2B5EF4-FFF2-40B4-BE49-F238E27FC236}">
+                <a16:creationId xmlns:a16="http://schemas.microsoft.com/office/drawing/2014/main" id="{5770A4E5-E5E2-41D1-AFF5-89B7EC267CCE}"/>
+              </a:ext>
+            </a:extLst>
+          </p:cNvPr>
+          <p:cNvSpPr/>
+          <p:nvPr/>
+        </p:nvSpPr>
+        <p:spPr>
+          <a:xfrm>
+            <a:off x="3146212" y="5460302"/>
+            <a:ext cx="2563522" cy="461665"/>
+          </a:xfrm>
+          <a:prstGeom prst="rect">
+            <a:avLst/>
+          </a:prstGeom>
+          <a:solidFill>
+            <a:srgbClr val="FFC000"/>
+          </a:solidFill>
+          <a:ln w="19050">
+            <a:solidFill>
+              <a:schemeClr val="tx1"/>
+            </a:solidFill>
+          </a:ln>
+        </p:spPr>
+        <p:txBody>
+          <a:bodyPr wrap="none">
+            <a:spAutoFit/>
+          </a:bodyPr>
+          <a:lstStyle/>
+          <a:p>
+            <a:pPr algn="ctr"/>
+            <a:r>
+              <a:rPr lang="en-US" sz="2400" dirty="0">
+                <a:effectLst>
+                  <a:outerShdw blurRad="38100" dist="38100" dir="2700000" algn="tl">
+                    <a:srgbClr val="000000">
+                      <a:alpha val="43137"/>
+                    </a:srgbClr>
+                  </a:outerShdw>
+                </a:effectLst>
+                <a:latin typeface="Consolas" panose="020B0609020204030204" pitchFamily="49" charset="0"/>
+              </a:rPr>
+              <a:t>Accuracy: 0.96</a:t>
+            </a:r>
+          </a:p>
+        </p:txBody>
+      </p:sp>
+      <p:graphicFrame>
+        <p:nvGraphicFramePr>
+          <p:cNvPr id="18" name="Table 18">
+            <a:extLst>
+              <a:ext uri="{FF2B5EF4-FFF2-40B4-BE49-F238E27FC236}">
+                <a16:creationId xmlns:a16="http://schemas.microsoft.com/office/drawing/2014/main" id="{9B8E4B00-1C70-40B6-83CD-5DDD2813365B}"/>
+              </a:ext>
+            </a:extLst>
+          </p:cNvPr>
+          <p:cNvGraphicFramePr>
+            <a:graphicFrameLocks noGrp="1"/>
+          </p:cNvGraphicFramePr>
+          <p:nvPr>
+            <p:extLst>
+              <p:ext uri="{D42A27DB-BD31-4B8C-83A1-F6EECF244321}">
+                <p14:modId xmlns:p14="http://schemas.microsoft.com/office/powerpoint/2010/main" val="2673814161"/>
+              </p:ext>
+            </p:extLst>
+          </p:nvPr>
+        </p:nvGraphicFramePr>
+        <p:xfrm>
+          <a:off x="1198056" y="3282703"/>
+          <a:ext cx="2034857" cy="1483360"/>
+        </p:xfrm>
+        <a:graphic>
+          <a:graphicData uri="http://schemas.openxmlformats.org/drawingml/2006/table">
+            <a:tbl>
+              <a:tblPr firstRow="1" bandRow="1">
+                <a:tableStyleId>{5C22544A-7EE6-4342-B048-85BDC9FD1C3A}</a:tableStyleId>
+              </a:tblPr>
+              <a:tblGrid>
+                <a:gridCol w="673417">
+                  <a:extLst>
+                    <a:ext uri="{9D8B030D-6E8A-4147-A177-3AD203B41FA5}">
+                      <a16:colId xmlns:a16="http://schemas.microsoft.com/office/drawing/2014/main" val="365665556"/>
+                    </a:ext>
+                  </a:extLst>
+                </a:gridCol>
+                <a:gridCol w="308293">
+                  <a:extLst>
+                    <a:ext uri="{9D8B030D-6E8A-4147-A177-3AD203B41FA5}">
+                      <a16:colId xmlns:a16="http://schemas.microsoft.com/office/drawing/2014/main" val="2589252102"/>
+                    </a:ext>
+                  </a:extLst>
+                </a:gridCol>
+                <a:gridCol w="570230">
+                  <a:extLst>
+                    <a:ext uri="{9D8B030D-6E8A-4147-A177-3AD203B41FA5}">
+                      <a16:colId xmlns:a16="http://schemas.microsoft.com/office/drawing/2014/main" val="2271225193"/>
+                    </a:ext>
+                  </a:extLst>
+                </a:gridCol>
+                <a:gridCol w="482917">
+                  <a:extLst>
+                    <a:ext uri="{9D8B030D-6E8A-4147-A177-3AD203B41FA5}">
+                      <a16:colId xmlns:a16="http://schemas.microsoft.com/office/drawing/2014/main" val="203997813"/>
+                    </a:ext>
+                  </a:extLst>
+                </a:gridCol>
+              </a:tblGrid>
+              <a:tr h="370840">
+                <a:tc>
+                  <a:txBody>
+                    <a:bodyPr/>
+                    <a:lstStyle/>
+                    <a:p>
+                      <a:pPr algn="ctr"/>
+                      <a:endParaRPr lang="en-US" dirty="0"/>
+                    </a:p>
+                  </a:txBody>
+                  <a:tcPr anchor="ctr">
+                    <a:lnL w="12700" cap="flat" cmpd="sng" algn="ctr">
+                      <a:noFill/>
+                      <a:prstDash val="solid"/>
+                      <a:round/>
+                      <a:headEnd type="none" w="med" len="med"/>
+                      <a:tailEnd type="none" w="med" len="med"/>
+                    </a:lnL>
+                    <a:lnR w="12700" cmpd="sng">
+                      <a:noFill/>
+                    </a:lnR>
+                    <a:lnT w="12700" cmpd="sng">
+                      <a:noFill/>
+                    </a:lnT>
+                    <a:lnB w="38100" cmpd="sng">
+                      <a:noFill/>
+                    </a:lnB>
+                    <a:lnTlToBr w="12700" cmpd="sng">
+                      <a:noFill/>
+                      <a:prstDash val="solid"/>
+                    </a:lnTlToBr>
+                    <a:lnBlToTr w="12700" cmpd="sng">
+                      <a:noFill/>
+                      <a:prstDash val="solid"/>
+                    </a:lnBlToTr>
+                    <a:noFill/>
+                  </a:tcPr>
+                </a:tc>
+                <a:tc>
+                  <a:txBody>
+                    <a:bodyPr/>
+                    <a:lstStyle/>
+                    <a:p>
+                      <a:pPr algn="ctr"/>
+                      <a:endParaRPr lang="en-US" dirty="0"/>
+                    </a:p>
+                  </a:txBody>
+                  <a:tcPr anchor="ctr">
+                    <a:lnL w="12700" cmpd="sng">
+                      <a:noFill/>
+                    </a:lnL>
+                    <a:lnR w="12700" cmpd="sng">
+                      <a:noFill/>
+                    </a:lnR>
+                    <a:lnT w="12700" cmpd="sng">
+                      <a:noFill/>
+                    </a:lnT>
+                    <a:lnB w="38100" cmpd="sng">
+                      <a:noFill/>
+                    </a:lnB>
+                    <a:lnTlToBr w="12700" cmpd="sng">
+                      <a:noFill/>
+                      <a:prstDash val="solid"/>
+                    </a:lnTlToBr>
+                    <a:lnBlToTr w="12700" cmpd="sng">
+                      <a:noFill/>
+                      <a:prstDash val="solid"/>
+                    </a:lnBlToTr>
+                    <a:noFill/>
+                  </a:tcPr>
+                </a:tc>
+                <a:tc gridSpan="2">
+                  <a:txBody>
+                    <a:bodyPr/>
+                    <a:lstStyle/>
+                    <a:p>
+                      <a:pPr algn="ctr"/>
+                      <a:r>
+                        <a:rPr lang="en-US" dirty="0"/>
+                        <a:t>Predicted</a:t>
+                      </a:r>
+                    </a:p>
+                  </a:txBody>
+                  <a:tcPr anchor="ctr">
+                    <a:lnL w="12700" cmpd="sng">
+                      <a:noFill/>
+                    </a:lnL>
+                  </a:tcPr>
+                </a:tc>
+                <a:tc hMerge="1">
+                  <a:txBody>
+                    <a:bodyPr/>
+                    <a:lstStyle/>
+                    <a:p>
+                      <a:endParaRPr lang="en-US" dirty="0"/>
+                    </a:p>
+                  </a:txBody>
+                  <a:tcPr/>
+                </a:tc>
+                <a:extLst>
+                  <a:ext uri="{0D108BD9-81ED-4DB2-BD59-A6C34878D82A}">
+                    <a16:rowId xmlns:a16="http://schemas.microsoft.com/office/drawing/2014/main" val="4202995591"/>
+                  </a:ext>
+                </a:extLst>
+              </a:tr>
+              <a:tr h="370840">
+                <a:tc>
+                  <a:txBody>
+                    <a:bodyPr/>
+                    <a:lstStyle/>
+                    <a:p>
+                      <a:pPr algn="ctr"/>
+                      <a:endParaRPr lang="en-US" dirty="0"/>
+                    </a:p>
+                  </a:txBody>
+                  <a:tcPr anchor="ctr">
+                    <a:lnL w="12700" cmpd="sng">
+                      <a:noFill/>
+                    </a:lnL>
+                    <a:lnR w="12700" cmpd="sng">
+                      <a:noFill/>
+                    </a:lnR>
+                    <a:lnT w="38100" cmpd="sng">
+                      <a:noFill/>
+                    </a:lnT>
+                    <a:lnB w="12700" cmpd="sng">
+                      <a:noFill/>
+                    </a:lnB>
+                    <a:lnTlToBr w="12700" cmpd="sng">
+                      <a:noFill/>
+                      <a:prstDash val="solid"/>
+                    </a:lnTlToBr>
+                    <a:lnBlToTr w="12700" cmpd="sng">
+                      <a:noFill/>
+                      <a:prstDash val="solid"/>
+                    </a:lnBlToTr>
+                    <a:noFill/>
+                  </a:tcPr>
+                </a:tc>
+                <a:tc>
+                  <a:txBody>
+                    <a:bodyPr/>
+                    <a:lstStyle/>
+                    <a:p>
+                      <a:pPr algn="ctr"/>
+                      <a:endParaRPr lang="en-US" dirty="0"/>
+                    </a:p>
+                  </a:txBody>
+                  <a:tcPr anchor="ctr">
+                    <a:lnL w="12700" cmpd="sng">
+                      <a:noFill/>
+                    </a:lnL>
+                    <a:lnR w="12700" cmpd="sng">
+                      <a:noFill/>
+                    </a:lnR>
+                    <a:lnT w="38100" cmpd="sng">
+                      <a:noFill/>
+                    </a:lnT>
+                    <a:lnB w="12700" cmpd="sng">
+                      <a:noFill/>
+                    </a:lnB>
+                    <a:lnTlToBr w="12700" cmpd="sng">
+                      <a:noFill/>
+                      <a:prstDash val="solid"/>
+                    </a:lnTlToBr>
+                    <a:lnBlToTr w="12700" cmpd="sng">
+                      <a:noFill/>
+                      <a:prstDash val="solid"/>
+                    </a:lnBlToTr>
+                    <a:noFill/>
+                  </a:tcPr>
+                </a:tc>
+                <a:tc>
+                  <a:txBody>
+                    <a:bodyPr/>
+                    <a:lstStyle/>
+                    <a:p>
+                      <a:pPr algn="ctr"/>
+                      <a:r>
+                        <a:rPr lang="en-US" dirty="0"/>
+                        <a:t>0</a:t>
+                      </a:r>
+                    </a:p>
+                  </a:txBody>
+                  <a:tcPr anchor="ctr">
+                    <a:lnL w="12700" cmpd="sng">
+                      <a:noFill/>
+                    </a:lnL>
+                  </a:tcPr>
+                </a:tc>
+                <a:tc>
+                  <a:txBody>
+                    <a:bodyPr/>
+                    <a:lstStyle/>
+                    <a:p>
+                      <a:pPr algn="ctr"/>
+                      <a:r>
+                        <a:rPr lang="en-US" dirty="0"/>
+                        <a:t>1</a:t>
+                      </a:r>
+                    </a:p>
+                  </a:txBody>
+                  <a:tcPr anchor="ctr"/>
+                </a:tc>
+                <a:extLst>
+                  <a:ext uri="{0D108BD9-81ED-4DB2-BD59-A6C34878D82A}">
+                    <a16:rowId xmlns:a16="http://schemas.microsoft.com/office/drawing/2014/main" val="2215389606"/>
+                  </a:ext>
+                </a:extLst>
+              </a:tr>
+              <a:tr h="370840">
+                <a:tc rowSpan="2">
+                  <a:txBody>
+                    <a:bodyPr/>
+                    <a:lstStyle/>
+                    <a:p>
+                      <a:pPr algn="ctr"/>
+                      <a:r>
+                        <a:rPr lang="en-US" b="1" dirty="0">
+                          <a:solidFill>
+                            <a:schemeClr val="bg1"/>
+                          </a:solidFill>
+                        </a:rPr>
+                        <a:t>Actual</a:t>
+                      </a:r>
+                    </a:p>
+                  </a:txBody>
+                  <a:tcPr anchor="ctr">
+                    <a:lnT w="12700" cmpd="sng">
+                      <a:noFill/>
+                    </a:lnT>
+                    <a:solidFill>
+                      <a:srgbClr val="4472C4"/>
+                    </a:solidFill>
+                  </a:tcPr>
+                </a:tc>
+                <a:tc>
+                  <a:txBody>
+                    <a:bodyPr/>
+                    <a:lstStyle/>
+                    <a:p>
+                      <a:pPr algn="ctr"/>
+                      <a:r>
+                        <a:rPr lang="en-US" dirty="0"/>
+                        <a:t>0</a:t>
+                      </a:r>
+                    </a:p>
+                  </a:txBody>
+                  <a:tcPr anchor="ctr">
+                    <a:lnT w="12700" cmpd="sng">
+                      <a:noFill/>
+                    </a:lnT>
+                  </a:tcPr>
+                </a:tc>
+                <a:tc>
+                  <a:txBody>
+                    <a:bodyPr/>
+                    <a:lstStyle/>
+                    <a:p>
+                      <a:pPr algn="ctr"/>
+                      <a:r>
+                        <a:rPr lang="en-US" dirty="0"/>
+                        <a:t>4713</a:t>
+                      </a:r>
+                    </a:p>
+                  </a:txBody>
+                  <a:tcPr anchor="ctr"/>
+                </a:tc>
+                <a:tc>
+                  <a:txBody>
+                    <a:bodyPr/>
+                    <a:lstStyle/>
+                    <a:p>
+                      <a:pPr algn="ctr"/>
+                      <a:r>
+                        <a:rPr lang="en-US" dirty="0"/>
+                        <a:t>183</a:t>
+                      </a:r>
+                    </a:p>
+                  </a:txBody>
+                  <a:tcPr anchor="ctr"/>
+                </a:tc>
+                <a:extLst>
+                  <a:ext uri="{0D108BD9-81ED-4DB2-BD59-A6C34878D82A}">
+                    <a16:rowId xmlns:a16="http://schemas.microsoft.com/office/drawing/2014/main" val="3539629275"/>
+                  </a:ext>
+                </a:extLst>
+              </a:tr>
+              <a:tr h="370840">
+                <a:tc vMerge="1">
+                  <a:txBody>
+                    <a:bodyPr/>
+                    <a:lstStyle/>
+                    <a:p>
+                      <a:endParaRPr lang="en-US" dirty="0"/>
+                    </a:p>
+                  </a:txBody>
+                  <a:tcPr/>
+                </a:tc>
+                <a:tc>
+                  <a:txBody>
+                    <a:bodyPr/>
+                    <a:lstStyle/>
+                    <a:p>
+                      <a:pPr algn="ctr"/>
+                      <a:r>
+                        <a:rPr lang="en-US" dirty="0"/>
+                        <a:t>1</a:t>
+                      </a:r>
+                    </a:p>
+                  </a:txBody>
+                  <a:tcPr anchor="ctr"/>
+                </a:tc>
+                <a:tc>
+                  <a:txBody>
+                    <a:bodyPr/>
+                    <a:lstStyle/>
+                    <a:p>
+                      <a:pPr algn="ctr"/>
+                      <a:r>
+                        <a:rPr lang="en-US" dirty="0"/>
+                        <a:t>1</a:t>
+                      </a:r>
+                    </a:p>
+                  </a:txBody>
+                  <a:tcPr anchor="ctr"/>
+                </a:tc>
+                <a:tc>
+                  <a:txBody>
+                    <a:bodyPr/>
+                    <a:lstStyle/>
+                    <a:p>
+                      <a:pPr algn="ctr"/>
+                      <a:r>
+                        <a:rPr lang="en-US" dirty="0"/>
+                        <a:t>7</a:t>
+                      </a:r>
+                    </a:p>
+                  </a:txBody>
+                  <a:tcPr anchor="ctr"/>
+                </a:tc>
+                <a:extLst>
+                  <a:ext uri="{0D108BD9-81ED-4DB2-BD59-A6C34878D82A}">
+                    <a16:rowId xmlns:a16="http://schemas.microsoft.com/office/drawing/2014/main" val="3114732753"/>
+                  </a:ext>
+                </a:extLst>
+              </a:tr>
+            </a:tbl>
+          </a:graphicData>
+        </a:graphic>
+      </p:graphicFrame>
+    </p:spTree>
+    <p:extLst>
+      <p:ext uri="{BB962C8B-B14F-4D97-AF65-F5344CB8AC3E}">
+        <p14:creationId xmlns:p14="http://schemas.microsoft.com/office/powerpoint/2010/main" val="422639360"/>
+      </p:ext>
+    </p:extLst>
+  </p:cSld>
+  <p:clrMapOvr>
+    <a:masterClrMapping/>
+  </p:clrMapOvr>
+</p:sld>
+</file>
+
+<file path=ppt/slides/slide9.xml><?xml version="1.0" encoding="utf-8"?>
+<p:sld xmlns:a="http://schemas.openxmlformats.org/drawingml/2006/main" xmlns:r="http://schemas.openxmlformats.org/officeDocument/2006/relationships" xmlns:p="http://schemas.openxmlformats.org/presentationml/2006/main">
+  <p:cSld>
+    <p:spTree>
+      <p:nvGrpSpPr>
+        <p:cNvPr id="1" name=""/>
+        <p:cNvGrpSpPr/>
+        <p:nvPr/>
+      </p:nvGrpSpPr>
+      <p:grpSpPr>
+        <a:xfrm>
+          <a:off x="0" y="0"/>
+          <a:ext cx="0" cy="0"/>
+          <a:chOff x="0" y="0"/>
+          <a:chExt cx="0" cy="0"/>
+        </a:xfrm>
+      </p:grpSpPr>
+      <p:sp>
+        <p:nvSpPr>
+          <p:cNvPr id="5" name="Rectángulo 4">
+            <a:extLst>
+              <a:ext uri="{FF2B5EF4-FFF2-40B4-BE49-F238E27FC236}">
+                <a16:creationId xmlns:a16="http://schemas.microsoft.com/office/drawing/2014/main" id="{CD750A2F-7FE4-4E4D-88D1-63BD3B3E3215}"/>
+              </a:ext>
+            </a:extLst>
+          </p:cNvPr>
+          <p:cNvSpPr/>
+          <p:nvPr/>
+        </p:nvSpPr>
+        <p:spPr>
+          <a:xfrm>
+            <a:off x="-1" y="-9838"/>
+            <a:ext cx="9144001" cy="1008218"/>
+          </a:xfrm>
+          <a:prstGeom prst="rect">
+            <a:avLst/>
+          </a:prstGeom>
+          <a:ln>
+            <a:noFill/>
+          </a:ln>
+        </p:spPr>
+        <p:style>
+          <a:lnRef idx="2">
+            <a:schemeClr val="dk1">
+              <a:shade val="50000"/>
+            </a:schemeClr>
+          </a:lnRef>
+          <a:fillRef idx="1">
+            <a:schemeClr val="dk1"/>
+          </a:fillRef>
+          <a:effectRef idx="0">
+            <a:schemeClr val="dk1"/>
+          </a:effectRef>
+          <a:fontRef idx="minor">
+            <a:schemeClr val="lt1"/>
+          </a:fontRef>
+        </p:style>
+        <p:txBody>
+          <a:bodyPr rot="0" spcFirstLastPara="0" vertOverflow="overflow" horzOverflow="overflow" vert="horz" wrap="square" lIns="91440" tIns="45720" rIns="91440" bIns="45720" numCol="1" spcCol="0" rtlCol="0" fromWordArt="0" anchor="ctr" anchorCtr="0" forceAA="0" compatLnSpc="1">
+            <a:prstTxWarp prst="textNoShape">
+              <a:avLst/>
+            </a:prstTxWarp>
+            <a:noAutofit/>
+          </a:bodyPr>
+          <a:lstStyle/>
+          <a:p>
+            <a:pPr algn="r"/>
+            <a:endParaRPr lang="es-ES" dirty="0"/>
+          </a:p>
+        </p:txBody>
+      </p:sp>
+      <p:sp>
+        <p:nvSpPr>
+          <p:cNvPr id="6" name="Título 1">
+            <a:extLst>
+              <a:ext uri="{FF2B5EF4-FFF2-40B4-BE49-F238E27FC236}">
+                <a16:creationId xmlns:a16="http://schemas.microsoft.com/office/drawing/2014/main" id="{14613F17-BE77-4F66-A9E0-B878A2EAD421}"/>
+              </a:ext>
+            </a:extLst>
+          </p:cNvPr>
+          <p:cNvSpPr txBox="1">
+            <a:spLocks/>
+          </p:cNvSpPr>
+          <p:nvPr/>
+        </p:nvSpPr>
+        <p:spPr>
+          <a:xfrm>
+            <a:off x="0" y="100576"/>
+            <a:ext cx="9144000" cy="858412"/>
+          </a:xfrm>
+          <a:prstGeom prst="rect">
+            <a:avLst/>
+          </a:prstGeom>
+        </p:spPr>
+        <p:txBody>
+          <a:bodyPr vert="horz" lIns="91440" tIns="45720" rIns="91440" bIns="45720" rtlCol="0" anchor="ctr">
+            <a:normAutofit/>
+          </a:bodyPr>
+          <a:lstStyle>
+            <a:lvl1pPr algn="l" defTabSz="685800" rtl="0" eaLnBrk="1" latinLnBrk="0" hangingPunct="1">
+              <a:lnSpc>
+                <a:spcPct val="90000"/>
+              </a:lnSpc>
+              <a:spcBef>
+                <a:spcPct val="0"/>
+              </a:spcBef>
+              <a:buNone/>
+              <a:defRPr sz="3300" kern="1200">
+                <a:solidFill>
+                  <a:schemeClr val="tx1"/>
+                </a:solidFill>
+                <a:latin typeface="+mj-lt"/>
+                <a:ea typeface="+mj-ea"/>
+                <a:cs typeface="+mj-cs"/>
+              </a:defRPr>
+            </a:lvl1pPr>
+          </a:lstStyle>
+          <a:p>
+            <a:pPr algn="ctr"/>
+            <a:r>
+              <a:rPr lang="es-ES" sz="4400" b="1" dirty="0" err="1">
+                <a:solidFill>
+                  <a:schemeClr val="bg1"/>
+                </a:solidFill>
+                <a:latin typeface="Arial Black" panose="020B0A04020102020204" pitchFamily="34" charset="0"/>
+              </a:rPr>
+              <a:t>Observations</a:t>
+            </a:r>
+            <a:endParaRPr lang="es-ES" sz="4400" b="1" dirty="0">
+              <a:solidFill>
+                <a:schemeClr val="bg1"/>
+              </a:solidFill>
+              <a:latin typeface="Arial Black" panose="020B0A04020102020204" pitchFamily="34" charset="0"/>
+            </a:endParaRPr>
+          </a:p>
+        </p:txBody>
+      </p:sp>
+      <p:pic>
+        <p:nvPicPr>
+          <p:cNvPr id="7" name="Imagen 9" descr="Imagen que contiene alimentos, dibujo&#10;&#10;Descripción generada automáticamente">
+            <a:extLst>
+              <a:ext uri="{FF2B5EF4-FFF2-40B4-BE49-F238E27FC236}">
+                <a16:creationId xmlns:a16="http://schemas.microsoft.com/office/drawing/2014/main" id="{56D1CCF6-6F9C-4A91-AC18-F1F6C9CA73BB}"/>
+              </a:ext>
+            </a:extLst>
+          </p:cNvPr>
+          <p:cNvPicPr>
+            <a:picLocks noChangeAspect="1"/>
+          </p:cNvPicPr>
+          <p:nvPr/>
+        </p:nvPicPr>
+        <p:blipFill>
+          <a:blip r:embed="rId2">
+            <a:extLst>
+              <a:ext uri="{28A0092B-C50C-407E-A947-70E740481C1C}">
+                <a14:useLocalDpi xmlns:a14="http://schemas.microsoft.com/office/drawing/2010/main" val="0"/>
+              </a:ext>
+            </a:extLst>
+          </a:blip>
+          <a:stretch>
+            <a:fillRect/>
+          </a:stretch>
+        </p:blipFill>
+        <p:spPr>
+          <a:xfrm>
+            <a:off x="0" y="0"/>
+            <a:ext cx="1198056" cy="998380"/>
+          </a:xfrm>
+          <a:prstGeom prst="rect">
+            <a:avLst/>
+          </a:prstGeom>
+        </p:spPr>
+      </p:pic>
+      <p:pic>
+        <p:nvPicPr>
+          <p:cNvPr id="8" name="Imagen 13">
+            <a:extLst>
+              <a:ext uri="{FF2B5EF4-FFF2-40B4-BE49-F238E27FC236}">
+                <a16:creationId xmlns:a16="http://schemas.microsoft.com/office/drawing/2014/main" id="{D1904A29-4F8B-4D87-97E3-7555731447B2}"/>
+              </a:ext>
+            </a:extLst>
+          </p:cNvPr>
+          <p:cNvPicPr>
+            <a:picLocks noChangeAspect="1"/>
+          </p:cNvPicPr>
+          <p:nvPr/>
+        </p:nvPicPr>
+        <p:blipFill rotWithShape="1">
+          <a:blip r:embed="rId3">
+            <a:extLst>
+              <a:ext uri="{BEBA8EAE-BF5A-486C-A8C5-ECC9F3942E4B}">
+                <a14:imgProps xmlns:a14="http://schemas.microsoft.com/office/drawing/2010/main">
+                  <a14:imgLayer r:embed="rId4">
+                    <a14:imgEffect>
+                      <a14:backgroundRemoval t="9732" b="89986" l="4234" r="41176">
+                        <a14:foregroundMark x1="41221" y1="51199" x2="41221" y2="51199"/>
+                        <a14:foregroundMark x1="4234" y1="54443" x2="4234" y2="54443"/>
+                        <a14:foregroundMark x1="40196" y1="17630" x2="40196" y2="17630"/>
+                      </a14:backgroundRemoval>
+                    </a14:imgEffect>
+                    <a14:imgEffect>
+                      <a14:brightnessContrast bright="20000"/>
+                    </a14:imgEffect>
+                  </a14:imgLayer>
+                </a14:imgProps>
+              </a:ext>
+              <a:ext uri="{28A0092B-C50C-407E-A947-70E740481C1C}">
+                <a14:useLocalDpi xmlns:a14="http://schemas.microsoft.com/office/drawing/2010/main" val="0"/>
+              </a:ext>
+            </a:extLst>
+          </a:blip>
+          <a:srcRect r="56027"/>
+          <a:stretch/>
+        </p:blipFill>
+        <p:spPr>
+          <a:xfrm>
+            <a:off x="7953862" y="101005"/>
+            <a:ext cx="1008675" cy="724754"/>
+          </a:xfrm>
+          <a:prstGeom prst="rect">
+            <a:avLst/>
+          </a:prstGeom>
+        </p:spPr>
+      </p:pic>
+      <p:sp>
+        <p:nvSpPr>
+          <p:cNvPr id="9" name="Rectángulo 20">
+            <a:extLst>
+              <a:ext uri="{FF2B5EF4-FFF2-40B4-BE49-F238E27FC236}">
+                <a16:creationId xmlns:a16="http://schemas.microsoft.com/office/drawing/2014/main" id="{DEDF7E39-4220-4C59-A15C-012BE59734C7}"/>
+              </a:ext>
+            </a:extLst>
+          </p:cNvPr>
+          <p:cNvSpPr/>
+          <p:nvPr/>
+        </p:nvSpPr>
+        <p:spPr>
+          <a:xfrm>
+            <a:off x="0" y="6616284"/>
+            <a:ext cx="9144001" cy="293037"/>
+          </a:xfrm>
+          <a:prstGeom prst="rect">
+            <a:avLst/>
+          </a:prstGeom>
+          <a:ln>
+            <a:noFill/>
+          </a:ln>
+        </p:spPr>
+        <p:style>
+          <a:lnRef idx="2">
+            <a:schemeClr val="dk1">
+              <a:shade val="50000"/>
+            </a:schemeClr>
+          </a:lnRef>
+          <a:fillRef idx="1">
+            <a:schemeClr val="dk1"/>
+          </a:fillRef>
+          <a:effectRef idx="0">
+            <a:schemeClr val="dk1"/>
+          </a:effectRef>
+          <a:fontRef idx="minor">
+            <a:schemeClr val="lt1"/>
+          </a:fontRef>
+        </p:style>
+        <p:txBody>
+          <a:bodyPr rot="0" spcFirstLastPara="0" vertOverflow="overflow" horzOverflow="overflow" vert="horz" wrap="square" lIns="91440" tIns="45720" rIns="91440" bIns="45720" numCol="1" spcCol="0" rtlCol="0" fromWordArt="0" anchor="ctr" anchorCtr="0" forceAA="0" compatLnSpc="1">
+            <a:prstTxWarp prst="textNoShape">
+              <a:avLst/>
+            </a:prstTxWarp>
+            <a:noAutofit/>
+          </a:bodyPr>
+          <a:lstStyle/>
+          <a:p>
+            <a:pPr algn="r"/>
+            <a:endParaRPr lang="es-ES" dirty="0"/>
+          </a:p>
+        </p:txBody>
+      </p:sp>
+      <p:sp>
+        <p:nvSpPr>
+          <p:cNvPr id="10" name="CuadroTexto 15">
+            <a:extLst>
+              <a:ext uri="{FF2B5EF4-FFF2-40B4-BE49-F238E27FC236}">
+                <a16:creationId xmlns:a16="http://schemas.microsoft.com/office/drawing/2014/main" id="{14B88EA0-E157-409C-9432-D384EE3302BF}"/>
+              </a:ext>
+            </a:extLst>
+          </p:cNvPr>
+          <p:cNvSpPr txBox="1"/>
+          <p:nvPr/>
+        </p:nvSpPr>
+        <p:spPr>
+          <a:xfrm>
+            <a:off x="0" y="6607436"/>
+            <a:ext cx="9144000" cy="307777"/>
+          </a:xfrm>
+          <a:prstGeom prst="rect">
+            <a:avLst/>
+          </a:prstGeom>
+          <a:noFill/>
+        </p:spPr>
+        <p:txBody>
+          <a:bodyPr wrap="square" rtlCol="0">
+            <a:spAutoFit/>
+          </a:bodyPr>
+          <a:lstStyle/>
+          <a:p>
+            <a:pPr algn="ctr"/>
+            <a:r>
+              <a:rPr lang="es-ES" sz="1400" dirty="0">
+                <a:solidFill>
+                  <a:schemeClr val="bg1"/>
+                </a:solidFill>
+                <a:latin typeface="Arial Black" panose="020B0A04020102020204" pitchFamily="34" charset="0"/>
+              </a:rPr>
+              <a:t>Machine </a:t>
+            </a:r>
+            <a:r>
+              <a:rPr lang="es-ES" sz="1400" dirty="0" err="1">
+                <a:solidFill>
+                  <a:schemeClr val="bg1"/>
+                </a:solidFill>
+                <a:latin typeface="Arial Black" panose="020B0A04020102020204" pitchFamily="34" charset="0"/>
+              </a:rPr>
+              <a:t>Learning</a:t>
+            </a:r>
+            <a:r>
+              <a:rPr lang="es-ES" sz="1400" dirty="0">
+                <a:solidFill>
+                  <a:schemeClr val="bg1"/>
+                </a:solidFill>
+                <a:latin typeface="Arial Black" panose="020B0A04020102020204" pitchFamily="34" charset="0"/>
+              </a:rPr>
+              <a:t> </a:t>
+            </a:r>
+            <a:r>
+              <a:rPr lang="es-ES" sz="1400" dirty="0" err="1">
+                <a:solidFill>
+                  <a:schemeClr val="bg1"/>
+                </a:solidFill>
+                <a:latin typeface="Arial Black" panose="020B0A04020102020204" pitchFamily="34" charset="0"/>
+              </a:rPr>
+              <a:t>Techniques</a:t>
+            </a:r>
+            <a:endParaRPr lang="es-ES" sz="1400" dirty="0">
+              <a:solidFill>
+                <a:schemeClr val="bg1"/>
+              </a:solidFill>
+              <a:latin typeface="Arial Black" panose="020B0A04020102020204" pitchFamily="34" charset="0"/>
+            </a:endParaRPr>
+          </a:p>
+        </p:txBody>
+      </p:sp>
+      <p:sp>
+        <p:nvSpPr>
+          <p:cNvPr id="11" name="Marcador de contenido 2">
+            <a:extLst>
+              <a:ext uri="{FF2B5EF4-FFF2-40B4-BE49-F238E27FC236}">
+                <a16:creationId xmlns:a16="http://schemas.microsoft.com/office/drawing/2014/main" id="{4D79F90F-987A-4185-9B27-1B8BAF9C8047}"/>
+              </a:ext>
+            </a:extLst>
+          </p:cNvPr>
+          <p:cNvSpPr txBox="1">
+            <a:spLocks/>
+          </p:cNvSpPr>
+          <p:nvPr/>
+        </p:nvSpPr>
+        <p:spPr>
+          <a:xfrm>
+            <a:off x="628650" y="1622815"/>
+            <a:ext cx="7886700" cy="4351338"/>
+          </a:xfrm>
+          <a:prstGeom prst="rect">
+            <a:avLst/>
+          </a:prstGeom>
+        </p:spPr>
+        <p:txBody>
+          <a:bodyPr vert="horz" lIns="91440" tIns="45720" rIns="91440" bIns="45720" rtlCol="0">
+            <a:normAutofit/>
+          </a:bodyPr>
+          <a:lstStyle>
+            <a:lvl1pPr marL="0" indent="0" algn="ctr" defTabSz="914400" rtl="0" eaLnBrk="1" latinLnBrk="0" hangingPunct="1">
+              <a:lnSpc>
+                <a:spcPct val="90000"/>
+              </a:lnSpc>
+              <a:spcBef>
+                <a:spcPts val="1000"/>
+              </a:spcBef>
+              <a:buFont typeface="Arial" panose="020B0604020202020204" pitchFamily="34" charset="0"/>
+              <a:buNone/>
+              <a:defRPr sz="2400" kern="1200">
+                <a:solidFill>
+                  <a:schemeClr val="tx1"/>
+                </a:solidFill>
+                <a:latin typeface="+mn-lt"/>
+                <a:ea typeface="+mn-ea"/>
+                <a:cs typeface="+mn-cs"/>
+              </a:defRPr>
+            </a:lvl1pPr>
+            <a:lvl2pPr marL="457200" indent="0" algn="ctr" defTabSz="914400" rtl="0" eaLnBrk="1" latinLnBrk="0" hangingPunct="1">
+              <a:lnSpc>
+                <a:spcPct val="90000"/>
+              </a:lnSpc>
+              <a:spcBef>
+                <a:spcPts val="500"/>
+              </a:spcBef>
+              <a:buFont typeface="Arial" panose="020B0604020202020204" pitchFamily="34" charset="0"/>
+              <a:buNone/>
+              <a:defRPr sz="2000" kern="1200">
+                <a:solidFill>
+                  <a:schemeClr val="tx1"/>
+                </a:solidFill>
+                <a:latin typeface="+mn-lt"/>
+                <a:ea typeface="+mn-ea"/>
+                <a:cs typeface="+mn-cs"/>
+              </a:defRPr>
+            </a:lvl2pPr>
+            <a:lvl3pPr marL="914400" indent="0" algn="ctr" defTabSz="914400" rtl="0" eaLnBrk="1" latinLnBrk="0" hangingPunct="1">
+              <a:lnSpc>
+                <a:spcPct val="90000"/>
+              </a:lnSpc>
+              <a:spcBef>
+                <a:spcPts val="500"/>
+              </a:spcBef>
+              <a:buFont typeface="Arial" panose="020B0604020202020204" pitchFamily="34" charset="0"/>
+              <a:buNone/>
+              <a:defRPr sz="1800" kern="1200">
+                <a:solidFill>
+                  <a:schemeClr val="tx1"/>
+                </a:solidFill>
+                <a:latin typeface="+mn-lt"/>
+                <a:ea typeface="+mn-ea"/>
+                <a:cs typeface="+mn-cs"/>
+              </a:defRPr>
+            </a:lvl3pPr>
+            <a:lvl4pPr marL="1371600" indent="0" algn="ctr" defTabSz="914400" rtl="0" eaLnBrk="1" latinLnBrk="0" hangingPunct="1">
+              <a:lnSpc>
+                <a:spcPct val="90000"/>
+              </a:lnSpc>
+              <a:spcBef>
+                <a:spcPts val="500"/>
+              </a:spcBef>
+              <a:buFont typeface="Arial" panose="020B0604020202020204" pitchFamily="34" charset="0"/>
+              <a:buNone/>
+              <a:defRPr sz="1600" kern="1200">
+                <a:solidFill>
+                  <a:schemeClr val="tx1"/>
+                </a:solidFill>
+                <a:latin typeface="+mn-lt"/>
+                <a:ea typeface="+mn-ea"/>
+                <a:cs typeface="+mn-cs"/>
+              </a:defRPr>
+            </a:lvl4pPr>
+            <a:lvl5pPr marL="1828800" indent="0" algn="ctr" defTabSz="914400" rtl="0" eaLnBrk="1" latinLnBrk="0" hangingPunct="1">
+              <a:lnSpc>
+                <a:spcPct val="90000"/>
+              </a:lnSpc>
+              <a:spcBef>
+                <a:spcPts val="500"/>
+              </a:spcBef>
+              <a:buFont typeface="Arial" panose="020B0604020202020204" pitchFamily="34" charset="0"/>
+              <a:buNone/>
+              <a:defRPr sz="1600" kern="1200">
+                <a:solidFill>
+                  <a:schemeClr val="tx1"/>
+                </a:solidFill>
+                <a:latin typeface="+mn-lt"/>
+                <a:ea typeface="+mn-ea"/>
+                <a:cs typeface="+mn-cs"/>
+              </a:defRPr>
+            </a:lvl5pPr>
+            <a:lvl6pPr marL="2286000" indent="0" algn="ctr" defTabSz="914400" rtl="0" eaLnBrk="1" latinLnBrk="0" hangingPunct="1">
+              <a:lnSpc>
+                <a:spcPct val="90000"/>
+              </a:lnSpc>
+              <a:spcBef>
+                <a:spcPts val="500"/>
+              </a:spcBef>
+              <a:buFont typeface="Arial" panose="020B0604020202020204" pitchFamily="34" charset="0"/>
+              <a:buNone/>
+              <a:defRPr sz="1600" kern="1200">
+                <a:solidFill>
+                  <a:schemeClr val="tx1"/>
+                </a:solidFill>
+                <a:latin typeface="+mn-lt"/>
+                <a:ea typeface="+mn-ea"/>
+                <a:cs typeface="+mn-cs"/>
+              </a:defRPr>
+            </a:lvl6pPr>
+            <a:lvl7pPr marL="2743200" indent="0" algn="ctr" defTabSz="914400" rtl="0" eaLnBrk="1" latinLnBrk="0" hangingPunct="1">
+              <a:lnSpc>
+                <a:spcPct val="90000"/>
+              </a:lnSpc>
+              <a:spcBef>
+                <a:spcPts val="500"/>
+              </a:spcBef>
+              <a:buFont typeface="Arial" panose="020B0604020202020204" pitchFamily="34" charset="0"/>
+              <a:buNone/>
+              <a:defRPr sz="1600" kern="1200">
+                <a:solidFill>
+                  <a:schemeClr val="tx1"/>
+                </a:solidFill>
+                <a:latin typeface="+mn-lt"/>
+                <a:ea typeface="+mn-ea"/>
+                <a:cs typeface="+mn-cs"/>
+              </a:defRPr>
+            </a:lvl7pPr>
+            <a:lvl8pPr marL="3200400" indent="0" algn="ctr" defTabSz="914400" rtl="0" eaLnBrk="1" latinLnBrk="0" hangingPunct="1">
+              <a:lnSpc>
+                <a:spcPct val="90000"/>
+              </a:lnSpc>
+              <a:spcBef>
+                <a:spcPts val="500"/>
+              </a:spcBef>
+              <a:buFont typeface="Arial" panose="020B0604020202020204" pitchFamily="34" charset="0"/>
+              <a:buNone/>
+              <a:defRPr sz="1600" kern="1200">
+                <a:solidFill>
+                  <a:schemeClr val="tx1"/>
+                </a:solidFill>
+                <a:latin typeface="+mn-lt"/>
+                <a:ea typeface="+mn-ea"/>
+                <a:cs typeface="+mn-cs"/>
+              </a:defRPr>
+            </a:lvl8pPr>
+            <a:lvl9pPr marL="3657600" indent="0" algn="ctr" defTabSz="914400" rtl="0" eaLnBrk="1" latinLnBrk="0" hangingPunct="1">
+              <a:lnSpc>
+                <a:spcPct val="90000"/>
+              </a:lnSpc>
+              <a:spcBef>
+                <a:spcPts val="500"/>
+              </a:spcBef>
+              <a:buFont typeface="Arial" panose="020B0604020202020204" pitchFamily="34" charset="0"/>
+              <a:buNone/>
+              <a:defRPr sz="1600" kern="1200">
+                <a:solidFill>
+                  <a:schemeClr val="tx1"/>
+                </a:solidFill>
+                <a:latin typeface="+mn-lt"/>
+                <a:ea typeface="+mn-ea"/>
+                <a:cs typeface="+mn-cs"/>
+              </a:defRPr>
+            </a:lvl9pPr>
+          </a:lstStyle>
+          <a:p>
+            <a:pPr marL="342900" indent="-342900" algn="l">
+              <a:buFont typeface="Arial" panose="020B0604020202020204" pitchFamily="34" charset="0"/>
+              <a:buChar char="•"/>
+            </a:pPr>
+            <a:r>
+              <a:rPr lang="es-ES" dirty="0" err="1"/>
+              <a:t>Balanced</a:t>
+            </a:r>
+            <a:r>
+              <a:rPr lang="es-ES" dirty="0"/>
+              <a:t> </a:t>
+            </a:r>
+            <a:r>
+              <a:rPr lang="es-ES" dirty="0" err="1"/>
+              <a:t>model</a:t>
+            </a:r>
+            <a:r>
+              <a:rPr lang="es-ES" dirty="0"/>
+              <a:t> </a:t>
+            </a:r>
+            <a:r>
+              <a:rPr lang="es-ES" dirty="0" err="1"/>
+              <a:t>much</a:t>
+            </a:r>
+            <a:r>
+              <a:rPr lang="es-ES" dirty="0"/>
+              <a:t> </a:t>
+            </a:r>
+            <a:r>
+              <a:rPr lang="es-ES" dirty="0" err="1"/>
+              <a:t>better</a:t>
+            </a:r>
+            <a:endParaRPr lang="es-ES" dirty="0"/>
+          </a:p>
+          <a:p>
+            <a:pPr marL="800100" lvl="1" indent="-342900" algn="l">
+              <a:buFont typeface="Arial" panose="020B0604020202020204" pitchFamily="34" charset="0"/>
+              <a:buChar char="•"/>
+            </a:pPr>
+            <a:r>
+              <a:rPr lang="es-ES" dirty="0" err="1"/>
+              <a:t>Predicts</a:t>
+            </a:r>
+            <a:r>
+              <a:rPr lang="es-ES" dirty="0"/>
+              <a:t> </a:t>
+            </a:r>
+            <a:r>
+              <a:rPr lang="es-ES" dirty="0" err="1"/>
+              <a:t>almost</a:t>
+            </a:r>
+            <a:r>
+              <a:rPr lang="es-ES" dirty="0"/>
+              <a:t> </a:t>
+            </a:r>
+            <a:r>
+              <a:rPr lang="es-ES" dirty="0" err="1"/>
+              <a:t>all</a:t>
+            </a:r>
+            <a:r>
+              <a:rPr lang="es-ES" dirty="0"/>
+              <a:t> </a:t>
+            </a:r>
+            <a:r>
+              <a:rPr lang="es-ES" dirty="0" err="1"/>
+              <a:t>the</a:t>
+            </a:r>
+            <a:r>
+              <a:rPr lang="es-ES" dirty="0"/>
+              <a:t> </a:t>
+            </a:r>
+            <a:r>
+              <a:rPr lang="es-ES" dirty="0" err="1"/>
+              <a:t>attacks</a:t>
+            </a:r>
+            <a:endParaRPr lang="es-ES" dirty="0"/>
+          </a:p>
+          <a:p>
+            <a:pPr marL="800100" lvl="1" indent="-342900" algn="l">
+              <a:buFont typeface="Arial" panose="020B0604020202020204" pitchFamily="34" charset="0"/>
+              <a:buChar char="•"/>
+            </a:pPr>
+            <a:r>
+              <a:rPr lang="es-ES" dirty="0" err="1"/>
+              <a:t>It</a:t>
+            </a:r>
+            <a:r>
+              <a:rPr lang="es-ES" dirty="0"/>
+              <a:t> </a:t>
+            </a:r>
+            <a:r>
+              <a:rPr lang="es-ES" dirty="0" err="1"/>
+              <a:t>is</a:t>
+            </a:r>
+            <a:r>
+              <a:rPr lang="es-ES" dirty="0"/>
+              <a:t> </a:t>
+            </a:r>
+            <a:r>
+              <a:rPr lang="es-ES" dirty="0" err="1"/>
+              <a:t>much</a:t>
+            </a:r>
+            <a:r>
+              <a:rPr lang="es-ES" dirty="0"/>
+              <a:t> </a:t>
+            </a:r>
+            <a:r>
+              <a:rPr lang="es-ES" dirty="0" err="1"/>
+              <a:t>better</a:t>
+            </a:r>
+            <a:r>
+              <a:rPr lang="es-ES" dirty="0"/>
+              <a:t> </a:t>
+            </a:r>
+            <a:r>
+              <a:rPr lang="es-ES" dirty="0" err="1"/>
+              <a:t>to</a:t>
+            </a:r>
+            <a:r>
+              <a:rPr lang="es-ES" dirty="0"/>
+              <a:t> </a:t>
+            </a:r>
+            <a:r>
+              <a:rPr lang="es-ES" dirty="0" err="1"/>
+              <a:t>obtain</a:t>
+            </a:r>
+            <a:r>
+              <a:rPr lang="es-ES" dirty="0"/>
+              <a:t> false positives </a:t>
+            </a:r>
+            <a:r>
+              <a:rPr lang="es-ES" dirty="0" err="1"/>
+              <a:t>rather</a:t>
+            </a:r>
+            <a:r>
+              <a:rPr lang="es-ES" dirty="0"/>
+              <a:t> tan </a:t>
+            </a:r>
+            <a:r>
+              <a:rPr lang="es-ES" dirty="0" err="1"/>
+              <a:t>not</a:t>
+            </a:r>
+            <a:r>
+              <a:rPr lang="es-ES" dirty="0"/>
+              <a:t> </a:t>
+            </a:r>
+            <a:r>
+              <a:rPr lang="es-ES" dirty="0" err="1"/>
+              <a:t>detecting</a:t>
+            </a:r>
+            <a:r>
+              <a:rPr lang="es-ES" dirty="0"/>
+              <a:t> </a:t>
+            </a:r>
+            <a:r>
+              <a:rPr lang="es-ES" dirty="0" err="1"/>
+              <a:t>any</a:t>
+            </a:r>
+            <a:r>
+              <a:rPr lang="es-ES" dirty="0"/>
+              <a:t> </a:t>
+            </a:r>
+            <a:r>
+              <a:rPr lang="es-ES" dirty="0" err="1"/>
+              <a:t>of</a:t>
+            </a:r>
+            <a:r>
+              <a:rPr lang="es-ES" dirty="0"/>
+              <a:t> </a:t>
+            </a:r>
+            <a:r>
+              <a:rPr lang="es-ES" dirty="0" err="1"/>
+              <a:t>the</a:t>
+            </a:r>
+            <a:r>
+              <a:rPr lang="es-ES" dirty="0"/>
+              <a:t> </a:t>
+            </a:r>
+            <a:r>
+              <a:rPr lang="es-ES" dirty="0" err="1"/>
+              <a:t>attack</a:t>
+            </a:r>
+            <a:r>
+              <a:rPr lang="es-ES" dirty="0"/>
+              <a:t> </a:t>
+            </a:r>
+            <a:r>
+              <a:rPr lang="es-ES" dirty="0" err="1"/>
+              <a:t>situations</a:t>
+            </a:r>
+            <a:endParaRPr lang="es-ES" dirty="0"/>
+          </a:p>
+        </p:txBody>
+      </p:sp>
+    </p:spTree>
+    <p:extLst>
+      <p:ext uri="{BB962C8B-B14F-4D97-AF65-F5344CB8AC3E}">
+        <p14:creationId xmlns:p14="http://schemas.microsoft.com/office/powerpoint/2010/main" val="1356218530"/>
       </p:ext>
     </p:extLst>
   </p:cSld>

--- a/Task3/doc/Task3.pptx
+++ b/Task3/doc/Task3.pptx
@@ -4754,12 +4754,8 @@
               <a:t> </a:t>
             </a:r>
             <a:r>
-              <a:rPr lang="es-ES" dirty="0" err="1"/>
-              <a:t>o</a:t>
-            </a:r>
-            <a:r>
               <a:rPr lang="es-ES" b="1" dirty="0" err="1"/>
-              <a:t>btain</a:t>
+              <a:t>obtain</a:t>
             </a:r>
             <a:r>
               <a:rPr lang="es-ES" b="1" dirty="0"/>
@@ -4818,15 +4814,7 @@
             </a:pPr>
             <a:r>
               <a:rPr lang="es-ES" dirty="0" err="1"/>
-              <a:t>To</a:t>
-            </a:r>
-            <a:r>
-              <a:rPr lang="es-ES" dirty="0"/>
-              <a:t> do so, </a:t>
-            </a:r>
-            <a:r>
-              <a:rPr lang="es-ES" dirty="0" err="1"/>
-              <a:t>we</a:t>
+              <a:t>We</a:t>
             </a:r>
             <a:r>
               <a:rPr lang="es-ES" dirty="0"/>
@@ -4849,12 +4837,8 @@
               <a:t> </a:t>
             </a:r>
             <a:r>
-              <a:rPr lang="es-ES" dirty="0" err="1"/>
-              <a:t>se</a:t>
-            </a:r>
-            <a:r>
               <a:rPr lang="es-ES" b="1" dirty="0" err="1"/>
-              <a:t>lect</a:t>
+              <a:t>select</a:t>
             </a:r>
             <a:r>
               <a:rPr lang="es-ES" b="1" dirty="0"/>
@@ -4887,6 +4871,14 @@
             <a:r>
               <a:rPr lang="es-ES" b="1" dirty="0" err="1"/>
               <a:t>relevance</a:t>
+            </a:r>
+            <a:r>
+              <a:rPr lang="es-ES" dirty="0"/>
+              <a:t> </a:t>
+            </a:r>
+            <a:r>
+              <a:rPr lang="es-ES" b="1" dirty="0" err="1"/>
+              <a:t>to</a:t>
             </a:r>
             <a:r>
               <a:rPr lang="es-ES" dirty="0"/>
@@ -6151,7 +6143,7 @@
         <p:spPr>
           <a:xfrm>
             <a:off x="7495340" y="3619137"/>
-            <a:ext cx="1231556" cy="461665"/>
+            <a:ext cx="1270028" cy="461665"/>
           </a:xfrm>
           <a:prstGeom prst="rect">
             <a:avLst/>
@@ -6166,13 +6158,7 @@
           <a:p>
             <a:r>
               <a:rPr lang="es-ES" sz="1200" dirty="0"/>
-              <a:t>Train: 30 simples</a:t>
-            </a:r>
-          </a:p>
-          <a:p>
-            <a:r>
-              <a:rPr lang="es-ES" sz="1200" dirty="0"/>
-              <a:t>Test: 8 </a:t>
+              <a:t>Train: 30 </a:t>
             </a:r>
             <a:r>
               <a:rPr lang="es-ES" sz="1200" dirty="0" err="1"/>
@@ -6180,6 +6166,17 @@
             </a:r>
             <a:endParaRPr lang="es-ES" sz="1200" dirty="0"/>
           </a:p>
+          <a:p>
+            <a:r>
+              <a:rPr lang="es-ES" sz="1200" dirty="0"/>
+              <a:t>Test:     8 </a:t>
+            </a:r>
+            <a:r>
+              <a:rPr lang="es-ES" sz="1200" dirty="0" err="1"/>
+              <a:t>samples</a:t>
+            </a:r>
+            <a:endParaRPr lang="es-ES" sz="1200" dirty="0"/>
+          </a:p>
         </p:txBody>
       </p:sp>
       <p:sp>
@@ -6197,7 +6194,7 @@
         <p:spPr>
           <a:xfrm>
             <a:off x="7495340" y="5258988"/>
-            <a:ext cx="1467197" cy="461665"/>
+            <a:ext cx="1505669" cy="461665"/>
           </a:xfrm>
           <a:prstGeom prst="rect">
             <a:avLst/>
@@ -6212,13 +6209,18 @@
           <a:p>
             <a:r>
               <a:rPr lang="es-ES" sz="1200" dirty="0"/>
-              <a:t>Train: 19584 simples</a:t>
-            </a:r>
+              <a:t>Train: 19584 </a:t>
+            </a:r>
+            <a:r>
+              <a:rPr lang="es-ES" sz="1200" dirty="0" err="1"/>
+              <a:t>samples</a:t>
+            </a:r>
+            <a:endParaRPr lang="es-ES" sz="1200" dirty="0"/>
           </a:p>
           <a:p>
             <a:r>
               <a:rPr lang="es-ES" sz="1200" dirty="0"/>
-              <a:t>Test: 4896 </a:t>
+              <a:t>Test:     4896 </a:t>
             </a:r>
             <a:r>
               <a:rPr lang="es-ES" sz="1200" dirty="0" err="1"/>
@@ -11365,8 +11367,8 @@
           </a:p>
         </p:txBody>
       </p:sp>
-      <mc:AlternateContent xmlns:mc="http://schemas.openxmlformats.org/markup-compatibility/2006">
-        <mc:Choice xmlns:a14="http://schemas.microsoft.com/office/drawing/2010/main" Requires="a14">
+      <mc:AlternateContent xmlns:mc="http://schemas.openxmlformats.org/markup-compatibility/2006" xmlns:a14="http://schemas.microsoft.com/office/drawing/2010/main">
+        <mc:Choice Requires="a14">
           <p:sp>
             <p:nvSpPr>
               <p:cNvPr id="21" name="Marcador de contenido 2">
@@ -11725,7 +11727,7 @@
             </p:txBody>
           </p:sp>
         </mc:Choice>
-        <mc:Fallback>
+        <mc:Fallback xmlns="">
           <p:sp>
             <p:nvSpPr>
               <p:cNvPr id="21" name="Marcador de contenido 2">
@@ -12239,6 +12241,112 @@
   <p:clrMapOvr>
     <a:masterClrMapping/>
   </p:clrMapOvr>
+  <p:timing>
+    <p:tnLst>
+      <p:par>
+        <p:cTn id="1" dur="indefinite" restart="never" nodeType="tmRoot">
+          <p:childTnLst>
+            <p:seq concurrent="1" nextAc="seek">
+              <p:cTn id="2" dur="indefinite" nodeType="mainSeq">
+                <p:childTnLst>
+                  <p:par>
+                    <p:cTn id="3" fill="hold">
+                      <p:stCondLst>
+                        <p:cond delay="indefinite"/>
+                      </p:stCondLst>
+                      <p:childTnLst>
+                        <p:par>
+                          <p:cTn id="4" fill="hold">
+                            <p:stCondLst>
+                              <p:cond delay="0"/>
+                            </p:stCondLst>
+                            <p:childTnLst>
+                              <p:par>
+                                <p:cTn id="5" presetID="1" presetClass="entr" presetSubtype="0" fill="hold" grpId="0" nodeType="clickEffect">
+                                  <p:stCondLst>
+                                    <p:cond delay="0"/>
+                                  </p:stCondLst>
+                                  <p:childTnLst>
+                                    <p:set>
+                                      <p:cBhvr>
+                                        <p:cTn id="6" dur="1" fill="hold">
+                                          <p:stCondLst>
+                                            <p:cond delay="0"/>
+                                          </p:stCondLst>
+                                        </p:cTn>
+                                        <p:tgtEl>
+                                          <p:spTgt spid="7"/>
+                                        </p:tgtEl>
+                                        <p:attrNameLst>
+                                          <p:attrName>style.visibility</p:attrName>
+                                        </p:attrNameLst>
+                                      </p:cBhvr>
+                                      <p:to>
+                                        <p:strVal val="visible"/>
+                                      </p:to>
+                                    </p:set>
+                                  </p:childTnLst>
+                                </p:cTn>
+                              </p:par>
+                              <p:par>
+                                <p:cTn id="7" presetID="1" presetClass="entr" presetSubtype="0" fill="hold" grpId="0" nodeType="withEffect">
+                                  <p:stCondLst>
+                                    <p:cond delay="0"/>
+                                  </p:stCondLst>
+                                  <p:childTnLst>
+                                    <p:set>
+                                      <p:cBhvr>
+                                        <p:cTn id="8" dur="1" fill="hold">
+                                          <p:stCondLst>
+                                            <p:cond delay="0"/>
+                                          </p:stCondLst>
+                                        </p:cTn>
+                                        <p:tgtEl>
+                                          <p:spTgt spid="6"/>
+                                        </p:tgtEl>
+                                        <p:attrNameLst>
+                                          <p:attrName>style.visibility</p:attrName>
+                                        </p:attrNameLst>
+                                      </p:cBhvr>
+                                      <p:to>
+                                        <p:strVal val="visible"/>
+                                      </p:to>
+                                    </p:set>
+                                  </p:childTnLst>
+                                </p:cTn>
+                              </p:par>
+                            </p:childTnLst>
+                          </p:cTn>
+                        </p:par>
+                      </p:childTnLst>
+                    </p:cTn>
+                  </p:par>
+                </p:childTnLst>
+              </p:cTn>
+              <p:prevCondLst>
+                <p:cond evt="onPrev" delay="0">
+                  <p:tgtEl>
+                    <p:sldTgt/>
+                  </p:tgtEl>
+                </p:cond>
+              </p:prevCondLst>
+              <p:nextCondLst>
+                <p:cond evt="onNext" delay="0">
+                  <p:tgtEl>
+                    <p:sldTgt/>
+                  </p:tgtEl>
+                </p:cond>
+              </p:nextCondLst>
+            </p:seq>
+          </p:childTnLst>
+        </p:cTn>
+      </p:par>
+    </p:tnLst>
+    <p:bldLst>
+      <p:bldP spid="6" grpId="0" animBg="1"/>
+      <p:bldP spid="7" grpId="0"/>
+    </p:bldLst>
+  </p:timing>
 </p:sld>
 </file>
 
@@ -14597,7 +14705,7 @@
             </a:r>
             <a:r>
               <a:rPr lang="es-ES" dirty="0"/>
-              <a:t> cases </a:t>
+              <a:t> case </a:t>
             </a:r>
             <a:r>
               <a:rPr lang="es-ES" dirty="0" err="1"/>
